--- a/RGBMusicPresentation - Zehavit.pptx
+++ b/RGBMusicPresentation - Zehavit.pptx
@@ -5,7 +5,7 @@
     <p:sldMasterId id="2147483660" r:id="rId1"/>
   </p:sldMasterIdLst>
   <p:notesMasterIdLst>
-    <p:notesMasterId r:id="rId13"/>
+    <p:notesMasterId r:id="rId15"/>
   </p:notesMasterIdLst>
   <p:sldIdLst>
     <p:sldId id="256" r:id="rId2"/>
@@ -15,10 +15,12 @@
     <p:sldId id="261" r:id="rId6"/>
     <p:sldId id="262" r:id="rId7"/>
     <p:sldId id="263" r:id="rId8"/>
-    <p:sldId id="264" r:id="rId9"/>
-    <p:sldId id="265" r:id="rId10"/>
-    <p:sldId id="259" r:id="rId11"/>
-    <p:sldId id="266" r:id="rId12"/>
+    <p:sldId id="268" r:id="rId9"/>
+    <p:sldId id="264" r:id="rId10"/>
+    <p:sldId id="265" r:id="rId11"/>
+    <p:sldId id="259" r:id="rId12"/>
+    <p:sldId id="267" r:id="rId13"/>
+    <p:sldId id="266" r:id="rId14"/>
   </p:sldIdLst>
   <p:sldSz cx="12192000" cy="6858000"/>
   <p:notesSz cx="6858000" cy="9144000"/>
@@ -207,7 +209,7 @@
           <a:p>
             <a:fld id="{E915A3F3-128A-4D96-B02F-ECDB675C7CC8}" type="datetimeFigureOut">
               <a:rPr lang="en-US" smtClean="0"/>
-              <a:t>12/3/2018</a:t>
+              <a:t>12/4/2018</a:t>
             </a:fld>
             <a:endParaRPr lang="en-US"/>
           </a:p>
@@ -732,7 +734,259 @@
           <a:p>
             <a:fld id="{AA9BED1A-8388-4503-8515-6BC02580799D}" type="slidenum">
               <a:rPr lang="en-US" smtClean="0"/>
-              <a:t>9</a:t>
+              <a:t>5</a:t>
+            </a:fld>
+            <a:endParaRPr lang="en-US"/>
+          </a:p>
+        </p:txBody>
+      </p:sp>
+    </p:spTree>
+    <p:extLst>
+      <p:ext uri="{BB962C8B-B14F-4D97-AF65-F5344CB8AC3E}">
+        <p14:creationId xmlns:p14="http://schemas.microsoft.com/office/powerpoint/2010/main" val="2325970450"/>
+      </p:ext>
+    </p:extLst>
+  </p:cSld>
+  <p:clrMapOvr>
+    <a:masterClrMapping/>
+  </p:clrMapOvr>
+</p:notes>
+</file>
+
+<file path=ppt/notesSlides/notesSlide3.xml><?xml version="1.0" encoding="utf-8"?>
+<p:notes xmlns:a="http://schemas.openxmlformats.org/drawingml/2006/main" xmlns:r="http://schemas.openxmlformats.org/officeDocument/2006/relationships" xmlns:p="http://schemas.openxmlformats.org/presentationml/2006/main">
+  <p:cSld>
+    <p:spTree>
+      <p:nvGrpSpPr>
+        <p:cNvPr id="1" name=""/>
+        <p:cNvGrpSpPr/>
+        <p:nvPr/>
+      </p:nvGrpSpPr>
+      <p:grpSpPr>
+        <a:xfrm>
+          <a:off x="0" y="0"/>
+          <a:ext cx="0" cy="0"/>
+          <a:chOff x="0" y="0"/>
+          <a:chExt cx="0" cy="0"/>
+        </a:xfrm>
+      </p:grpSpPr>
+      <p:sp>
+        <p:nvSpPr>
+          <p:cNvPr id="2" name="Slide Image Placeholder 1"/>
+          <p:cNvSpPr>
+            <a:spLocks noGrp="1" noRot="1" noChangeAspect="1"/>
+          </p:cNvSpPr>
+          <p:nvPr>
+            <p:ph type="sldImg"/>
+          </p:nvPr>
+        </p:nvSpPr>
+        <p:spPr/>
+      </p:sp>
+      <p:sp>
+        <p:nvSpPr>
+          <p:cNvPr id="3" name="Notes Placeholder 2"/>
+          <p:cNvSpPr>
+            <a:spLocks noGrp="1"/>
+          </p:cNvSpPr>
+          <p:nvPr>
+            <p:ph type="body" idx="1"/>
+          </p:nvPr>
+        </p:nvSpPr>
+        <p:spPr/>
+        <p:txBody>
+          <a:bodyPr/>
+          <a:lstStyle/>
+          <a:p>
+            <a:endParaRPr lang="he-IL" dirty="0"/>
+          </a:p>
+        </p:txBody>
+      </p:sp>
+      <p:sp>
+        <p:nvSpPr>
+          <p:cNvPr id="4" name="Slide Number Placeholder 3"/>
+          <p:cNvSpPr>
+            <a:spLocks noGrp="1"/>
+          </p:cNvSpPr>
+          <p:nvPr>
+            <p:ph type="sldNum" sz="quarter" idx="10"/>
+          </p:nvPr>
+        </p:nvSpPr>
+        <p:spPr/>
+        <p:txBody>
+          <a:bodyPr/>
+          <a:lstStyle/>
+          <a:p>
+            <a:fld id="{AA9BED1A-8388-4503-8515-6BC02580799D}" type="slidenum">
+              <a:rPr lang="en-US" smtClean="0"/>
+              <a:t>7</a:t>
+            </a:fld>
+            <a:endParaRPr lang="en-US"/>
+          </a:p>
+        </p:txBody>
+      </p:sp>
+    </p:spTree>
+    <p:extLst>
+      <p:ext uri="{BB962C8B-B14F-4D97-AF65-F5344CB8AC3E}">
+        <p14:creationId xmlns:p14="http://schemas.microsoft.com/office/powerpoint/2010/main" val="2359959504"/>
+      </p:ext>
+    </p:extLst>
+  </p:cSld>
+  <p:clrMapOvr>
+    <a:masterClrMapping/>
+  </p:clrMapOvr>
+</p:notes>
+</file>
+
+<file path=ppt/notesSlides/notesSlide4.xml><?xml version="1.0" encoding="utf-8"?>
+<p:notes xmlns:a="http://schemas.openxmlformats.org/drawingml/2006/main" xmlns:r="http://schemas.openxmlformats.org/officeDocument/2006/relationships" xmlns:p="http://schemas.openxmlformats.org/presentationml/2006/main">
+  <p:cSld>
+    <p:spTree>
+      <p:nvGrpSpPr>
+        <p:cNvPr id="1" name=""/>
+        <p:cNvGrpSpPr/>
+        <p:nvPr/>
+      </p:nvGrpSpPr>
+      <p:grpSpPr>
+        <a:xfrm>
+          <a:off x="0" y="0"/>
+          <a:ext cx="0" cy="0"/>
+          <a:chOff x="0" y="0"/>
+          <a:chExt cx="0" cy="0"/>
+        </a:xfrm>
+      </p:grpSpPr>
+      <p:sp>
+        <p:nvSpPr>
+          <p:cNvPr id="2" name="Slide Image Placeholder 1"/>
+          <p:cNvSpPr>
+            <a:spLocks noGrp="1" noRot="1" noChangeAspect="1"/>
+          </p:cNvSpPr>
+          <p:nvPr>
+            <p:ph type="sldImg"/>
+          </p:nvPr>
+        </p:nvSpPr>
+        <p:spPr/>
+      </p:sp>
+      <p:sp>
+        <p:nvSpPr>
+          <p:cNvPr id="3" name="Notes Placeholder 2"/>
+          <p:cNvSpPr>
+            <a:spLocks noGrp="1"/>
+          </p:cNvSpPr>
+          <p:nvPr>
+            <p:ph type="body" idx="1"/>
+          </p:nvPr>
+        </p:nvSpPr>
+        <p:spPr/>
+        <p:txBody>
+          <a:bodyPr/>
+          <a:lstStyle/>
+          <a:p>
+            <a:endParaRPr lang="he-IL" dirty="0"/>
+          </a:p>
+        </p:txBody>
+      </p:sp>
+      <p:sp>
+        <p:nvSpPr>
+          <p:cNvPr id="4" name="Slide Number Placeholder 3"/>
+          <p:cNvSpPr>
+            <a:spLocks noGrp="1"/>
+          </p:cNvSpPr>
+          <p:nvPr>
+            <p:ph type="sldNum" sz="quarter" idx="10"/>
+          </p:nvPr>
+        </p:nvSpPr>
+        <p:spPr/>
+        <p:txBody>
+          <a:bodyPr/>
+          <a:lstStyle/>
+          <a:p>
+            <a:fld id="{AA9BED1A-8388-4503-8515-6BC02580799D}" type="slidenum">
+              <a:rPr lang="en-US" smtClean="0"/>
+              <a:t>8</a:t>
+            </a:fld>
+            <a:endParaRPr lang="en-US"/>
+          </a:p>
+        </p:txBody>
+      </p:sp>
+    </p:spTree>
+    <p:extLst>
+      <p:ext uri="{BB962C8B-B14F-4D97-AF65-F5344CB8AC3E}">
+        <p14:creationId xmlns:p14="http://schemas.microsoft.com/office/powerpoint/2010/main" val="2099752890"/>
+      </p:ext>
+    </p:extLst>
+  </p:cSld>
+  <p:clrMapOvr>
+    <a:masterClrMapping/>
+  </p:clrMapOvr>
+</p:notes>
+</file>
+
+<file path=ppt/notesSlides/notesSlide5.xml><?xml version="1.0" encoding="utf-8"?>
+<p:notes xmlns:a="http://schemas.openxmlformats.org/drawingml/2006/main" xmlns:r="http://schemas.openxmlformats.org/officeDocument/2006/relationships" xmlns:p="http://schemas.openxmlformats.org/presentationml/2006/main">
+  <p:cSld>
+    <p:spTree>
+      <p:nvGrpSpPr>
+        <p:cNvPr id="1" name=""/>
+        <p:cNvGrpSpPr/>
+        <p:nvPr/>
+      </p:nvGrpSpPr>
+      <p:grpSpPr>
+        <a:xfrm>
+          <a:off x="0" y="0"/>
+          <a:ext cx="0" cy="0"/>
+          <a:chOff x="0" y="0"/>
+          <a:chExt cx="0" cy="0"/>
+        </a:xfrm>
+      </p:grpSpPr>
+      <p:sp>
+        <p:nvSpPr>
+          <p:cNvPr id="2" name="Slide Image Placeholder 1"/>
+          <p:cNvSpPr>
+            <a:spLocks noGrp="1" noRot="1" noChangeAspect="1"/>
+          </p:cNvSpPr>
+          <p:nvPr>
+            <p:ph type="sldImg"/>
+          </p:nvPr>
+        </p:nvSpPr>
+        <p:spPr/>
+      </p:sp>
+      <p:sp>
+        <p:nvSpPr>
+          <p:cNvPr id="3" name="Notes Placeholder 2"/>
+          <p:cNvSpPr>
+            <a:spLocks noGrp="1"/>
+          </p:cNvSpPr>
+          <p:nvPr>
+            <p:ph type="body" idx="1"/>
+          </p:nvPr>
+        </p:nvSpPr>
+        <p:spPr/>
+        <p:txBody>
+          <a:bodyPr/>
+          <a:lstStyle/>
+          <a:p>
+            <a:endParaRPr lang="he-IL" dirty="0"/>
+          </a:p>
+        </p:txBody>
+      </p:sp>
+      <p:sp>
+        <p:nvSpPr>
+          <p:cNvPr id="4" name="Slide Number Placeholder 3"/>
+          <p:cNvSpPr>
+            <a:spLocks noGrp="1"/>
+          </p:cNvSpPr>
+          <p:nvPr>
+            <p:ph type="sldNum" sz="quarter" idx="10"/>
+          </p:nvPr>
+        </p:nvSpPr>
+        <p:spPr/>
+        <p:txBody>
+          <a:bodyPr/>
+          <a:lstStyle/>
+          <a:p>
+            <a:fld id="{AA9BED1A-8388-4503-8515-6BC02580799D}" type="slidenum">
+              <a:rPr lang="en-US" smtClean="0"/>
+              <a:t>10</a:t>
             </a:fld>
             <a:endParaRPr lang="en-US"/>
           </a:p>
@@ -742,6 +996,258 @@
     <p:extLst>
       <p:ext uri="{BB962C8B-B14F-4D97-AF65-F5344CB8AC3E}">
         <p14:creationId xmlns:p14="http://schemas.microsoft.com/office/powerpoint/2010/main" val="2953944922"/>
+      </p:ext>
+    </p:extLst>
+  </p:cSld>
+  <p:clrMapOvr>
+    <a:masterClrMapping/>
+  </p:clrMapOvr>
+</p:notes>
+</file>
+
+<file path=ppt/notesSlides/notesSlide6.xml><?xml version="1.0" encoding="utf-8"?>
+<p:notes xmlns:a="http://schemas.openxmlformats.org/drawingml/2006/main" xmlns:r="http://schemas.openxmlformats.org/officeDocument/2006/relationships" xmlns:p="http://schemas.openxmlformats.org/presentationml/2006/main">
+  <p:cSld>
+    <p:spTree>
+      <p:nvGrpSpPr>
+        <p:cNvPr id="1" name=""/>
+        <p:cNvGrpSpPr/>
+        <p:nvPr/>
+      </p:nvGrpSpPr>
+      <p:grpSpPr>
+        <a:xfrm>
+          <a:off x="0" y="0"/>
+          <a:ext cx="0" cy="0"/>
+          <a:chOff x="0" y="0"/>
+          <a:chExt cx="0" cy="0"/>
+        </a:xfrm>
+      </p:grpSpPr>
+      <p:sp>
+        <p:nvSpPr>
+          <p:cNvPr id="2" name="Slide Image Placeholder 1"/>
+          <p:cNvSpPr>
+            <a:spLocks noGrp="1" noRot="1" noChangeAspect="1"/>
+          </p:cNvSpPr>
+          <p:nvPr>
+            <p:ph type="sldImg"/>
+          </p:nvPr>
+        </p:nvSpPr>
+        <p:spPr/>
+      </p:sp>
+      <p:sp>
+        <p:nvSpPr>
+          <p:cNvPr id="3" name="Notes Placeholder 2"/>
+          <p:cNvSpPr>
+            <a:spLocks noGrp="1"/>
+          </p:cNvSpPr>
+          <p:nvPr>
+            <p:ph type="body" idx="1"/>
+          </p:nvPr>
+        </p:nvSpPr>
+        <p:spPr/>
+        <p:txBody>
+          <a:bodyPr/>
+          <a:lstStyle/>
+          <a:p>
+            <a:endParaRPr lang="he-IL" dirty="0"/>
+          </a:p>
+        </p:txBody>
+      </p:sp>
+      <p:sp>
+        <p:nvSpPr>
+          <p:cNvPr id="4" name="Slide Number Placeholder 3"/>
+          <p:cNvSpPr>
+            <a:spLocks noGrp="1"/>
+          </p:cNvSpPr>
+          <p:nvPr>
+            <p:ph type="sldNum" sz="quarter" idx="10"/>
+          </p:nvPr>
+        </p:nvSpPr>
+        <p:spPr/>
+        <p:txBody>
+          <a:bodyPr/>
+          <a:lstStyle/>
+          <a:p>
+            <a:fld id="{AA9BED1A-8388-4503-8515-6BC02580799D}" type="slidenum">
+              <a:rPr lang="en-US" smtClean="0"/>
+              <a:t>11</a:t>
+            </a:fld>
+            <a:endParaRPr lang="en-US"/>
+          </a:p>
+        </p:txBody>
+      </p:sp>
+    </p:spTree>
+    <p:extLst>
+      <p:ext uri="{BB962C8B-B14F-4D97-AF65-F5344CB8AC3E}">
+        <p14:creationId xmlns:p14="http://schemas.microsoft.com/office/powerpoint/2010/main" val="4157221038"/>
+      </p:ext>
+    </p:extLst>
+  </p:cSld>
+  <p:clrMapOvr>
+    <a:masterClrMapping/>
+  </p:clrMapOvr>
+</p:notes>
+</file>
+
+<file path=ppt/notesSlides/notesSlide7.xml><?xml version="1.0" encoding="utf-8"?>
+<p:notes xmlns:a="http://schemas.openxmlformats.org/drawingml/2006/main" xmlns:r="http://schemas.openxmlformats.org/officeDocument/2006/relationships" xmlns:p="http://schemas.openxmlformats.org/presentationml/2006/main">
+  <p:cSld>
+    <p:spTree>
+      <p:nvGrpSpPr>
+        <p:cNvPr id="1" name=""/>
+        <p:cNvGrpSpPr/>
+        <p:nvPr/>
+      </p:nvGrpSpPr>
+      <p:grpSpPr>
+        <a:xfrm>
+          <a:off x="0" y="0"/>
+          <a:ext cx="0" cy="0"/>
+          <a:chOff x="0" y="0"/>
+          <a:chExt cx="0" cy="0"/>
+        </a:xfrm>
+      </p:grpSpPr>
+      <p:sp>
+        <p:nvSpPr>
+          <p:cNvPr id="2" name="Slide Image Placeholder 1"/>
+          <p:cNvSpPr>
+            <a:spLocks noGrp="1" noRot="1" noChangeAspect="1"/>
+          </p:cNvSpPr>
+          <p:nvPr>
+            <p:ph type="sldImg"/>
+          </p:nvPr>
+        </p:nvSpPr>
+        <p:spPr/>
+      </p:sp>
+      <p:sp>
+        <p:nvSpPr>
+          <p:cNvPr id="3" name="Notes Placeholder 2"/>
+          <p:cNvSpPr>
+            <a:spLocks noGrp="1"/>
+          </p:cNvSpPr>
+          <p:nvPr>
+            <p:ph type="body" idx="1"/>
+          </p:nvPr>
+        </p:nvSpPr>
+        <p:spPr/>
+        <p:txBody>
+          <a:bodyPr/>
+          <a:lstStyle/>
+          <a:p>
+            <a:endParaRPr lang="he-IL" dirty="0"/>
+          </a:p>
+        </p:txBody>
+      </p:sp>
+      <p:sp>
+        <p:nvSpPr>
+          <p:cNvPr id="4" name="Slide Number Placeholder 3"/>
+          <p:cNvSpPr>
+            <a:spLocks noGrp="1"/>
+          </p:cNvSpPr>
+          <p:nvPr>
+            <p:ph type="sldNum" sz="quarter" idx="10"/>
+          </p:nvPr>
+        </p:nvSpPr>
+        <p:spPr/>
+        <p:txBody>
+          <a:bodyPr/>
+          <a:lstStyle/>
+          <a:p>
+            <a:fld id="{AA9BED1A-8388-4503-8515-6BC02580799D}" type="slidenum">
+              <a:rPr lang="en-US" smtClean="0"/>
+              <a:t>12</a:t>
+            </a:fld>
+            <a:endParaRPr lang="en-US"/>
+          </a:p>
+        </p:txBody>
+      </p:sp>
+    </p:spTree>
+    <p:extLst>
+      <p:ext uri="{BB962C8B-B14F-4D97-AF65-F5344CB8AC3E}">
+        <p14:creationId xmlns:p14="http://schemas.microsoft.com/office/powerpoint/2010/main" val="148846294"/>
+      </p:ext>
+    </p:extLst>
+  </p:cSld>
+  <p:clrMapOvr>
+    <a:masterClrMapping/>
+  </p:clrMapOvr>
+</p:notes>
+</file>
+
+<file path=ppt/notesSlides/notesSlide8.xml><?xml version="1.0" encoding="utf-8"?>
+<p:notes xmlns:a="http://schemas.openxmlformats.org/drawingml/2006/main" xmlns:r="http://schemas.openxmlformats.org/officeDocument/2006/relationships" xmlns:p="http://schemas.openxmlformats.org/presentationml/2006/main">
+  <p:cSld>
+    <p:spTree>
+      <p:nvGrpSpPr>
+        <p:cNvPr id="1" name=""/>
+        <p:cNvGrpSpPr/>
+        <p:nvPr/>
+      </p:nvGrpSpPr>
+      <p:grpSpPr>
+        <a:xfrm>
+          <a:off x="0" y="0"/>
+          <a:ext cx="0" cy="0"/>
+          <a:chOff x="0" y="0"/>
+          <a:chExt cx="0" cy="0"/>
+        </a:xfrm>
+      </p:grpSpPr>
+      <p:sp>
+        <p:nvSpPr>
+          <p:cNvPr id="2" name="Slide Image Placeholder 1"/>
+          <p:cNvSpPr>
+            <a:spLocks noGrp="1" noRot="1" noChangeAspect="1"/>
+          </p:cNvSpPr>
+          <p:nvPr>
+            <p:ph type="sldImg"/>
+          </p:nvPr>
+        </p:nvSpPr>
+        <p:spPr/>
+      </p:sp>
+      <p:sp>
+        <p:nvSpPr>
+          <p:cNvPr id="3" name="Notes Placeholder 2"/>
+          <p:cNvSpPr>
+            <a:spLocks noGrp="1"/>
+          </p:cNvSpPr>
+          <p:nvPr>
+            <p:ph type="body" idx="1"/>
+          </p:nvPr>
+        </p:nvSpPr>
+        <p:spPr/>
+        <p:txBody>
+          <a:bodyPr/>
+          <a:lstStyle/>
+          <a:p>
+            <a:endParaRPr lang="he-IL" dirty="0"/>
+          </a:p>
+        </p:txBody>
+      </p:sp>
+      <p:sp>
+        <p:nvSpPr>
+          <p:cNvPr id="4" name="Slide Number Placeholder 3"/>
+          <p:cNvSpPr>
+            <a:spLocks noGrp="1"/>
+          </p:cNvSpPr>
+          <p:nvPr>
+            <p:ph type="sldNum" sz="quarter" idx="10"/>
+          </p:nvPr>
+        </p:nvSpPr>
+        <p:spPr/>
+        <p:txBody>
+          <a:bodyPr/>
+          <a:lstStyle/>
+          <a:p>
+            <a:fld id="{AA9BED1A-8388-4503-8515-6BC02580799D}" type="slidenum">
+              <a:rPr lang="en-US" smtClean="0"/>
+              <a:t>13</a:t>
+            </a:fld>
+            <a:endParaRPr lang="en-US"/>
+          </a:p>
+        </p:txBody>
+      </p:sp>
+    </p:spTree>
+    <p:extLst>
+      <p:ext uri="{BB962C8B-B14F-4D97-AF65-F5344CB8AC3E}">
+        <p14:creationId xmlns:p14="http://schemas.microsoft.com/office/powerpoint/2010/main" val="1979745150"/>
       </p:ext>
     </p:extLst>
   </p:cSld>
@@ -1154,7 +1660,7 @@
           <a:p>
             <a:fld id="{318D53EE-AD22-4BCC-B47B-45E9D925B68F}" type="datetimeFigureOut">
               <a:rPr lang="en-US" smtClean="0"/>
-              <a:t>12/3/2018</a:t>
+              <a:t>12/4/2018</a:t>
             </a:fld>
             <a:endParaRPr lang="en-US"/>
           </a:p>
@@ -1333,7 +1839,7 @@
           <a:p>
             <a:fld id="{318D53EE-AD22-4BCC-B47B-45E9D925B68F}" type="datetimeFigureOut">
               <a:rPr lang="en-US" smtClean="0"/>
-              <a:t>12/3/2018</a:t>
+              <a:t>12/4/2018</a:t>
             </a:fld>
             <a:endParaRPr lang="en-US"/>
           </a:p>
@@ -1513,7 +2019,7 @@
           <a:p>
             <a:fld id="{318D53EE-AD22-4BCC-B47B-45E9D925B68F}" type="datetimeFigureOut">
               <a:rPr lang="en-US" smtClean="0"/>
-              <a:t>12/3/2018</a:t>
+              <a:t>12/4/2018</a:t>
             </a:fld>
             <a:endParaRPr lang="en-US"/>
           </a:p>
@@ -1683,7 +2189,7 @@
           <a:p>
             <a:fld id="{318D53EE-AD22-4BCC-B47B-45E9D925B68F}" type="datetimeFigureOut">
               <a:rPr lang="en-US" smtClean="0"/>
-              <a:t>12/3/2018</a:t>
+              <a:t>12/4/2018</a:t>
             </a:fld>
             <a:endParaRPr lang="en-US"/>
           </a:p>
@@ -1996,7 +2502,7 @@
           <a:p>
             <a:fld id="{318D53EE-AD22-4BCC-B47B-45E9D925B68F}" type="datetimeFigureOut">
               <a:rPr lang="en-US" smtClean="0"/>
-              <a:t>12/3/2018</a:t>
+              <a:t>12/4/2018</a:t>
             </a:fld>
             <a:endParaRPr lang="en-US"/>
           </a:p>
@@ -2382,7 +2888,7 @@
           <a:p>
             <a:fld id="{318D53EE-AD22-4BCC-B47B-45E9D925B68F}" type="datetimeFigureOut">
               <a:rPr lang="en-US" smtClean="0"/>
-              <a:t>12/3/2018</a:t>
+              <a:t>12/4/2018</a:t>
             </a:fld>
             <a:endParaRPr lang="en-US"/>
           </a:p>
@@ -2816,7 +3322,7 @@
           <a:p>
             <a:fld id="{318D53EE-AD22-4BCC-B47B-45E9D925B68F}" type="datetimeFigureOut">
               <a:rPr lang="en-US" smtClean="0"/>
-              <a:t>12/3/2018</a:t>
+              <a:t>12/4/2018</a:t>
             </a:fld>
             <a:endParaRPr lang="en-US"/>
           </a:p>
@@ -2934,7 +3440,7 @@
           <a:p>
             <a:fld id="{318D53EE-AD22-4BCC-B47B-45E9D925B68F}" type="datetimeFigureOut">
               <a:rPr lang="en-US" smtClean="0"/>
-              <a:t>12/3/2018</a:t>
+              <a:t>12/4/2018</a:t>
             </a:fld>
             <a:endParaRPr lang="en-US"/>
           </a:p>
@@ -3029,7 +3535,7 @@
           <a:p>
             <a:fld id="{318D53EE-AD22-4BCC-B47B-45E9D925B68F}" type="datetimeFigureOut">
               <a:rPr lang="en-US" smtClean="0"/>
-              <a:t>12/3/2018</a:t>
+              <a:t>12/4/2018</a:t>
             </a:fld>
             <a:endParaRPr lang="en-US"/>
           </a:p>
@@ -3379,7 +3885,7 @@
           <a:p>
             <a:fld id="{318D53EE-AD22-4BCC-B47B-45E9D925B68F}" type="datetimeFigureOut">
               <a:rPr lang="en-US" smtClean="0"/>
-              <a:t>12/3/2018</a:t>
+              <a:t>12/4/2018</a:t>
             </a:fld>
             <a:endParaRPr lang="en-US"/>
           </a:p>
@@ -3804,7 +4310,7 @@
           <a:p>
             <a:fld id="{318D53EE-AD22-4BCC-B47B-45E9D925B68F}" type="datetimeFigureOut">
               <a:rPr lang="en-US" smtClean="0"/>
-              <a:t>12/3/2018</a:t>
+              <a:t>12/4/2018</a:t>
             </a:fld>
             <a:endParaRPr lang="en-US"/>
           </a:p>
@@ -4085,7 +4591,7 @@
           <a:p>
             <a:fld id="{318D53EE-AD22-4BCC-B47B-45E9D925B68F}" type="datetimeFigureOut">
               <a:rPr lang="en-US" smtClean="0"/>
-              <a:t>12/3/2018</a:t>
+              <a:t>12/4/2018</a:t>
             </a:fld>
             <a:endParaRPr lang="en-US"/>
           </a:p>
@@ -4989,13 +5495,132 @@
           <a:lstStyle/>
           <a:p>
             <a:r>
+              <a:rPr lang="en-US" smtClean="0"/>
+              <a:t>Project timeline</a:t>
+            </a:r>
+            <a:endParaRPr lang="he-IL" dirty="0"/>
+          </a:p>
+        </p:txBody>
+      </p:sp>
+      <p:sp>
+        <p:nvSpPr>
+          <p:cNvPr id="3" name="Content Placeholder 2"/>
+          <p:cNvSpPr>
+            <a:spLocks noGrp="1"/>
+          </p:cNvSpPr>
+          <p:nvPr>
+            <p:ph idx="1"/>
+          </p:nvPr>
+        </p:nvSpPr>
+        <p:spPr/>
+        <p:txBody>
+          <a:bodyPr/>
+          <a:lstStyle/>
+          <a:p>
+            <a:r>
               <a:rPr lang="en-US" dirty="0" smtClean="0"/>
-              <a:t>Bibliography </a:t>
-            </a:r>
+              <a:t>Phase 1:</a:t>
+            </a:r>
+          </a:p>
+          <a:p>
+            <a:pPr lvl="1"/>
+            <a:r>
+              <a:rPr lang="en-US" dirty="0" smtClean="0"/>
+              <a:t>Implement an engine that creates a sound based on the RGB of the current pixel (according to mouse location)</a:t>
+            </a:r>
+          </a:p>
+          <a:p>
+            <a:r>
+              <a:rPr lang="en-US" dirty="0" smtClean="0"/>
+              <a:t>Phase 2:</a:t>
+            </a:r>
+          </a:p>
+          <a:p>
+            <a:pPr lvl="1"/>
+            <a:r>
+              <a:rPr lang="en-US" dirty="0" smtClean="0"/>
+              <a:t>Add UI and logic for user input: Sliders, selection of instrument, etc. </a:t>
+            </a:r>
+          </a:p>
+          <a:p>
+            <a:pPr lvl="1"/>
+            <a:r>
+              <a:rPr lang="en-US" dirty="0" smtClean="0"/>
+              <a:t>Record the music created </a:t>
+            </a:r>
+          </a:p>
+          <a:p>
+            <a:r>
+              <a:rPr lang="en-US" dirty="0" smtClean="0"/>
+              <a:t>Phase 3:</a:t>
+            </a:r>
+          </a:p>
+          <a:p>
+            <a:pPr lvl="1"/>
+            <a:r>
+              <a:rPr lang="en-US" dirty="0" smtClean="0"/>
+              <a:t>Add support for creating a music using multiple pictures </a:t>
+            </a:r>
+          </a:p>
+          <a:p>
+            <a:pPr lvl="1"/>
             <a:endParaRPr lang="he-IL" dirty="0"/>
           </a:p>
         </p:txBody>
       </p:sp>
+    </p:spTree>
+    <p:extLst>
+      <p:ext uri="{BB962C8B-B14F-4D97-AF65-F5344CB8AC3E}">
+        <p14:creationId xmlns:p14="http://schemas.microsoft.com/office/powerpoint/2010/main" val="174399316"/>
+      </p:ext>
+    </p:extLst>
+  </p:cSld>
+  <p:clrMapOvr>
+    <a:masterClrMapping/>
+  </p:clrMapOvr>
+</p:sld>
+</file>
+
+<file path=ppt/slides/slide11.xml><?xml version="1.0" encoding="utf-8"?>
+<p:sld xmlns:a="http://schemas.openxmlformats.org/drawingml/2006/main" xmlns:r="http://schemas.openxmlformats.org/officeDocument/2006/relationships" xmlns:p="http://schemas.openxmlformats.org/presentationml/2006/main">
+  <p:cSld>
+    <p:spTree>
+      <p:nvGrpSpPr>
+        <p:cNvPr id="1" name=""/>
+        <p:cNvGrpSpPr/>
+        <p:nvPr/>
+      </p:nvGrpSpPr>
+      <p:grpSpPr>
+        <a:xfrm>
+          <a:off x="0" y="0"/>
+          <a:ext cx="0" cy="0"/>
+          <a:chOff x="0" y="0"/>
+          <a:chExt cx="0" cy="0"/>
+        </a:xfrm>
+      </p:grpSpPr>
+      <p:sp>
+        <p:nvSpPr>
+          <p:cNvPr id="2" name="Title 1"/>
+          <p:cNvSpPr>
+            <a:spLocks noGrp="1"/>
+          </p:cNvSpPr>
+          <p:nvPr>
+            <p:ph type="title"/>
+          </p:nvPr>
+        </p:nvSpPr>
+        <p:spPr/>
+        <p:txBody>
+          <a:bodyPr/>
+          <a:lstStyle/>
+          <a:p>
+            <a:r>
+              <a:rPr lang="en-US" dirty="0" smtClean="0"/>
+              <a:t>Bibliography #1 </a:t>
+            </a:r>
+            <a:endParaRPr lang="he-IL" dirty="0"/>
+          </a:p>
+        </p:txBody>
+      </p:sp>
       <p:sp>
         <p:nvSpPr>
           <p:cNvPr id="3" name="Content Placeholder 2"/>
@@ -5008,7 +5633,9 @@
         </p:nvSpPr>
         <p:spPr/>
         <p:txBody>
-          <a:bodyPr/>
+          <a:bodyPr>
+            <a:normAutofit lnSpcReduction="10000"/>
+          </a:bodyPr>
           <a:lstStyle/>
           <a:p>
             <a:endParaRPr lang="en-US" dirty="0" smtClean="0"/>
@@ -5029,7 +5656,7 @@
             </a:pPr>
             <a:r>
               <a:rPr lang="en-US" dirty="0">
-                <a:hlinkClick r:id="rId2"/>
+                <a:hlinkClick r:id="rId3"/>
               </a:rPr>
               <a:t>https://www.youtube.com/watch?v=CDLA8B8BkbQ</a:t>
             </a:r>
@@ -5044,8 +5671,100 @@
             </a:pPr>
             <a:r>
               <a:rPr lang="en-US" dirty="0"/>
-              <a:t>Were you can see a musician play using a touch screen</a:t>
-            </a:r>
+              <a:t>Were you can see a musician play using a touch </a:t>
+            </a:r>
+            <a:r>
+              <a:rPr lang="en-US" dirty="0" smtClean="0"/>
+              <a:t>screen</a:t>
+            </a:r>
+          </a:p>
+          <a:p>
+            <a:r>
+              <a:rPr lang="en-US" dirty="0" err="1" smtClean="0"/>
+              <a:t>Vuzik</a:t>
+            </a:r>
+            <a:r>
+              <a:rPr lang="en-US" dirty="0"/>
+              <a:t> </a:t>
+            </a:r>
+            <a:r>
+              <a:rPr lang="en-US" dirty="0" smtClean="0"/>
+              <a:t>–A </a:t>
+            </a:r>
+            <a:r>
+              <a:rPr lang="en-US" dirty="0"/>
+              <a:t>PAINTING GRAPHIC SCORE INTERFACE FOR</a:t>
+            </a:r>
+          </a:p>
+          <a:p>
+            <a:pPr marL="0" indent="0">
+              <a:buNone/>
+            </a:pPr>
+            <a:r>
+              <a:rPr lang="en-US" dirty="0"/>
+              <a:t>COMPOSING AND CONTROL OF SOUND GENERATION</a:t>
+            </a:r>
+            <a:endParaRPr lang="en-US" dirty="0" smtClean="0"/>
+          </a:p>
+          <a:p>
+            <a:pPr marL="0" indent="0">
+              <a:buNone/>
+            </a:pPr>
+            <a:r>
+              <a:rPr lang="en-US" dirty="0" smtClean="0"/>
+              <a:t>Video: </a:t>
+            </a:r>
+            <a:r>
+              <a:rPr lang="en-US" dirty="0">
+                <a:hlinkClick r:id="rId4"/>
+              </a:rPr>
+              <a:t>https://</a:t>
+            </a:r>
+            <a:r>
+              <a:rPr lang="en-US" dirty="0" smtClean="0">
+                <a:hlinkClick r:id="rId4"/>
+              </a:rPr>
+              <a:t>www.youtube.com/watch?v=Oq7c43mZYdY</a:t>
+            </a:r>
+            <a:r>
+              <a:rPr lang="en-US" dirty="0" smtClean="0"/>
+              <a:t> </a:t>
+            </a:r>
+          </a:p>
+          <a:p>
+            <a:pPr marL="0" indent="0">
+              <a:buNone/>
+            </a:pPr>
+            <a:r>
+              <a:rPr lang="en-US" dirty="0" err="1" smtClean="0"/>
+              <a:t>Paper:</a:t>
+            </a:r>
+            <a:r>
+              <a:rPr lang="en-US" dirty="0" err="1" smtClean="0">
+                <a:hlinkClick r:id="rId5"/>
+              </a:rPr>
+              <a:t>https</a:t>
+            </a:r>
+            <a:r>
+              <a:rPr lang="en-US" dirty="0">
+                <a:hlinkClick r:id="rId5"/>
+              </a:rPr>
+              <a:t>://quod.lib.umich.edu/cache//</a:t>
+            </a:r>
+            <a:r>
+              <a:rPr lang="en-US" dirty="0" smtClean="0">
+                <a:hlinkClick r:id="rId5"/>
+              </a:rPr>
+              <a:t>b/b/p/bbp2372.2012.108/bbp2372.2012.108.pdf#page=4;zoom=75</a:t>
+            </a:r>
+            <a:endParaRPr lang="he-IL" dirty="0" smtClean="0"/>
+          </a:p>
+          <a:p>
+            <a:r>
+              <a:rPr lang="en-US" dirty="0" smtClean="0"/>
+              <a:t>Musical Sonification of Super High Frequency Lighting </a:t>
+            </a:r>
+            <a:endParaRPr lang="en-US" dirty="0" smtClean="0"/>
           </a:p>
           <a:p>
             <a:endParaRPr lang="he-IL" dirty="0"/>
@@ -5065,7 +5784,183 @@
 </p:sld>
 </file>
 
-<file path=ppt/slides/slide11.xml><?xml version="1.0" encoding="utf-8"?>
+<file path=ppt/slides/slide12.xml><?xml version="1.0" encoding="utf-8"?>
+<p:sld xmlns:a="http://schemas.openxmlformats.org/drawingml/2006/main" xmlns:r="http://schemas.openxmlformats.org/officeDocument/2006/relationships" xmlns:p="http://schemas.openxmlformats.org/presentationml/2006/main">
+  <p:cSld>
+    <p:spTree>
+      <p:nvGrpSpPr>
+        <p:cNvPr id="1" name=""/>
+        <p:cNvGrpSpPr/>
+        <p:nvPr/>
+      </p:nvGrpSpPr>
+      <p:grpSpPr>
+        <a:xfrm>
+          <a:off x="0" y="0"/>
+          <a:ext cx="0" cy="0"/>
+          <a:chOff x="0" y="0"/>
+          <a:chExt cx="0" cy="0"/>
+        </a:xfrm>
+      </p:grpSpPr>
+      <p:sp>
+        <p:nvSpPr>
+          <p:cNvPr id="2" name="Title 1"/>
+          <p:cNvSpPr>
+            <a:spLocks noGrp="1"/>
+          </p:cNvSpPr>
+          <p:nvPr>
+            <p:ph type="title"/>
+          </p:nvPr>
+        </p:nvSpPr>
+        <p:spPr/>
+        <p:txBody>
+          <a:bodyPr/>
+          <a:lstStyle/>
+          <a:p>
+            <a:r>
+              <a:rPr lang="en-US" dirty="0" smtClean="0"/>
+              <a:t>Bibliography #2 </a:t>
+            </a:r>
+            <a:endParaRPr lang="he-IL" dirty="0"/>
+          </a:p>
+        </p:txBody>
+      </p:sp>
+      <p:sp>
+        <p:nvSpPr>
+          <p:cNvPr id="3" name="Content Placeholder 2"/>
+          <p:cNvSpPr>
+            <a:spLocks noGrp="1"/>
+          </p:cNvSpPr>
+          <p:nvPr>
+            <p:ph idx="1"/>
+          </p:nvPr>
+        </p:nvSpPr>
+        <p:spPr/>
+        <p:txBody>
+          <a:bodyPr>
+            <a:normAutofit/>
+          </a:bodyPr>
+          <a:lstStyle/>
+          <a:p>
+            <a:endParaRPr lang="en-US" dirty="0" smtClean="0"/>
+          </a:p>
+          <a:p>
+            <a:r>
+              <a:rPr lang="en-US" dirty="0" smtClean="0"/>
+              <a:t>Musical Sonification of Super High Frequency </a:t>
+            </a:r>
+            <a:r>
+              <a:rPr lang="en-US" dirty="0"/>
+              <a:t>Lighting </a:t>
+            </a:r>
+            <a:r>
+              <a:rPr lang="en-US" dirty="0" smtClean="0"/>
+              <a:t>–  Paper:</a:t>
+            </a:r>
+          </a:p>
+          <a:p>
+            <a:pPr marL="0" indent="0">
+              <a:buNone/>
+            </a:pPr>
+            <a:r>
+              <a:rPr lang="en-US" dirty="0" smtClean="0">
+                <a:hlinkClick r:id="rId3"/>
+              </a:rPr>
+              <a:t>https</a:t>
+            </a:r>
+            <a:r>
+              <a:rPr lang="en-US" dirty="0">
+                <a:hlinkClick r:id="rId3"/>
+              </a:rPr>
+              <a:t>://quod.lib.umich.edu/cache//</a:t>
+            </a:r>
+            <a:r>
+              <a:rPr lang="en-US" dirty="0" smtClean="0">
+                <a:hlinkClick r:id="rId3"/>
+              </a:rPr>
+              <a:t>b/b/p/bbp2372.2017.039/bbp2372.2017.039.pdf#page=1;zoom=75</a:t>
+            </a:r>
+            <a:endParaRPr lang="en-US" dirty="0" smtClean="0"/>
+          </a:p>
+          <a:p>
+            <a:r>
+              <a:rPr lang="en-US" dirty="0" smtClean="0"/>
+              <a:t>See music: A tool for music visualization – Paper: </a:t>
+            </a:r>
+          </a:p>
+          <a:p>
+            <a:pPr marL="0" lvl="1" indent="0">
+              <a:spcBef>
+                <a:spcPts val="1200"/>
+              </a:spcBef>
+              <a:buNone/>
+            </a:pPr>
+            <a:r>
+              <a:rPr lang="en-US" sz="2000" dirty="0" smtClean="0">
+                <a:hlinkClick r:id="rId4"/>
+              </a:rPr>
+              <a:t>https</a:t>
+            </a:r>
+            <a:r>
+              <a:rPr lang="en-US" sz="2000" dirty="0">
+                <a:hlinkClick r:id="rId4"/>
+              </a:rPr>
+              <a:t>://quod.lib.umich.edu/cache//</a:t>
+            </a:r>
+            <a:r>
+              <a:rPr lang="en-US" sz="2000" dirty="0">
+                <a:hlinkClick r:id="rId4"/>
+              </a:rPr>
+              <a:t>b/b/p/bbp2372.1993.114/bbp2372.1993.114.pdf#page=1;zoom=75</a:t>
+            </a:r>
+            <a:endParaRPr lang="en-US" sz="2000" dirty="0"/>
+          </a:p>
+          <a:p>
+            <a:pPr marL="0" indent="0">
+              <a:buNone/>
+            </a:pPr>
+            <a:r>
+              <a:rPr lang="en-US" dirty="0"/>
+              <a:t>Video: </a:t>
+            </a:r>
+            <a:r>
+              <a:rPr lang="en-US" dirty="0">
+                <a:hlinkClick r:id="rId5"/>
+              </a:rPr>
+              <a:t>https://</a:t>
+            </a:r>
+            <a:r>
+              <a:rPr lang="en-US" dirty="0" smtClean="0">
+                <a:hlinkClick r:id="rId5"/>
+              </a:rPr>
+              <a:t>www.youtube.com/watch?v=qNhwDzInBjo</a:t>
+            </a:r>
+            <a:endParaRPr lang="en-US" dirty="0" smtClean="0"/>
+          </a:p>
+          <a:p>
+            <a:pPr marL="0" indent="0">
+              <a:buNone/>
+            </a:pPr>
+            <a:endParaRPr lang="en-US" dirty="0" smtClean="0"/>
+          </a:p>
+          <a:p>
+            <a:endParaRPr lang="he-IL" dirty="0"/>
+          </a:p>
+        </p:txBody>
+      </p:sp>
+    </p:spTree>
+    <p:extLst>
+      <p:ext uri="{BB962C8B-B14F-4D97-AF65-F5344CB8AC3E}">
+        <p14:creationId xmlns:p14="http://schemas.microsoft.com/office/powerpoint/2010/main" val="2686498360"/>
+      </p:ext>
+    </p:extLst>
+  </p:cSld>
+  <p:clrMapOvr>
+    <a:masterClrMapping/>
+  </p:clrMapOvr>
+</p:sld>
+</file>
+
+<file path=ppt/slides/slide13.xml><?xml version="1.0" encoding="utf-8"?>
 <p:sld xmlns:a="http://schemas.openxmlformats.org/drawingml/2006/main" xmlns:r="http://schemas.openxmlformats.org/officeDocument/2006/relationships" xmlns:p="http://schemas.openxmlformats.org/presentationml/2006/main">
   <p:cSld>
     <p:spTree>
@@ -5532,7 +6427,70 @@
           <a:bodyPr/>
           <a:lstStyle/>
           <a:p>
-            <a:endParaRPr lang="he-IL"/>
+            <a:pPr marL="0" indent="0">
+              <a:buNone/>
+            </a:pPr>
+            <a:r>
+              <a:rPr lang="en-US" dirty="0" smtClean="0"/>
+              <a:t>RGB Music is a software interface for creating musi</a:t>
+            </a:r>
+            <a:r>
+              <a:rPr lang="en-US" dirty="0" smtClean="0"/>
+              <a:t>c from an image through moving the mouse along the image. </a:t>
+            </a:r>
+          </a:p>
+          <a:p>
+            <a:pPr marL="0" indent="0">
+              <a:buNone/>
+            </a:pPr>
+            <a:r>
+              <a:rPr lang="en-US" dirty="0" smtClean="0"/>
+              <a:t>In this project we aim to map between visual elements to sound elements. For exa</a:t>
+            </a:r>
+            <a:r>
+              <a:rPr lang="en-US" dirty="0" smtClean="0"/>
+              <a:t>mple:</a:t>
+            </a:r>
+          </a:p>
+          <a:p>
+            <a:r>
+              <a:rPr lang="en-US" dirty="0" smtClean="0"/>
+              <a:t>Map from the RGB value of a chosen pixel to </a:t>
+            </a:r>
+            <a:r>
+              <a:rPr lang="en-US" dirty="0"/>
+              <a:t>unique instrument </a:t>
+            </a:r>
+            <a:r>
+              <a:rPr lang="en-US" dirty="0" smtClean="0"/>
+              <a:t>timbre</a:t>
+            </a:r>
+          </a:p>
+          <a:p>
+            <a:r>
+              <a:rPr lang="en-US" dirty="0" smtClean="0"/>
+              <a:t>Map from a set of pixels (</a:t>
+            </a:r>
+            <a:r>
+              <a:rPr lang="en-US" dirty="0" err="1" smtClean="0"/>
+              <a:t>i.e</a:t>
+            </a:r>
+            <a:r>
+              <a:rPr lang="en-US" dirty="0" smtClean="0"/>
+              <a:t> the surrounding pixels of the chosen pixel) to pitch or time duration</a:t>
+            </a:r>
+          </a:p>
+          <a:p>
+            <a:pPr marL="0" indent="0">
+              <a:buNone/>
+            </a:pPr>
+            <a:endParaRPr lang="en-US" dirty="0" smtClean="0"/>
+          </a:p>
+          <a:p>
+            <a:pPr marL="0" indent="0">
+              <a:buNone/>
+            </a:pPr>
+            <a:endParaRPr lang="en-US" dirty="0" smtClean="0"/>
           </a:p>
         </p:txBody>
       </p:sp>
@@ -5604,10 +6562,106 @@
           <a:bodyPr/>
           <a:lstStyle/>
           <a:p>
-            <a:endParaRPr lang="he-IL"/>
-          </a:p>
-        </p:txBody>
-      </p:sp>
+            <a:pPr marL="0" indent="0">
+              <a:buNone/>
+            </a:pPr>
+            <a:r>
+              <a:rPr lang="en-US" dirty="0" smtClean="0"/>
+              <a:t>The project will be implemented in Python using the following libraries:</a:t>
+            </a:r>
+          </a:p>
+          <a:p>
+            <a:r>
+              <a:rPr lang="en-US" dirty="0" err="1" smtClean="0"/>
+              <a:t>Tkinter</a:t>
+            </a:r>
+            <a:r>
+              <a:rPr lang="en-US" dirty="0" smtClean="0"/>
+              <a:t> – UI </a:t>
+            </a:r>
+          </a:p>
+          <a:p>
+            <a:r>
+              <a:rPr lang="en-US" dirty="0" err="1" smtClean="0"/>
+              <a:t>Pyo</a:t>
+            </a:r>
+            <a:r>
+              <a:rPr lang="en-US" dirty="0" smtClean="0"/>
+              <a:t> </a:t>
+            </a:r>
+            <a:r>
+              <a:rPr lang="en-US" dirty="0"/>
+              <a:t>- </a:t>
+            </a:r>
+            <a:r>
+              <a:rPr lang="en-US" dirty="0" smtClean="0"/>
+              <a:t>Digital </a:t>
+            </a:r>
+            <a:r>
+              <a:rPr lang="en-US" dirty="0"/>
+              <a:t>signal </a:t>
+            </a:r>
+            <a:r>
+              <a:rPr lang="en-US" dirty="0" smtClean="0"/>
+              <a:t>processing</a:t>
+            </a:r>
+          </a:p>
+          <a:p>
+            <a:r>
+              <a:rPr lang="en-US" dirty="0" err="1" smtClean="0"/>
+              <a:t>Pil</a:t>
+            </a:r>
+            <a:r>
+              <a:rPr lang="en-US" dirty="0" smtClean="0"/>
+              <a:t> - I</a:t>
+            </a:r>
+            <a:r>
+              <a:rPr lang="en-US" dirty="0" smtClean="0"/>
+              <a:t>mage processing</a:t>
+            </a:r>
+          </a:p>
+          <a:p>
+            <a:pPr marL="0" indent="0">
+              <a:buNone/>
+            </a:pPr>
+            <a:r>
+              <a:rPr lang="en-US" dirty="0" smtClean="0"/>
+              <a:t>The main use case is very basic – just load the image and move the mouse along the image to create music </a:t>
+            </a:r>
+            <a:endParaRPr lang="he-IL" dirty="0"/>
+          </a:p>
+        </p:txBody>
+      </p:sp>
+      <p:pic>
+        <p:nvPicPr>
+          <p:cNvPr id="4" name="Picture 3"/>
+          <p:cNvPicPr>
+            <a:picLocks noChangeAspect="1"/>
+          </p:cNvPicPr>
+          <p:nvPr/>
+        </p:nvPicPr>
+        <p:blipFill>
+          <a:blip r:embed="rId3">
+            <a:extLst>
+              <a:ext uri="{28A0092B-C50C-407E-A947-70E740481C1C}">
+                <a14:useLocalDpi xmlns:a14="http://schemas.microsoft.com/office/drawing/2010/main" val="0"/>
+              </a:ext>
+            </a:extLst>
+          </a:blip>
+          <a:stretch>
+            <a:fillRect/>
+          </a:stretch>
+        </p:blipFill>
+        <p:spPr>
+          <a:xfrm>
+            <a:off x="1848530" y="4593771"/>
+            <a:ext cx="7273630" cy="1219199"/>
+          </a:xfrm>
+          <a:prstGeom prst="rect">
+            <a:avLst/>
+          </a:prstGeom>
+        </p:spPr>
+      </p:pic>
     </p:spTree>
     <p:extLst>
       <p:ext uri="{BB962C8B-B14F-4D97-AF65-F5344CB8AC3E}">
@@ -5727,7 +6781,11 @@
           <a:p>
             <a:r>
               <a:rPr lang="en-US" dirty="0" smtClean="0"/>
-              <a:t>Technical and musical summary </a:t>
+              <a:t>Technical and musical </a:t>
+            </a:r>
+            <a:r>
+              <a:rPr lang="en-US" dirty="0" smtClean="0"/>
+              <a:t>summary #1 </a:t>
             </a:r>
             <a:endParaRPr lang="he-IL" dirty="0"/>
           </a:p>
@@ -5748,10 +6806,43 @@
           <a:bodyPr/>
           <a:lstStyle/>
           <a:p>
-            <a:endParaRPr lang="he-IL"/>
-          </a:p>
-        </p:txBody>
-      </p:sp>
+            <a:r>
+              <a:rPr lang="en-US" dirty="0" smtClean="0"/>
+              <a:t>System description</a:t>
+            </a:r>
+          </a:p>
+          <a:p>
+            <a:pPr marL="0" indent="0">
+              <a:buNone/>
+            </a:pPr>
+            <a:endParaRPr lang="he-IL" dirty="0"/>
+          </a:p>
+        </p:txBody>
+      </p:sp>
+      <p:pic>
+        <p:nvPicPr>
+          <p:cNvPr id="5" name="Picture 4"/>
+          <p:cNvPicPr>
+            <a:picLocks noChangeAspect="1"/>
+          </p:cNvPicPr>
+          <p:nvPr/>
+        </p:nvPicPr>
+        <p:blipFill>
+          <a:blip r:embed="rId3"/>
+          <a:stretch>
+            <a:fillRect/>
+          </a:stretch>
+        </p:blipFill>
+        <p:spPr>
+          <a:xfrm>
+            <a:off x="1420585" y="2520657"/>
+            <a:ext cx="8167007" cy="4337343"/>
+          </a:xfrm>
+          <a:prstGeom prst="rect">
+            <a:avLst/>
+          </a:prstGeom>
+        </p:spPr>
+      </p:pic>
     </p:spTree>
     <p:extLst>
       <p:ext uri="{BB962C8B-B14F-4D97-AF65-F5344CB8AC3E}">
@@ -5799,7 +6890,11 @@
           <a:p>
             <a:r>
               <a:rPr lang="en-US" dirty="0" smtClean="0"/>
-              <a:t>UI scheme</a:t>
+              <a:t>Technical and musical </a:t>
+            </a:r>
+            <a:r>
+              <a:rPr lang="en-US" dirty="0" smtClean="0"/>
+              <a:t>summary #2 </a:t>
             </a:r>
             <a:endParaRPr lang="he-IL" dirty="0"/>
           </a:p>
@@ -5820,14 +6915,58 @@
           <a:bodyPr/>
           <a:lstStyle/>
           <a:p>
-            <a:endParaRPr lang="he-IL"/>
+            <a:r>
+              <a:rPr lang="en-US" dirty="0" smtClean="0"/>
+              <a:t>The technical and musical details of the engine are to be defined : basically we want to </a:t>
+            </a:r>
+            <a:r>
+              <a:rPr lang="en-US" dirty="0"/>
+              <a:t>have a unique instrument </a:t>
+            </a:r>
+            <a:r>
+              <a:rPr lang="en-US" dirty="0" smtClean="0"/>
+              <a:t>timbre for each RGB value and a mapping from </a:t>
+            </a:r>
+            <a:r>
+              <a:rPr lang="en-US" dirty="0"/>
+              <a:t>a set of pixels </a:t>
+            </a:r>
+            <a:r>
+              <a:rPr lang="en-US" dirty="0" smtClean="0"/>
+              <a:t>(i.e. </a:t>
+            </a:r>
+            <a:r>
+              <a:rPr lang="en-US" dirty="0"/>
+              <a:t>the surrounding pixels of the chosen pixel) to pitch or time </a:t>
+            </a:r>
+            <a:r>
+              <a:rPr lang="en-US" dirty="0" smtClean="0"/>
+              <a:t>duration</a:t>
+            </a:r>
+            <a:r>
+              <a:rPr lang="en-US" dirty="0" smtClean="0"/>
+              <a:t> </a:t>
+            </a:r>
+          </a:p>
+          <a:p>
+            <a:r>
+              <a:rPr lang="en-US" dirty="0" smtClean="0"/>
+              <a:t>In the advanced phases of the project we would like to give the user the ability to change the engine settings (mapping from visual elements to sound elements) ad to give the user the ability to record its created music</a:t>
+            </a:r>
+            <a:endParaRPr lang="en-US" dirty="0" smtClean="0"/>
+          </a:p>
+          <a:p>
+            <a:pPr marL="0" indent="0">
+              <a:buNone/>
+            </a:pPr>
+            <a:endParaRPr lang="he-IL" dirty="0"/>
           </a:p>
         </p:txBody>
       </p:sp>
     </p:spTree>
     <p:extLst>
       <p:ext uri="{BB962C8B-B14F-4D97-AF65-F5344CB8AC3E}">
-        <p14:creationId xmlns:p14="http://schemas.microsoft.com/office/powerpoint/2010/main" val="4019736552"/>
+        <p14:creationId xmlns:p14="http://schemas.microsoft.com/office/powerpoint/2010/main" val="2785115466"/>
       </p:ext>
     </p:extLst>
   </p:cSld>
@@ -5870,8 +7009,8 @@
           <a:lstStyle/>
           <a:p>
             <a:r>
-              <a:rPr lang="en-US" smtClean="0"/>
-              <a:t>Project timeline</a:t>
+              <a:rPr lang="en-US" dirty="0" smtClean="0"/>
+              <a:t>UI scheme</a:t>
             </a:r>
             <a:endParaRPr lang="he-IL" dirty="0"/>
           </a:p>
@@ -5892,62 +7031,14 @@
           <a:bodyPr/>
           <a:lstStyle/>
           <a:p>
-            <a:r>
-              <a:rPr lang="en-US" dirty="0" smtClean="0"/>
-              <a:t>Phase 1:</a:t>
-            </a:r>
-          </a:p>
-          <a:p>
-            <a:pPr lvl="1"/>
-            <a:r>
-              <a:rPr lang="en-US" dirty="0" smtClean="0"/>
-              <a:t>Implement an engine that creates a sound based on the RGB of the current pixel (according to mouse location)</a:t>
-            </a:r>
-            <a:endParaRPr lang="en-US" dirty="0" smtClean="0"/>
-          </a:p>
-          <a:p>
-            <a:r>
-              <a:rPr lang="en-US" dirty="0" smtClean="0"/>
-              <a:t>Phase 2:</a:t>
-            </a:r>
-          </a:p>
-          <a:p>
-            <a:pPr lvl="1"/>
-            <a:r>
-              <a:rPr lang="en-US" dirty="0" smtClean="0"/>
-              <a:t>Add UI and logic for user input: Sliders, selection of instrument, etc. </a:t>
-            </a:r>
-          </a:p>
-          <a:p>
-            <a:pPr lvl="1"/>
-            <a:r>
-              <a:rPr lang="en-US" dirty="0" smtClean="0"/>
-              <a:t>Record the music created </a:t>
-            </a:r>
-          </a:p>
-          <a:p>
-            <a:r>
-              <a:rPr lang="en-US" dirty="0" smtClean="0"/>
-              <a:t>Phase 3:</a:t>
-            </a:r>
-          </a:p>
-          <a:p>
-            <a:pPr lvl="1"/>
-            <a:r>
-              <a:rPr lang="en-US" dirty="0" smtClean="0"/>
-              <a:t>Add support for creating a music using multiple pictures </a:t>
-            </a:r>
-          </a:p>
-          <a:p>
-            <a:pPr lvl="1"/>
-            <a:endParaRPr lang="he-IL" dirty="0"/>
+            <a:endParaRPr lang="he-IL"/>
           </a:p>
         </p:txBody>
       </p:sp>
     </p:spTree>
     <p:extLst>
       <p:ext uri="{BB962C8B-B14F-4D97-AF65-F5344CB8AC3E}">
-        <p14:creationId xmlns:p14="http://schemas.microsoft.com/office/powerpoint/2010/main" val="174399316"/>
+        <p14:creationId xmlns:p14="http://schemas.microsoft.com/office/powerpoint/2010/main" val="4019736552"/>
       </p:ext>
     </p:extLst>
   </p:cSld>

--- a/RGBMusicPresentation - Zehavit.pptx
+++ b/RGBMusicPresentation - Zehavit.pptx
@@ -2,25 +2,26 @@
 <file path=ppt/presentation.xml><?xml version="1.0" encoding="utf-8"?>
 <p:presentation xmlns:a="http://schemas.openxmlformats.org/drawingml/2006/main" xmlns:r="http://schemas.openxmlformats.org/officeDocument/2006/relationships" xmlns:p="http://schemas.openxmlformats.org/presentationml/2006/main" saveSubsetFonts="1">
   <p:sldMasterIdLst>
-    <p:sldMasterId id="2147483660" r:id="rId1"/>
+    <p:sldMasterId id="2147483660" r:id="rId10"/>
   </p:sldMasterIdLst>
   <p:notesMasterIdLst>
-    <p:notesMasterId r:id="rId15"/>
+    <p:notesMasterId r:id="rId25"/>
   </p:notesMasterIdLst>
   <p:sldIdLst>
-    <p:sldId id="256" r:id="rId2"/>
-    <p:sldId id="257" r:id="rId3"/>
-    <p:sldId id="258" r:id="rId4"/>
-    <p:sldId id="260" r:id="rId5"/>
-    <p:sldId id="261" r:id="rId6"/>
-    <p:sldId id="262" r:id="rId7"/>
-    <p:sldId id="263" r:id="rId8"/>
-    <p:sldId id="268" r:id="rId9"/>
-    <p:sldId id="264" r:id="rId10"/>
-    <p:sldId id="265" r:id="rId11"/>
-    <p:sldId id="259" r:id="rId12"/>
-    <p:sldId id="267" r:id="rId13"/>
-    <p:sldId id="266" r:id="rId14"/>
+    <p:sldId id="269" r:id="rId11"/>
+    <p:sldId id="257" r:id="rId12"/>
+    <p:sldId id="270" r:id="rId13"/>
+    <p:sldId id="271" r:id="rId14"/>
+    <p:sldId id="274" r:id="rId15"/>
+    <p:sldId id="272" r:id="rId16"/>
+    <p:sldId id="260" r:id="rId17"/>
+    <p:sldId id="261" r:id="rId18"/>
+    <p:sldId id="263" r:id="rId19"/>
+    <p:sldId id="268" r:id="rId20"/>
+    <p:sldId id="273" r:id="rId21"/>
+    <p:sldId id="265" r:id="rId22"/>
+    <p:sldId id="259" r:id="rId23"/>
+    <p:sldId id="267" r:id="rId24"/>
   </p:sldIdLst>
   <p:sldSz cx="12192000" cy="6858000"/>
   <p:notesSz cx="6858000" cy="9144000"/>
@@ -520,116 +521,7 @@
           <a:bodyPr/>
           <a:lstStyle/>
           <a:p>
-            <a:r>
-              <a:rPr lang="he-IL" sz="1200" b="0" i="0" u="none" strike="noStrike" kern="1200" baseline="0" dirty="0">
-                <a:solidFill>
-                  <a:schemeClr val="tx1"/>
-                </a:solidFill>
-                <a:latin typeface="+mn-lt"/>
-                <a:ea typeface="+mn-ea"/>
-                <a:cs typeface="+mn-cs"/>
-              </a:rPr>
-              <a:t>תמצית עבודות דומות המתארת בצורה מדויקת את מה נעשה העבודות קודמות, מה הן</a:t>
-            </a:r>
-          </a:p>
-          <a:p>
-            <a:r>
-              <a:rPr lang="he-IL" sz="1200" b="0" i="0" u="none" strike="noStrike" kern="1200" baseline="0" dirty="0">
-                <a:solidFill>
-                  <a:schemeClr val="tx1"/>
-                </a:solidFill>
-                <a:latin typeface="+mn-lt"/>
-                <a:ea typeface="+mn-ea"/>
-                <a:cs typeface="+mn-cs"/>
-              </a:rPr>
-              <a:t>פתרו או הביעו, יתרונותיהן וחסרונותיהן.</a:t>
-            </a:r>
-          </a:p>
-          <a:p>
-            <a:endParaRPr lang="he-IL" sz="1200" b="0" i="0" u="none" strike="noStrike" kern="1200" baseline="0" dirty="0">
-              <a:solidFill>
-                <a:schemeClr val="tx1"/>
-              </a:solidFill>
-              <a:latin typeface="+mn-lt"/>
-              <a:ea typeface="+mn-ea"/>
-              <a:cs typeface="+mn-cs"/>
-            </a:endParaRPr>
-          </a:p>
-          <a:p>
-            <a:r>
-              <a:rPr lang="en-US" dirty="0"/>
-              <a:t>http://www.kenjikojima.com/rgbmusic/</a:t>
-            </a:r>
-          </a:p>
-          <a:p>
-            <a:r>
-              <a:rPr lang="en-US" dirty="0"/>
-              <a:t>Pros:</a:t>
-            </a:r>
-          </a:p>
-          <a:p>
-            <a:pPr marL="171450" indent="-171450">
-              <a:buFont typeface="Arial" panose="020B0604020202020204" pitchFamily="34" charset="0"/>
-              <a:buChar char="•"/>
-            </a:pPr>
-            <a:r>
-              <a:rPr lang="en-US" dirty="0"/>
-              <a:t>A lot of options</a:t>
-            </a:r>
-          </a:p>
-          <a:p>
-            <a:pPr marL="171450" indent="-171450">
-              <a:buFont typeface="Arial" panose="020B0604020202020204" pitchFamily="34" charset="0"/>
-              <a:buChar char="•"/>
-            </a:pPr>
-            <a:r>
-              <a:rPr lang="en-US" dirty="0"/>
-              <a:t>Very advanced</a:t>
-            </a:r>
-          </a:p>
-          <a:p>
-            <a:r>
-              <a:rPr lang="en-US" dirty="0"/>
-              <a:t>Cons:</a:t>
-            </a:r>
-            <a:endParaRPr lang="he-IL" dirty="0"/>
-          </a:p>
-          <a:p>
-            <a:pPr marL="171450" indent="-171450">
-              <a:buFont typeface="Arial" panose="020B0604020202020204" pitchFamily="34" charset="0"/>
-              <a:buChar char="•"/>
-            </a:pPr>
-            <a:r>
-              <a:rPr lang="en-US" dirty="0"/>
-              <a:t>Not free</a:t>
-            </a:r>
-          </a:p>
-          <a:p>
-            <a:pPr marL="171450" indent="-171450">
-              <a:buFont typeface="Arial" panose="020B0604020202020204" pitchFamily="34" charset="0"/>
-              <a:buChar char="•"/>
-            </a:pPr>
-            <a:r>
-              <a:rPr lang="en-US" dirty="0"/>
-              <a:t>Out dated</a:t>
-            </a:r>
-          </a:p>
-          <a:p>
-            <a:pPr marL="171450" indent="-171450">
-              <a:buFont typeface="Arial" panose="020B0604020202020204" pitchFamily="34" charset="0"/>
-              <a:buChar char="•"/>
-            </a:pPr>
-            <a:r>
-              <a:rPr lang="en-US" dirty="0"/>
-              <a:t>Very complicated</a:t>
-            </a:r>
-          </a:p>
-          <a:p>
-            <a:pPr marL="171450" indent="-171450">
-              <a:buFont typeface="Arial" panose="020B0604020202020204" pitchFamily="34" charset="0"/>
-              <a:buChar char="•"/>
-            </a:pPr>
-            <a:endParaRPr lang="he-IL" dirty="0"/>
+            <a:endParaRPr lang="en-US" dirty="0"/>
           </a:p>
         </p:txBody>
       </p:sp>
@@ -650,7 +542,7 @@
           <a:p>
             <a:fld id="{AA9BED1A-8388-4503-8515-6BC02580799D}" type="slidenum">
               <a:rPr lang="en-US" smtClean="0"/>
-              <a:t>3</a:t>
+              <a:t>1</a:t>
             </a:fld>
             <a:endParaRPr lang="en-US"/>
           </a:p>
@@ -659,7 +551,175 @@
     </p:spTree>
     <p:extLst>
       <p:ext uri="{BB962C8B-B14F-4D97-AF65-F5344CB8AC3E}">
-        <p14:creationId xmlns:p14="http://schemas.microsoft.com/office/powerpoint/2010/main" val="1318761676"/>
+        <p14:creationId xmlns:p14="http://schemas.microsoft.com/office/powerpoint/2010/main" val="1030645620"/>
+      </p:ext>
+    </p:extLst>
+  </p:cSld>
+  <p:clrMapOvr>
+    <a:masterClrMapping/>
+  </p:clrMapOvr>
+</p:notes>
+</file>
+
+<file path=ppt/notesSlides/notesSlide10.xml><?xml version="1.0" encoding="utf-8"?>
+<p:notes xmlns:a="http://schemas.openxmlformats.org/drawingml/2006/main" xmlns:r="http://schemas.openxmlformats.org/officeDocument/2006/relationships" xmlns:p="http://schemas.openxmlformats.org/presentationml/2006/main">
+  <p:cSld>
+    <p:spTree>
+      <p:nvGrpSpPr>
+        <p:cNvPr id="1" name=""/>
+        <p:cNvGrpSpPr/>
+        <p:nvPr/>
+      </p:nvGrpSpPr>
+      <p:grpSpPr>
+        <a:xfrm>
+          <a:off x="0" y="0"/>
+          <a:ext cx="0" cy="0"/>
+          <a:chOff x="0" y="0"/>
+          <a:chExt cx="0" cy="0"/>
+        </a:xfrm>
+      </p:grpSpPr>
+      <p:sp>
+        <p:nvSpPr>
+          <p:cNvPr id="2" name="Slide Image Placeholder 1"/>
+          <p:cNvSpPr>
+            <a:spLocks noGrp="1" noRot="1" noChangeAspect="1"/>
+          </p:cNvSpPr>
+          <p:nvPr>
+            <p:ph type="sldImg"/>
+          </p:nvPr>
+        </p:nvSpPr>
+        <p:spPr/>
+      </p:sp>
+      <p:sp>
+        <p:nvSpPr>
+          <p:cNvPr id="3" name="Notes Placeholder 2"/>
+          <p:cNvSpPr>
+            <a:spLocks noGrp="1"/>
+          </p:cNvSpPr>
+          <p:nvPr>
+            <p:ph type="body" idx="1"/>
+          </p:nvPr>
+        </p:nvSpPr>
+        <p:spPr/>
+        <p:txBody>
+          <a:bodyPr/>
+          <a:lstStyle/>
+          <a:p>
+            <a:endParaRPr lang="he-IL" dirty="0"/>
+          </a:p>
+        </p:txBody>
+      </p:sp>
+      <p:sp>
+        <p:nvSpPr>
+          <p:cNvPr id="4" name="Slide Number Placeholder 3"/>
+          <p:cNvSpPr>
+            <a:spLocks noGrp="1"/>
+          </p:cNvSpPr>
+          <p:nvPr>
+            <p:ph type="sldNum" sz="quarter" idx="10"/>
+          </p:nvPr>
+        </p:nvSpPr>
+        <p:spPr/>
+        <p:txBody>
+          <a:bodyPr/>
+          <a:lstStyle/>
+          <a:p>
+            <a:fld id="{AA9BED1A-8388-4503-8515-6BC02580799D}" type="slidenum">
+              <a:rPr lang="en-US" smtClean="0"/>
+              <a:t>13</a:t>
+            </a:fld>
+            <a:endParaRPr lang="en-US"/>
+          </a:p>
+        </p:txBody>
+      </p:sp>
+    </p:spTree>
+    <p:extLst>
+      <p:ext uri="{BB962C8B-B14F-4D97-AF65-F5344CB8AC3E}">
+        <p14:creationId xmlns:p14="http://schemas.microsoft.com/office/powerpoint/2010/main" val="4157221038"/>
+      </p:ext>
+    </p:extLst>
+  </p:cSld>
+  <p:clrMapOvr>
+    <a:masterClrMapping/>
+  </p:clrMapOvr>
+</p:notes>
+</file>
+
+<file path=ppt/notesSlides/notesSlide11.xml><?xml version="1.0" encoding="utf-8"?>
+<p:notes xmlns:a="http://schemas.openxmlformats.org/drawingml/2006/main" xmlns:r="http://schemas.openxmlformats.org/officeDocument/2006/relationships" xmlns:p="http://schemas.openxmlformats.org/presentationml/2006/main">
+  <p:cSld>
+    <p:spTree>
+      <p:nvGrpSpPr>
+        <p:cNvPr id="1" name=""/>
+        <p:cNvGrpSpPr/>
+        <p:nvPr/>
+      </p:nvGrpSpPr>
+      <p:grpSpPr>
+        <a:xfrm>
+          <a:off x="0" y="0"/>
+          <a:ext cx="0" cy="0"/>
+          <a:chOff x="0" y="0"/>
+          <a:chExt cx="0" cy="0"/>
+        </a:xfrm>
+      </p:grpSpPr>
+      <p:sp>
+        <p:nvSpPr>
+          <p:cNvPr id="2" name="Slide Image Placeholder 1"/>
+          <p:cNvSpPr>
+            <a:spLocks noGrp="1" noRot="1" noChangeAspect="1"/>
+          </p:cNvSpPr>
+          <p:nvPr>
+            <p:ph type="sldImg"/>
+          </p:nvPr>
+        </p:nvSpPr>
+        <p:spPr/>
+      </p:sp>
+      <p:sp>
+        <p:nvSpPr>
+          <p:cNvPr id="3" name="Notes Placeholder 2"/>
+          <p:cNvSpPr>
+            <a:spLocks noGrp="1"/>
+          </p:cNvSpPr>
+          <p:nvPr>
+            <p:ph type="body" idx="1"/>
+          </p:nvPr>
+        </p:nvSpPr>
+        <p:spPr/>
+        <p:txBody>
+          <a:bodyPr/>
+          <a:lstStyle/>
+          <a:p>
+            <a:endParaRPr lang="he-IL" dirty="0"/>
+          </a:p>
+        </p:txBody>
+      </p:sp>
+      <p:sp>
+        <p:nvSpPr>
+          <p:cNvPr id="4" name="Slide Number Placeholder 3"/>
+          <p:cNvSpPr>
+            <a:spLocks noGrp="1"/>
+          </p:cNvSpPr>
+          <p:nvPr>
+            <p:ph type="sldNum" sz="quarter" idx="10"/>
+          </p:nvPr>
+        </p:nvSpPr>
+        <p:spPr/>
+        <p:txBody>
+          <a:bodyPr/>
+          <a:lstStyle/>
+          <a:p>
+            <a:fld id="{AA9BED1A-8388-4503-8515-6BC02580799D}" type="slidenum">
+              <a:rPr lang="en-US" smtClean="0"/>
+              <a:t>14</a:t>
+            </a:fld>
+            <a:endParaRPr lang="en-US"/>
+          </a:p>
+        </p:txBody>
+      </p:sp>
+    </p:spTree>
+    <p:extLst>
+      <p:ext uri="{BB962C8B-B14F-4D97-AF65-F5344CB8AC3E}">
+        <p14:creationId xmlns:p14="http://schemas.microsoft.com/office/powerpoint/2010/main" val="148846294"/>
       </p:ext>
     </p:extLst>
   </p:cSld>
@@ -713,6 +773,36 @@
           <a:bodyPr/>
           <a:lstStyle/>
           <a:p>
+            <a:r>
+              <a:rPr lang="he-IL" sz="1200" b="0" i="0" u="none" strike="noStrike" kern="1200" baseline="0" dirty="0">
+                <a:solidFill>
+                  <a:schemeClr val="tx1"/>
+                </a:solidFill>
+                <a:latin typeface="+mn-lt"/>
+                <a:ea typeface="+mn-ea"/>
+                <a:cs typeface="+mn-cs"/>
+              </a:rPr>
+              <a:t>תמצית עבודות דומות המתארת בצורה מדויקת את מה נעשה העבודות קודמות, מה הן</a:t>
+            </a:r>
+          </a:p>
+          <a:p>
+            <a:r>
+              <a:rPr lang="he-IL" sz="1200" b="0" i="0" u="none" strike="noStrike" kern="1200" baseline="0" dirty="0">
+                <a:solidFill>
+                  <a:schemeClr val="tx1"/>
+                </a:solidFill>
+                <a:latin typeface="+mn-lt"/>
+                <a:ea typeface="+mn-ea"/>
+                <a:cs typeface="+mn-cs"/>
+              </a:rPr>
+              <a:t>פתרו או הביעו, יתרונותיהן וחסרונותיהן.</a:t>
+            </a:r>
+          </a:p>
+          <a:p>
+            <a:pPr marL="171450" indent="-171450">
+              <a:buFont typeface="Arial" panose="020B0604020202020204" pitchFamily="34" charset="0"/>
+              <a:buChar char="•"/>
+            </a:pPr>
             <a:endParaRPr lang="he-IL" dirty="0"/>
           </a:p>
         </p:txBody>
@@ -734,7 +824,7 @@
           <a:p>
             <a:fld id="{AA9BED1A-8388-4503-8515-6BC02580799D}" type="slidenum">
               <a:rPr lang="en-US" smtClean="0"/>
-              <a:t>5</a:t>
+              <a:t>3</a:t>
             </a:fld>
             <a:endParaRPr lang="en-US"/>
           </a:p>
@@ -743,7 +833,7 @@
     </p:spTree>
     <p:extLst>
       <p:ext uri="{BB962C8B-B14F-4D97-AF65-F5344CB8AC3E}">
-        <p14:creationId xmlns:p14="http://schemas.microsoft.com/office/powerpoint/2010/main" val="2325970450"/>
+        <p14:creationId xmlns:p14="http://schemas.microsoft.com/office/powerpoint/2010/main" val="392647567"/>
       </p:ext>
     </p:extLst>
   </p:cSld>
@@ -797,7 +887,42 @@
           <a:bodyPr/>
           <a:lstStyle/>
           <a:p>
-            <a:endParaRPr lang="he-IL" dirty="0"/>
+            <a:r>
+              <a:rPr lang="he-IL" sz="1200" b="0" i="0" u="none" strike="noStrike" kern="1200" baseline="0" dirty="0">
+                <a:solidFill>
+                  <a:schemeClr val="tx1"/>
+                </a:solidFill>
+                <a:latin typeface="+mn-lt"/>
+                <a:ea typeface="+mn-ea"/>
+                <a:cs typeface="+mn-cs"/>
+              </a:rPr>
+              <a:t>יתרונות הפתרון על פני פתרונות אחרים, או הבדלים עיקריים.</a:t>
+            </a:r>
+            <a:endParaRPr lang="en-US" sz="1200" b="0" i="0" u="none" strike="noStrike" kern="1200" baseline="0" dirty="0">
+              <a:solidFill>
+                <a:schemeClr val="tx1"/>
+              </a:solidFill>
+              <a:latin typeface="+mn-lt"/>
+              <a:ea typeface="+mn-ea"/>
+              <a:cs typeface="+mn-cs"/>
+            </a:endParaRPr>
+          </a:p>
+          <a:p>
+            <a:endParaRPr lang="en-US" sz="1200" b="0" i="0" u="none" strike="noStrike" kern="1200" baseline="0" dirty="0">
+              <a:solidFill>
+                <a:schemeClr val="tx1"/>
+              </a:solidFill>
+              <a:latin typeface="+mn-lt"/>
+              <a:ea typeface="+mn-ea"/>
+              <a:cs typeface="+mn-cs"/>
+            </a:endParaRPr>
+          </a:p>
+          <a:p>
+            <a:r>
+              <a:rPr lang="he-IL" dirty="0"/>
+              <a:t>היתרון האחרון שהתוכנה שלנו באמת שונה מהקודמת, כלומר היא כן מחדשת מבחינת מה אפשר ליצור איתה ואילו אפשרויות היא מספקת למשתמש</a:t>
+            </a:r>
+            <a:endParaRPr lang="en-US" dirty="0"/>
           </a:p>
         </p:txBody>
       </p:sp>
@@ -818,7 +943,7 @@
           <a:p>
             <a:fld id="{AA9BED1A-8388-4503-8515-6BC02580799D}" type="slidenum">
               <a:rPr lang="en-US" smtClean="0"/>
-              <a:t>7</a:t>
+              <a:t>6</a:t>
             </a:fld>
             <a:endParaRPr lang="en-US"/>
           </a:p>
@@ -827,7 +952,7 @@
     </p:spTree>
     <p:extLst>
       <p:ext uri="{BB962C8B-B14F-4D97-AF65-F5344CB8AC3E}">
-        <p14:creationId xmlns:p14="http://schemas.microsoft.com/office/powerpoint/2010/main" val="2359959504"/>
+        <p14:creationId xmlns:p14="http://schemas.microsoft.com/office/powerpoint/2010/main" val="724550080"/>
       </p:ext>
     </p:extLst>
   </p:cSld>
@@ -881,6 +1006,20 @@
           <a:bodyPr/>
           <a:lstStyle/>
           <a:p>
+            <a:r>
+              <a:rPr lang="he-IL" dirty="0" smtClean="0"/>
+              <a:t>לתקן</a:t>
+            </a:r>
+            <a:r>
+              <a:rPr lang="he-IL" baseline="0" dirty="0" smtClean="0"/>
+              <a:t> –</a:t>
+            </a:r>
+          </a:p>
+          <a:p>
+            <a:r>
+              <a:rPr lang="en-US" baseline="0" dirty="0" smtClean="0"/>
+              <a:t>Click the mouse </a:t>
+            </a:r>
             <a:endParaRPr lang="he-IL" dirty="0"/>
           </a:p>
         </p:txBody>
@@ -902,7 +1041,7 @@
           <a:p>
             <a:fld id="{AA9BED1A-8388-4503-8515-6BC02580799D}" type="slidenum">
               <a:rPr lang="en-US" smtClean="0"/>
-              <a:t>8</a:t>
+              <a:t>7</a:t>
             </a:fld>
             <a:endParaRPr lang="en-US"/>
           </a:p>
@@ -911,7 +1050,7 @@
     </p:spTree>
     <p:extLst>
       <p:ext uri="{BB962C8B-B14F-4D97-AF65-F5344CB8AC3E}">
-        <p14:creationId xmlns:p14="http://schemas.microsoft.com/office/powerpoint/2010/main" val="2099752890"/>
+        <p14:creationId xmlns:p14="http://schemas.microsoft.com/office/powerpoint/2010/main" val="1797094355"/>
       </p:ext>
     </p:extLst>
   </p:cSld>
@@ -965,6 +1104,26 @@
           <a:bodyPr/>
           <a:lstStyle/>
           <a:p>
+            <a:r>
+              <a:rPr lang="he-IL" dirty="0" smtClean="0"/>
+              <a:t>לתקן</a:t>
+            </a:r>
+            <a:r>
+              <a:rPr lang="he-IL" baseline="0" dirty="0" smtClean="0"/>
+              <a:t>: </a:t>
+            </a:r>
+          </a:p>
+          <a:p>
+            <a:r>
+              <a:rPr lang="en-US" baseline="0" dirty="0" smtClean="0"/>
+              <a:t>Click the mouse for music creation </a:t>
+            </a:r>
+          </a:p>
+          <a:p>
+            <a:r>
+              <a:rPr lang="en-US" baseline="0" dirty="0" smtClean="0"/>
+              <a:t>Load -&gt; Set settings -&gt; start -&gt; clicks -&gt; stop -&gt; export </a:t>
+            </a:r>
             <a:endParaRPr lang="he-IL" dirty="0"/>
           </a:p>
         </p:txBody>
@@ -986,7 +1145,7 @@
           <a:p>
             <a:fld id="{AA9BED1A-8388-4503-8515-6BC02580799D}" type="slidenum">
               <a:rPr lang="en-US" smtClean="0"/>
-              <a:t>10</a:t>
+              <a:t>8</a:t>
             </a:fld>
             <a:endParaRPr lang="en-US"/>
           </a:p>
@@ -995,7 +1154,7 @@
     </p:spTree>
     <p:extLst>
       <p:ext uri="{BB962C8B-B14F-4D97-AF65-F5344CB8AC3E}">
-        <p14:creationId xmlns:p14="http://schemas.microsoft.com/office/powerpoint/2010/main" val="2953944922"/>
+        <p14:creationId xmlns:p14="http://schemas.microsoft.com/office/powerpoint/2010/main" val="2325970450"/>
       </p:ext>
     </p:extLst>
   </p:cSld>
@@ -1070,7 +1229,7 @@
           <a:p>
             <a:fld id="{AA9BED1A-8388-4503-8515-6BC02580799D}" type="slidenum">
               <a:rPr lang="en-US" smtClean="0"/>
-              <a:t>11</a:t>
+              <a:t>9</a:t>
             </a:fld>
             <a:endParaRPr lang="en-US"/>
           </a:p>
@@ -1079,7 +1238,7 @@
     </p:spTree>
     <p:extLst>
       <p:ext uri="{BB962C8B-B14F-4D97-AF65-F5344CB8AC3E}">
-        <p14:creationId xmlns:p14="http://schemas.microsoft.com/office/powerpoint/2010/main" val="4157221038"/>
+        <p14:creationId xmlns:p14="http://schemas.microsoft.com/office/powerpoint/2010/main" val="2359959504"/>
       </p:ext>
     </p:extLst>
   </p:cSld>
@@ -1154,7 +1313,7 @@
           <a:p>
             <a:fld id="{AA9BED1A-8388-4503-8515-6BC02580799D}" type="slidenum">
               <a:rPr lang="en-US" smtClean="0"/>
-              <a:t>12</a:t>
+              <a:t>10</a:t>
             </a:fld>
             <a:endParaRPr lang="en-US"/>
           </a:p>
@@ -1163,7 +1322,7 @@
     </p:spTree>
     <p:extLst>
       <p:ext uri="{BB962C8B-B14F-4D97-AF65-F5344CB8AC3E}">
-        <p14:creationId xmlns:p14="http://schemas.microsoft.com/office/powerpoint/2010/main" val="148846294"/>
+        <p14:creationId xmlns:p14="http://schemas.microsoft.com/office/powerpoint/2010/main" val="2099752890"/>
       </p:ext>
     </p:extLst>
   </p:cSld>
@@ -1217,6 +1376,38 @@
           <a:bodyPr/>
           <a:lstStyle/>
           <a:p>
+            <a:r>
+              <a:rPr lang="he-IL" dirty="0" smtClean="0"/>
+              <a:t>לתקן:</a:t>
+            </a:r>
+            <a:endParaRPr lang="en-US" dirty="0" smtClean="0"/>
+          </a:p>
+          <a:p>
+            <a:r>
+              <a:rPr lang="en-US" dirty="0" smtClean="0"/>
+              <a:t>amp – range instead</a:t>
+            </a:r>
+            <a:r>
+              <a:rPr lang="en-US" baseline="0" dirty="0" smtClean="0"/>
+              <a:t> of slider</a:t>
+            </a:r>
+          </a:p>
+          <a:p>
+            <a:r>
+              <a:rPr lang="en-US" baseline="0" dirty="0" smtClean="0"/>
+              <a:t>Instruments – check box with multiple instruments </a:t>
+            </a:r>
+          </a:p>
+          <a:p>
+            <a:r>
+              <a:rPr lang="en-US" baseline="0" dirty="0" smtClean="0"/>
+              <a:t>See sound list – remove</a:t>
+            </a:r>
+          </a:p>
+          <a:p>
+            <a:endParaRPr lang="en-US" baseline="0" dirty="0" smtClean="0"/>
+          </a:p>
+          <a:p>
             <a:endParaRPr lang="he-IL" dirty="0"/>
           </a:p>
         </p:txBody>
@@ -1238,7 +1429,7 @@
           <a:p>
             <a:fld id="{AA9BED1A-8388-4503-8515-6BC02580799D}" type="slidenum">
               <a:rPr lang="en-US" smtClean="0"/>
-              <a:t>13</a:t>
+              <a:t>11</a:t>
             </a:fld>
             <a:endParaRPr lang="en-US"/>
           </a:p>
@@ -1247,7 +1438,91 @@
     </p:spTree>
     <p:extLst>
       <p:ext uri="{BB962C8B-B14F-4D97-AF65-F5344CB8AC3E}">
-        <p14:creationId xmlns:p14="http://schemas.microsoft.com/office/powerpoint/2010/main" val="1979745150"/>
+        <p14:creationId xmlns:p14="http://schemas.microsoft.com/office/powerpoint/2010/main" val="1414685155"/>
+      </p:ext>
+    </p:extLst>
+  </p:cSld>
+  <p:clrMapOvr>
+    <a:masterClrMapping/>
+  </p:clrMapOvr>
+</p:notes>
+</file>
+
+<file path=ppt/notesSlides/notesSlide9.xml><?xml version="1.0" encoding="utf-8"?>
+<p:notes xmlns:a="http://schemas.openxmlformats.org/drawingml/2006/main" xmlns:r="http://schemas.openxmlformats.org/officeDocument/2006/relationships" xmlns:p="http://schemas.openxmlformats.org/presentationml/2006/main">
+  <p:cSld>
+    <p:spTree>
+      <p:nvGrpSpPr>
+        <p:cNvPr id="1" name=""/>
+        <p:cNvGrpSpPr/>
+        <p:nvPr/>
+      </p:nvGrpSpPr>
+      <p:grpSpPr>
+        <a:xfrm>
+          <a:off x="0" y="0"/>
+          <a:ext cx="0" cy="0"/>
+          <a:chOff x="0" y="0"/>
+          <a:chExt cx="0" cy="0"/>
+        </a:xfrm>
+      </p:grpSpPr>
+      <p:sp>
+        <p:nvSpPr>
+          <p:cNvPr id="2" name="Slide Image Placeholder 1"/>
+          <p:cNvSpPr>
+            <a:spLocks noGrp="1" noRot="1" noChangeAspect="1"/>
+          </p:cNvSpPr>
+          <p:nvPr>
+            <p:ph type="sldImg"/>
+          </p:nvPr>
+        </p:nvSpPr>
+        <p:spPr/>
+      </p:sp>
+      <p:sp>
+        <p:nvSpPr>
+          <p:cNvPr id="3" name="Notes Placeholder 2"/>
+          <p:cNvSpPr>
+            <a:spLocks noGrp="1"/>
+          </p:cNvSpPr>
+          <p:nvPr>
+            <p:ph type="body" idx="1"/>
+          </p:nvPr>
+        </p:nvSpPr>
+        <p:spPr/>
+        <p:txBody>
+          <a:bodyPr/>
+          <a:lstStyle/>
+          <a:p>
+            <a:endParaRPr lang="he-IL" dirty="0"/>
+          </a:p>
+        </p:txBody>
+      </p:sp>
+      <p:sp>
+        <p:nvSpPr>
+          <p:cNvPr id="4" name="Slide Number Placeholder 3"/>
+          <p:cNvSpPr>
+            <a:spLocks noGrp="1"/>
+          </p:cNvSpPr>
+          <p:nvPr>
+            <p:ph type="sldNum" sz="quarter" idx="10"/>
+          </p:nvPr>
+        </p:nvSpPr>
+        <p:spPr/>
+        <p:txBody>
+          <a:bodyPr/>
+          <a:lstStyle/>
+          <a:p>
+            <a:fld id="{AA9BED1A-8388-4503-8515-6BC02580799D}" type="slidenum">
+              <a:rPr lang="en-US" smtClean="0"/>
+              <a:t>12</a:t>
+            </a:fld>
+            <a:endParaRPr lang="en-US"/>
+          </a:p>
+        </p:txBody>
+      </p:sp>
+    </p:spTree>
+    <p:extLst>
+      <p:ext uri="{BB962C8B-B14F-4D97-AF65-F5344CB8AC3E}">
+        <p14:creationId xmlns:p14="http://schemas.microsoft.com/office/powerpoint/2010/main" val="2953944922"/>
       </p:ext>
     </p:extLst>
   </p:cSld>
@@ -5181,7 +5456,7 @@
         </p:nvSpPr>
         <p:spPr>
           <a:xfrm>
-            <a:off x="970383" y="1559386"/>
+            <a:off x="1561813" y="1856963"/>
             <a:ext cx="10105053" cy="1446550"/>
           </a:xfrm>
           <a:prstGeom prst="rect">
@@ -5199,7 +5474,7 @@
             <a:r>
               <a:rPr lang="en-US" sz="7200" cap="all" dirty="0">
                 <a:blipFill>
-                  <a:blip r:embed="rId2">
+                  <a:blip r:embed="rId3">
                     <a:extLst>
                       <a:ext uri="{28A0092B-C50C-407E-A947-70E740481C1C}">
                         <a14:useLocalDpi xmlns:a14="http://schemas.microsoft.com/office/drawing/2010/main" val="0"/>
@@ -5221,7 +5496,7 @@
             <a:r>
               <a:rPr lang="en-US" sz="7200" cap="all" dirty="0">
                 <a:blipFill>
-                  <a:blip r:embed="rId2">
+                  <a:blip r:embed="rId3">
                     <a:extLst>
                       <a:ext uri="{28A0092B-C50C-407E-A947-70E740481C1C}">
                         <a14:useLocalDpi xmlns:a14="http://schemas.microsoft.com/office/drawing/2010/main" val="0"/>
@@ -5253,8 +5528,8 @@
         </p:nvSpPr>
         <p:spPr>
           <a:xfrm>
-            <a:off x="1287624" y="2845837"/>
-            <a:ext cx="9358605" cy="1015663"/>
+            <a:off x="1416697" y="2828835"/>
+            <a:ext cx="9358605" cy="1200329"/>
           </a:xfrm>
           <a:prstGeom prst="rect">
             <a:avLst/>
@@ -5269,57 +5544,32 @@
           <a:p>
             <a:pPr algn="ctr"/>
             <a:r>
-              <a:rPr lang="en-US" sz="4000" cap="all" dirty="0" err="1">
-                <a:blipFill>
-                  <a:blip r:embed="rId2">
-                    <a:extLst>
-                      <a:ext uri="{28A0092B-C50C-407E-A947-70E740481C1C}">
-                        <a14:useLocalDpi xmlns:a14="http://schemas.microsoft.com/office/drawing/2010/main" val="0"/>
-                      </a:ext>
-                    </a:extLst>
-                  </a:blip>
-                  <a:tile tx="6350" ty="-127000" sx="65000" sy="64000" flip="none" algn="tl"/>
-                </a:blipFill>
+              <a:rPr lang="en-US" sz="4000" cap="all" dirty="0">
+                <a:solidFill>
+                  <a:srgbClr val="002060"/>
+                </a:solidFill>
                 <a:latin typeface="+mj-lt"/>
                 <a:ea typeface="+mj-ea"/>
                 <a:cs typeface="+mj-cs"/>
               </a:rPr>
-              <a:t>Zehavit</a:t>
-            </a:r>
-            <a:r>
-              <a:rPr lang="en-US" dirty="0"/>
-              <a:t> </a:t>
+              <a:t>Oran </a:t>
             </a:r>
             <a:r>
               <a:rPr lang="en-US" sz="4000" cap="all" dirty="0" err="1">
-                <a:blipFill>
-                  <a:blip r:embed="rId2">
-                    <a:extLst>
-                      <a:ext uri="{28A0092B-C50C-407E-A947-70E740481C1C}">
-                        <a14:useLocalDpi xmlns:a14="http://schemas.microsoft.com/office/drawing/2010/main" val="0"/>
-                      </a:ext>
-                    </a:extLst>
-                  </a:blip>
-                  <a:tile tx="6350" ty="-127000" sx="65000" sy="64000" flip="none" algn="tl"/>
-                </a:blipFill>
+                <a:solidFill>
+                  <a:srgbClr val="002060"/>
+                </a:solidFill>
                 <a:latin typeface="+mj-lt"/>
                 <a:ea typeface="+mj-ea"/>
                 <a:cs typeface="+mj-cs"/>
               </a:rPr>
-              <a:t>Leibovich</a:t>
+              <a:t>Gilboa</a:t>
             </a:r>
             <a:r>
               <a:rPr lang="en-US" sz="4000" cap="all" dirty="0">
-                <a:blipFill>
-                  <a:blip r:embed="rId2">
-                    <a:extLst>
-                      <a:ext uri="{28A0092B-C50C-407E-A947-70E740481C1C}">
-                        <a14:useLocalDpi xmlns:a14="http://schemas.microsoft.com/office/drawing/2010/main" val="0"/>
-                      </a:ext>
-                    </a:extLst>
-                  </a:blip>
-                  <a:tile tx="6350" ty="-127000" sx="65000" sy="64000" flip="none" algn="tl"/>
-                </a:blipFill>
+                <a:solidFill>
+                  <a:srgbClr val="002060"/>
+                </a:solidFill>
                 <a:latin typeface="+mj-lt"/>
                 <a:ea typeface="+mj-ea"/>
                 <a:cs typeface="+mj-cs"/>
@@ -5327,9 +5577,9 @@
               <a:t> </a:t>
             </a:r>
             <a:r>
-              <a:rPr lang="en-US" sz="6000" cap="all" dirty="0">
+              <a:rPr lang="en-US" sz="7200" cap="all" dirty="0">
                 <a:blipFill>
-                  <a:blip r:embed="rId2">
+                  <a:blip r:embed="rId3">
                     <a:extLst>
                       <a:ext uri="{28A0092B-C50C-407E-A947-70E740481C1C}">
                         <a14:useLocalDpi xmlns:a14="http://schemas.microsoft.com/office/drawing/2010/main" val="0"/>
@@ -5346,55 +5596,52 @@
             </a:r>
             <a:r>
               <a:rPr lang="en-US" sz="4000" cap="all" dirty="0">
-                <a:blipFill>
-                  <a:blip r:embed="rId2">
-                    <a:extLst>
-                      <a:ext uri="{28A0092B-C50C-407E-A947-70E740481C1C}">
-                        <a14:useLocalDpi xmlns:a14="http://schemas.microsoft.com/office/drawing/2010/main" val="0"/>
-                      </a:ext>
-                    </a:extLst>
-                  </a:blip>
-                  <a:tile tx="6350" ty="-127000" sx="65000" sy="64000" flip="none" algn="tl"/>
-                </a:blipFill>
+                <a:solidFill>
+                  <a:srgbClr val="002060"/>
+                </a:solidFill>
                 <a:latin typeface="+mj-lt"/>
                 <a:ea typeface="+mj-ea"/>
                 <a:cs typeface="+mj-cs"/>
               </a:rPr>
-              <a:t> Oran</a:t>
-            </a:r>
-            <a:r>
-              <a:rPr lang="en-US" dirty="0"/>
               <a:t> </a:t>
             </a:r>
             <a:r>
               <a:rPr lang="en-US" sz="4000" cap="all" dirty="0" err="1">
-                <a:blipFill>
-                  <a:blip r:embed="rId2">
-                    <a:extLst>
-                      <a:ext uri="{28A0092B-C50C-407E-A947-70E740481C1C}">
-                        <a14:useLocalDpi xmlns:a14="http://schemas.microsoft.com/office/drawing/2010/main" val="0"/>
-                      </a:ext>
-                    </a:extLst>
-                  </a:blip>
-                  <a:tile tx="6350" ty="-127000" sx="65000" sy="64000" flip="none" algn="tl"/>
-                </a:blipFill>
+                <a:solidFill>
+                  <a:srgbClr val="002060"/>
+                </a:solidFill>
                 <a:latin typeface="+mj-lt"/>
                 <a:ea typeface="+mj-ea"/>
                 <a:cs typeface="+mj-cs"/>
               </a:rPr>
-              <a:t>Gilboa</a:t>
+              <a:t>Zehavit</a:t>
+            </a:r>
+            <a:r>
+              <a:rPr lang="en-US" sz="4000" cap="all" dirty="0">
+                <a:solidFill>
+                  <a:srgbClr val="002060"/>
+                </a:solidFill>
+                <a:latin typeface="+mj-lt"/>
+                <a:ea typeface="+mj-ea"/>
+                <a:cs typeface="+mj-cs"/>
+              </a:rPr>
+              <a:t> </a:t>
+            </a:r>
+            <a:r>
+              <a:rPr lang="en-US" sz="4000" cap="all" dirty="0" err="1">
+                <a:solidFill>
+                  <a:srgbClr val="002060"/>
+                </a:solidFill>
+                <a:latin typeface="+mj-lt"/>
+                <a:ea typeface="+mj-ea"/>
+                <a:cs typeface="+mj-cs"/>
+              </a:rPr>
+              <a:t>Leibovich</a:t>
             </a:r>
             <a:endParaRPr lang="en-US" sz="4000" cap="all" dirty="0">
-              <a:blipFill>
-                <a:blip r:embed="rId2">
-                  <a:extLst>
-                    <a:ext uri="{28A0092B-C50C-407E-A947-70E740481C1C}">
-                      <a14:useLocalDpi xmlns:a14="http://schemas.microsoft.com/office/drawing/2010/main" val="0"/>
-                    </a:ext>
-                  </a:extLst>
-                </a:blip>
-                <a:tile tx="6350" ty="-127000" sx="65000" sy="64000" flip="none" algn="tl"/>
-              </a:blipFill>
+              <a:solidFill>
+                <a:srgbClr val="002060"/>
+              </a:solidFill>
               <a:latin typeface="+mj-lt"/>
               <a:ea typeface="+mj-ea"/>
               <a:cs typeface="+mj-cs"/>
@@ -5417,7 +5664,7 @@
           <p:nvPr/>
         </p:nvPicPr>
         <p:blipFill>
-          <a:blip r:embed="rId3" cstate="hqprint">
+          <a:blip r:embed="rId4" cstate="hqprint">
             <a:extLst>
               <a:ext uri="{28A0092B-C50C-407E-A947-70E740481C1C}">
                 <a14:useLocalDpi xmlns:a14="http://schemas.microsoft.com/office/drawing/2010/main" val="0"/>
@@ -5452,7 +5699,7 @@
     </p:spTree>
     <p:extLst>
       <p:ext uri="{BB962C8B-B14F-4D97-AF65-F5344CB8AC3E}">
-        <p14:creationId xmlns:p14="http://schemas.microsoft.com/office/powerpoint/2010/main" val="4211625203"/>
+        <p14:creationId xmlns:p14="http://schemas.microsoft.com/office/powerpoint/2010/main" val="2462217540"/>
       </p:ext>
     </p:extLst>
   </p:cSld>
@@ -5495,8 +5742,8 @@
           <a:lstStyle/>
           <a:p>
             <a:r>
-              <a:rPr lang="en-US" smtClean="0"/>
-              <a:t>Project timeline</a:t>
+              <a:rPr lang="en-US" dirty="0" smtClean="0"/>
+              <a:t>Technical and musical summary #2 </a:t>
             </a:r>
             <a:endParaRPr lang="he-IL" dirty="0"/>
           </a:p>
@@ -5519,51 +5766,85 @@
           <a:p>
             <a:r>
               <a:rPr lang="en-US" dirty="0" smtClean="0"/>
-              <a:t>Phase 1:</a:t>
+              <a:t>The technical and musical details of the engine are to be defined : basically we want to </a:t>
+            </a:r>
+            <a:r>
+              <a:rPr lang="en-US" dirty="0"/>
+              <a:t>have a unique instrument </a:t>
+            </a:r>
+            <a:r>
+              <a:rPr lang="en-US" dirty="0" smtClean="0"/>
+              <a:t>timbre for each RGB value and a mapping from </a:t>
+            </a:r>
+            <a:r>
+              <a:rPr lang="en-US" dirty="0"/>
+              <a:t>a set of pixels </a:t>
+            </a:r>
+            <a:r>
+              <a:rPr lang="en-US" dirty="0" smtClean="0"/>
+              <a:t>(i.e. </a:t>
+            </a:r>
+            <a:r>
+              <a:rPr lang="en-US" dirty="0"/>
+              <a:t>the surrounding pixels of the chosen pixel) to pitch or time </a:t>
+            </a:r>
+            <a:r>
+              <a:rPr lang="en-US" dirty="0" smtClean="0"/>
+              <a:t>duration </a:t>
+            </a:r>
+          </a:p>
+          <a:p>
+            <a:r>
+              <a:rPr lang="en-US" dirty="0" smtClean="0"/>
+              <a:t>In the advanced phases of the project we would like to give the user the ability </a:t>
+            </a:r>
+            <a:r>
+              <a:rPr lang="en-US" dirty="0" smtClean="0"/>
+              <a:t>to:  </a:t>
             </a:r>
           </a:p>
           <a:p>
             <a:pPr lvl="1"/>
             <a:r>
               <a:rPr lang="en-US" dirty="0" smtClean="0"/>
-              <a:t>Implement an engine that creates a sound based on the RGB of the current pixel (according to mouse location)</a:t>
-            </a:r>
-          </a:p>
-          <a:p>
+              <a:t>Change </a:t>
+            </a:r>
             <a:r>
               <a:rPr lang="en-US" dirty="0" smtClean="0"/>
-              <a:t>Phase 2:</a:t>
+              <a:t>the engine settings (mapping from visual elements to sound elements</a:t>
+            </a:r>
+            <a:r>
+              <a:rPr lang="en-US" dirty="0" smtClean="0"/>
+              <a:t>)</a:t>
             </a:r>
           </a:p>
           <a:p>
             <a:pPr lvl="1"/>
             <a:r>
               <a:rPr lang="en-US" dirty="0" smtClean="0"/>
-              <a:t>Add UI and logic for user input: Sliders, selection of instrument, etc. </a:t>
+              <a:t>Record its </a:t>
+            </a:r>
+            <a:r>
+              <a:rPr lang="en-US" dirty="0" smtClean="0"/>
+              <a:t>created </a:t>
+            </a:r>
+            <a:r>
+              <a:rPr lang="en-US" dirty="0" smtClean="0"/>
+              <a:t>music</a:t>
             </a:r>
           </a:p>
           <a:p>
             <a:pPr lvl="1"/>
             <a:r>
               <a:rPr lang="en-US" dirty="0" smtClean="0"/>
-              <a:t>Record the music created </a:t>
-            </a:r>
-          </a:p>
-          <a:p>
-            <a:r>
-              <a:rPr lang="en-US" dirty="0" smtClean="0"/>
-              <a:t>Phase 3:</a:t>
-            </a:r>
-          </a:p>
-          <a:p>
-            <a:pPr lvl="1"/>
-            <a:r>
-              <a:rPr lang="en-US" dirty="0" smtClean="0"/>
-              <a:t>Add support for creating a music using multiple pictures </a:t>
-            </a:r>
-          </a:p>
-          <a:p>
-            <a:pPr lvl="1"/>
+              <a:t>Create music based on multiple images </a:t>
+            </a:r>
+            <a:endParaRPr lang="en-US" dirty="0" smtClean="0"/>
+          </a:p>
+          <a:p>
+            <a:pPr marL="0" indent="0">
+              <a:buNone/>
+            </a:pPr>
             <a:endParaRPr lang="he-IL" dirty="0"/>
           </a:p>
         </p:txBody>
@@ -5571,7 +5852,7 @@
     </p:spTree>
     <p:extLst>
       <p:ext uri="{BB962C8B-B14F-4D97-AF65-F5344CB8AC3E}">
-        <p14:creationId xmlns:p14="http://schemas.microsoft.com/office/powerpoint/2010/main" val="174399316"/>
+        <p14:creationId xmlns:p14="http://schemas.microsoft.com/office/powerpoint/2010/main" val="2785115466"/>
       </p:ext>
     </p:extLst>
   </p:cSld>
@@ -5598,6 +5879,693 @@
           <a:chExt cx="0" cy="0"/>
         </a:xfrm>
       </p:grpSpPr>
+      <p:grpSp>
+        <p:nvGrpSpPr>
+          <p:cNvPr id="5" name="Window">
+            <a:extLst>
+              <a:ext uri="{FF2B5EF4-FFF2-40B4-BE49-F238E27FC236}">
+                <a16:creationId xmlns:a16="http://schemas.microsoft.com/office/drawing/2014/main" id="{1F40398A-D061-4993-8AA1-CE7E9D8FA328}"/>
+              </a:ext>
+            </a:extLst>
+          </p:cNvPr>
+          <p:cNvGrpSpPr/>
+          <p:nvPr>
+            <p:custDataLst>
+              <p:custData r:id="rId1"/>
+            </p:custDataLst>
+          </p:nvPr>
+        </p:nvGrpSpPr>
+        <p:grpSpPr>
+          <a:xfrm>
+            <a:off x="3636532" y="1854617"/>
+            <a:ext cx="4458597" cy="4518751"/>
+            <a:chOff x="0" y="-26498"/>
+            <a:chExt cx="9144000" cy="6884498"/>
+          </a:xfrm>
+        </p:grpSpPr>
+        <p:grpSp>
+          <p:nvGrpSpPr>
+            <p:cNvPr id="6" name="Group 5">
+              <a:extLst>
+                <a:ext uri="{FF2B5EF4-FFF2-40B4-BE49-F238E27FC236}">
+                  <a16:creationId xmlns:a16="http://schemas.microsoft.com/office/drawing/2014/main" id="{8C3EBD16-0F07-45FA-B018-C4F177B218A0}"/>
+                </a:ext>
+              </a:extLst>
+            </p:cNvPr>
+            <p:cNvGrpSpPr/>
+            <p:nvPr/>
+          </p:nvGrpSpPr>
+          <p:grpSpPr>
+            <a:xfrm>
+              <a:off x="0" y="-26498"/>
+              <a:ext cx="9144000" cy="6884498"/>
+              <a:chOff x="0" y="-26498"/>
+              <a:chExt cx="9144000" cy="6884498"/>
+            </a:xfrm>
+          </p:grpSpPr>
+          <p:sp>
+            <p:nvSpPr>
+              <p:cNvPr id="14" name="Rectangle 13">
+                <a:extLst>
+                  <a:ext uri="{FF2B5EF4-FFF2-40B4-BE49-F238E27FC236}">
+                    <a16:creationId xmlns:a16="http://schemas.microsoft.com/office/drawing/2014/main" id="{99770E91-D522-411A-9F10-F93457AE6E7A}"/>
+                  </a:ext>
+                </a:extLst>
+              </p:cNvPr>
+              <p:cNvSpPr/>
+              <p:nvPr/>
+            </p:nvSpPr>
+            <p:spPr>
+              <a:xfrm>
+                <a:off x="0" y="0"/>
+                <a:ext cx="9144000" cy="6858000"/>
+              </a:xfrm>
+              <a:prstGeom prst="rect">
+                <a:avLst/>
+              </a:prstGeom>
+              <a:solidFill>
+                <a:srgbClr val="FFFFFF">
+                  <a:lumMod val="65000"/>
+                </a:srgbClr>
+              </a:solidFill>
+              <a:ln w="3175" cap="flat" cmpd="sng" algn="ctr">
+                <a:solidFill>
+                  <a:srgbClr val="000000">
+                    <a:lumMod val="50000"/>
+                    <a:lumOff val="50000"/>
+                  </a:srgbClr>
+                </a:solidFill>
+                <a:prstDash val="solid"/>
+              </a:ln>
+              <a:effectLst/>
+            </p:spPr>
+            <p:txBody>
+              <a:bodyPr rtlCol="0" anchor="ctr"/>
+              <a:lstStyle/>
+              <a:p>
+                <a:pPr algn="ctr"/>
+                <a:endParaRPr lang="en-US" sz="800" kern="0">
+                  <a:solidFill>
+                    <a:prstClr val="white"/>
+                  </a:solidFill>
+                  <a:latin typeface="Segoe UI"/>
+                </a:endParaRPr>
+              </a:p>
+            </p:txBody>
+          </p:sp>
+          <p:sp>
+            <p:nvSpPr>
+              <p:cNvPr id="15" name="Rectangle 14">
+                <a:extLst>
+                  <a:ext uri="{FF2B5EF4-FFF2-40B4-BE49-F238E27FC236}">
+                    <a16:creationId xmlns:a16="http://schemas.microsoft.com/office/drawing/2014/main" id="{F73C730F-274F-4FF3-B6F3-C0B4A2624E69}"/>
+                  </a:ext>
+                </a:extLst>
+              </p:cNvPr>
+              <p:cNvSpPr/>
+              <p:nvPr/>
+            </p:nvSpPr>
+            <p:spPr>
+              <a:xfrm>
+                <a:off x="76200" y="309484"/>
+                <a:ext cx="8991600" cy="6437733"/>
+              </a:xfrm>
+              <a:prstGeom prst="rect">
+                <a:avLst/>
+              </a:prstGeom>
+              <a:solidFill>
+                <a:sysClr val="window" lastClr="FFFFFF"/>
+              </a:solidFill>
+              <a:ln w="3175" cap="flat" cmpd="sng" algn="ctr">
+                <a:solidFill>
+                  <a:srgbClr val="000000">
+                    <a:lumMod val="50000"/>
+                    <a:lumOff val="50000"/>
+                  </a:srgbClr>
+                </a:solidFill>
+                <a:prstDash val="solid"/>
+              </a:ln>
+              <a:effectLst/>
+            </p:spPr>
+            <p:txBody>
+              <a:bodyPr rtlCol="0" anchor="ctr"/>
+              <a:lstStyle/>
+              <a:p>
+                <a:pPr algn="ctr"/>
+                <a:endParaRPr lang="en-US" sz="800" kern="0">
+                  <a:solidFill>
+                    <a:prstClr val="white"/>
+                  </a:solidFill>
+                  <a:latin typeface="Segoe UI"/>
+                </a:endParaRPr>
+              </a:p>
+            </p:txBody>
+          </p:sp>
+          <p:sp>
+            <p:nvSpPr>
+              <p:cNvPr id="16" name="WindowTitle">
+                <a:extLst>
+                  <a:ext uri="{FF2B5EF4-FFF2-40B4-BE49-F238E27FC236}">
+                    <a16:creationId xmlns:a16="http://schemas.microsoft.com/office/drawing/2014/main" id="{AF4BB876-1F1A-4336-9642-67A66A78AA32}"/>
+                  </a:ext>
+                </a:extLst>
+              </p:cNvPr>
+              <p:cNvSpPr txBox="1"/>
+              <p:nvPr/>
+            </p:nvSpPr>
+            <p:spPr>
+              <a:xfrm>
+                <a:off x="240975" y="-26498"/>
+                <a:ext cx="3027342" cy="351682"/>
+              </a:xfrm>
+              <a:prstGeom prst="rect">
+                <a:avLst/>
+              </a:prstGeom>
+              <a:noFill/>
+            </p:spPr>
+            <p:txBody>
+              <a:bodyPr wrap="square" lIns="45720" tIns="18288" rIns="91440" bIns="27432" rtlCol="0" anchor="ctr" anchorCtr="0">
+                <a:spAutoFit/>
+              </a:bodyPr>
+              <a:lstStyle/>
+              <a:p>
+                <a:r>
+                  <a:rPr lang="en-US" sz="1200" dirty="0">
+                    <a:solidFill>
+                      <a:prstClr val="white"/>
+                    </a:solidFill>
+                    <a:latin typeface="Segoe UI" pitchFamily="34" charset="0"/>
+                    <a:ea typeface="Segoe UI" pitchFamily="34" charset="0"/>
+                    <a:cs typeface="Segoe UI" pitchFamily="34" charset="0"/>
+                  </a:rPr>
+                  <a:t>RGB</a:t>
+                </a:r>
+                <a:r>
+                  <a:rPr lang="he-IL" sz="1200" dirty="0">
+                    <a:solidFill>
+                      <a:prstClr val="white"/>
+                    </a:solidFill>
+                    <a:latin typeface="Segoe UI" pitchFamily="34" charset="0"/>
+                    <a:ea typeface="Segoe UI" pitchFamily="34" charset="0"/>
+                    <a:cs typeface="Segoe UI" pitchFamily="34" charset="0"/>
+                  </a:rPr>
+                  <a:t> </a:t>
+                </a:r>
+                <a:r>
+                  <a:rPr lang="en-US" sz="1200" dirty="0">
+                    <a:solidFill>
+                      <a:prstClr val="white"/>
+                    </a:solidFill>
+                    <a:latin typeface="Segoe UI" pitchFamily="34" charset="0"/>
+                    <a:ea typeface="Segoe UI" pitchFamily="34" charset="0"/>
+                    <a:cs typeface="Segoe UI" pitchFamily="34" charset="0"/>
+                  </a:rPr>
+                  <a:t>Music</a:t>
+                </a:r>
+              </a:p>
+            </p:txBody>
+          </p:sp>
+        </p:grpSp>
+        <p:grpSp>
+          <p:nvGrpSpPr>
+            <p:cNvPr id="7" name="Minimize - Maximize - Close">
+              <a:extLst>
+                <a:ext uri="{FF2B5EF4-FFF2-40B4-BE49-F238E27FC236}">
+                  <a16:creationId xmlns:a16="http://schemas.microsoft.com/office/drawing/2014/main" id="{8F413EB3-AE2C-4EB6-9DB4-1E375E6D9119}"/>
+                </a:ext>
+              </a:extLst>
+            </p:cNvPr>
+            <p:cNvGrpSpPr/>
+            <p:nvPr/>
+          </p:nvGrpSpPr>
+          <p:grpSpPr>
+            <a:xfrm>
+              <a:off x="8632311" y="92599"/>
+              <a:ext cx="384527" cy="78032"/>
+              <a:chOff x="9347642" y="131588"/>
+              <a:chExt cx="384527" cy="78032"/>
+            </a:xfrm>
+          </p:grpSpPr>
+          <p:cxnSp>
+            <p:nvCxnSpPr>
+              <p:cNvPr id="9" name="Line">
+                <a:extLst>
+                  <a:ext uri="{FF2B5EF4-FFF2-40B4-BE49-F238E27FC236}">
+                    <a16:creationId xmlns:a16="http://schemas.microsoft.com/office/drawing/2014/main" id="{312FC7B2-F7B6-4337-8EFB-611B47F20B94}"/>
+                  </a:ext>
+                </a:extLst>
+              </p:cNvPr>
+              <p:cNvCxnSpPr/>
+              <p:nvPr/>
+            </p:nvCxnSpPr>
+            <p:spPr>
+              <a:xfrm>
+                <a:off x="9661396" y="131588"/>
+                <a:ext cx="70773" cy="76200"/>
+              </a:xfrm>
+              <a:prstGeom prst="line">
+                <a:avLst/>
+              </a:prstGeom>
+              <a:ln w="12700">
+                <a:solidFill>
+                  <a:srgbClr val="FFFFFF"/>
+                </a:solidFill>
+              </a:ln>
+            </p:spPr>
+            <p:style>
+              <a:lnRef idx="1">
+                <a:srgbClr val="4F81BD"/>
+              </a:lnRef>
+              <a:fillRef idx="0">
+                <a:srgbClr val="4F81BD"/>
+              </a:fillRef>
+              <a:effectRef idx="0">
+                <a:srgbClr val="4F81BD"/>
+              </a:effectRef>
+              <a:fontRef idx="minor">
+                <a:srgbClr val="000000"/>
+              </a:fontRef>
+            </p:style>
+          </p:cxnSp>
+          <p:cxnSp>
+            <p:nvCxnSpPr>
+              <p:cNvPr id="10" name="Line">
+                <a:extLst>
+                  <a:ext uri="{FF2B5EF4-FFF2-40B4-BE49-F238E27FC236}">
+                    <a16:creationId xmlns:a16="http://schemas.microsoft.com/office/drawing/2014/main" id="{0D509EB9-8574-464D-9B5C-9FA1766968D6}"/>
+                  </a:ext>
+                </a:extLst>
+              </p:cNvPr>
+              <p:cNvCxnSpPr/>
+              <p:nvPr/>
+            </p:nvCxnSpPr>
+            <p:spPr>
+              <a:xfrm flipH="1">
+                <a:off x="9661395" y="131588"/>
+                <a:ext cx="70773" cy="76200"/>
+              </a:xfrm>
+              <a:prstGeom prst="line">
+                <a:avLst/>
+              </a:prstGeom>
+              <a:ln w="12700">
+                <a:solidFill>
+                  <a:srgbClr val="FFFFFF"/>
+                </a:solidFill>
+              </a:ln>
+            </p:spPr>
+            <p:style>
+              <a:lnRef idx="1">
+                <a:srgbClr val="4F81BD"/>
+              </a:lnRef>
+              <a:fillRef idx="0">
+                <a:srgbClr val="4F81BD"/>
+              </a:fillRef>
+              <a:effectRef idx="0">
+                <a:srgbClr val="4F81BD"/>
+              </a:effectRef>
+              <a:fontRef idx="minor">
+                <a:srgbClr val="000000"/>
+              </a:fontRef>
+            </p:style>
+          </p:cxnSp>
+          <p:sp>
+            <p:nvSpPr>
+              <p:cNvPr id="11" name="Line">
+                <a:extLst>
+                  <a:ext uri="{FF2B5EF4-FFF2-40B4-BE49-F238E27FC236}">
+                    <a16:creationId xmlns:a16="http://schemas.microsoft.com/office/drawing/2014/main" id="{25E0E5BB-FA99-4A47-9550-6685B40B8791}"/>
+                  </a:ext>
+                </a:extLst>
+              </p:cNvPr>
+              <p:cNvSpPr/>
+              <p:nvPr/>
+            </p:nvSpPr>
+            <p:spPr>
+              <a:xfrm rot="10800000" flipV="1">
+                <a:off x="9499472" y="143255"/>
+                <a:ext cx="91440" cy="9144"/>
+              </a:xfrm>
+              <a:prstGeom prst="rect">
+                <a:avLst/>
+              </a:prstGeom>
+              <a:solidFill>
+                <a:srgbClr val="919191"/>
+              </a:solidFill>
+              <a:ln w="3175">
+                <a:solidFill>
+                  <a:srgbClr val="FFFFFF"/>
+                </a:solidFill>
+              </a:ln>
+            </p:spPr>
+            <p:style>
+              <a:lnRef idx="2">
+                <a:srgbClr val="4F81BD">
+                  <a:shade val="50000"/>
+                </a:srgbClr>
+              </a:lnRef>
+              <a:fillRef idx="1001">
+                <a:srgbClr val="000000"/>
+              </a:fillRef>
+              <a:effectRef idx="0">
+                <a:srgbClr val="4F81BD"/>
+              </a:effectRef>
+              <a:fontRef idx="minor">
+                <a:srgbClr val="000000"/>
+              </a:fontRef>
+            </p:style>
+            <p:txBody>
+              <a:bodyPr rtlCol="0" anchor="ctr"/>
+              <a:lstStyle/>
+              <a:p>
+                <a:pPr algn="ctr"/>
+                <a:endParaRPr lang="en-US" dirty="0">
+                  <a:solidFill>
+                    <a:prstClr val="white"/>
+                  </a:solidFill>
+                </a:endParaRPr>
+              </a:p>
+            </p:txBody>
+          </p:sp>
+          <p:sp>
+            <p:nvSpPr>
+              <p:cNvPr id="12" name="Line">
+                <a:extLst>
+                  <a:ext uri="{FF2B5EF4-FFF2-40B4-BE49-F238E27FC236}">
+                    <a16:creationId xmlns:a16="http://schemas.microsoft.com/office/drawing/2014/main" id="{A1B02160-A007-47A5-9866-6E78C67E9853}"/>
+                  </a:ext>
+                </a:extLst>
+              </p:cNvPr>
+              <p:cNvSpPr/>
+              <p:nvPr/>
+            </p:nvSpPr>
+            <p:spPr>
+              <a:xfrm rot="10800000" flipV="1">
+                <a:off x="9498658" y="135261"/>
+                <a:ext cx="91440" cy="72527"/>
+              </a:xfrm>
+              <a:prstGeom prst="rect">
+                <a:avLst/>
+              </a:prstGeom>
+              <a:noFill/>
+              <a:ln w="12700">
+                <a:solidFill>
+                  <a:srgbClr val="FFFFFF"/>
+                </a:solidFill>
+              </a:ln>
+            </p:spPr>
+            <p:style>
+              <a:lnRef idx="2">
+                <a:srgbClr val="4F81BD">
+                  <a:shade val="50000"/>
+                </a:srgbClr>
+              </a:lnRef>
+              <a:fillRef idx="1001">
+                <a:srgbClr val="000000"/>
+              </a:fillRef>
+              <a:effectRef idx="0">
+                <a:srgbClr val="4F81BD"/>
+              </a:effectRef>
+              <a:fontRef idx="minor">
+                <a:srgbClr val="000000"/>
+              </a:fontRef>
+            </p:style>
+            <p:txBody>
+              <a:bodyPr rtlCol="0" anchor="ctr"/>
+              <a:lstStyle/>
+              <a:p>
+                <a:pPr algn="ctr"/>
+                <a:endParaRPr lang="en-US" dirty="0">
+                  <a:solidFill>
+                    <a:prstClr val="white"/>
+                  </a:solidFill>
+                </a:endParaRPr>
+              </a:p>
+            </p:txBody>
+          </p:sp>
+          <p:sp>
+            <p:nvSpPr>
+              <p:cNvPr id="13" name="Line">
+                <a:extLst>
+                  <a:ext uri="{FF2B5EF4-FFF2-40B4-BE49-F238E27FC236}">
+                    <a16:creationId xmlns:a16="http://schemas.microsoft.com/office/drawing/2014/main" id="{242673CD-4AB7-4C90-BF97-43781B2B12E2}"/>
+                  </a:ext>
+                </a:extLst>
+              </p:cNvPr>
+              <p:cNvSpPr/>
+              <p:nvPr/>
+            </p:nvSpPr>
+            <p:spPr>
+              <a:xfrm rot="10800000" flipV="1">
+                <a:off x="9347642" y="200476"/>
+                <a:ext cx="91440" cy="9144"/>
+              </a:xfrm>
+              <a:prstGeom prst="rect">
+                <a:avLst/>
+              </a:prstGeom>
+              <a:solidFill>
+                <a:srgbClr val="919191"/>
+              </a:solidFill>
+              <a:ln w="3175">
+                <a:solidFill>
+                  <a:srgbClr val="FFFFFF"/>
+                </a:solidFill>
+              </a:ln>
+            </p:spPr>
+            <p:style>
+              <a:lnRef idx="2">
+                <a:srgbClr val="4F81BD">
+                  <a:shade val="50000"/>
+                </a:srgbClr>
+              </a:lnRef>
+              <a:fillRef idx="1001">
+                <a:srgbClr val="000000"/>
+              </a:fillRef>
+              <a:effectRef idx="0">
+                <a:srgbClr val="4F81BD"/>
+              </a:effectRef>
+              <a:fontRef idx="minor">
+                <a:srgbClr val="000000"/>
+              </a:fontRef>
+            </p:style>
+            <p:txBody>
+              <a:bodyPr rtlCol="0" anchor="ctr"/>
+              <a:lstStyle/>
+              <a:p>
+                <a:pPr algn="ctr"/>
+                <a:endParaRPr lang="en-US" dirty="0">
+                  <a:solidFill>
+                    <a:prstClr val="white"/>
+                  </a:solidFill>
+                </a:endParaRPr>
+              </a:p>
+            </p:txBody>
+          </p:sp>
+        </p:grpSp>
+        <p:sp>
+          <p:nvSpPr>
+            <p:cNvPr id="8" name="Oval 7">
+              <a:extLst>
+                <a:ext uri="{FF2B5EF4-FFF2-40B4-BE49-F238E27FC236}">
+                  <a16:creationId xmlns:a16="http://schemas.microsoft.com/office/drawing/2014/main" id="{8EAAF468-16D5-4097-9AFB-F08743CC73A9}"/>
+                </a:ext>
+              </a:extLst>
+            </p:cNvPr>
+            <p:cNvSpPr/>
+            <p:nvPr/>
+          </p:nvSpPr>
+          <p:spPr>
+            <a:xfrm>
+              <a:off x="83477" y="80065"/>
+              <a:ext cx="145536" cy="150875"/>
+            </a:xfrm>
+            <a:prstGeom prst="ellipse">
+              <a:avLst/>
+            </a:prstGeom>
+            <a:gradFill flip="none" rotWithShape="1">
+              <a:gsLst>
+                <a:gs pos="91000">
+                  <a:srgbClr val="FFFFFF">
+                    <a:lumMod val="85000"/>
+                  </a:srgbClr>
+                </a:gs>
+                <a:gs pos="36000">
+                  <a:srgbClr val="FFFFFF">
+                    <a:lumMod val="95000"/>
+                  </a:srgbClr>
+                </a:gs>
+                <a:gs pos="100000">
+                  <a:srgbClr val="FFFFFF">
+                    <a:lumMod val="95000"/>
+                  </a:srgbClr>
+                </a:gs>
+              </a:gsLst>
+              <a:lin ang="5400000" scaled="0"/>
+              <a:tileRect/>
+            </a:gradFill>
+            <a:ln w="3175">
+              <a:solidFill>
+                <a:srgbClr val="000000">
+                  <a:lumMod val="50000"/>
+                  <a:lumOff val="50000"/>
+                </a:srgbClr>
+              </a:solidFill>
+            </a:ln>
+            <a:effectLst/>
+          </p:spPr>
+          <p:style>
+            <a:lnRef idx="2">
+              <a:srgbClr val="4F81BD">
+                <a:shade val="50000"/>
+              </a:srgbClr>
+            </a:lnRef>
+            <a:fillRef idx="1">
+              <a:srgbClr val="4F81BD"/>
+            </a:fillRef>
+            <a:effectRef idx="0">
+              <a:srgbClr val="4F81BD"/>
+            </a:effectRef>
+            <a:fontRef idx="minor">
+              <a:srgbClr val="000000"/>
+            </a:fontRef>
+          </p:style>
+          <p:txBody>
+            <a:bodyPr lIns="97531" tIns="48766" rIns="97531" bIns="48766" rtlCol="0" anchor="ctr"/>
+            <a:lstStyle/>
+            <a:p>
+              <a:pPr algn="ctr"/>
+              <a:endParaRPr lang="en-US">
+                <a:solidFill>
+                  <a:prstClr val="white"/>
+                </a:solidFill>
+              </a:endParaRPr>
+            </a:p>
+          </p:txBody>
+        </p:sp>
+      </p:grpSp>
+      <p:sp>
+        <p:nvSpPr>
+          <p:cNvPr id="54" name="Content">
+            <a:extLst>
+              <a:ext uri="{FF2B5EF4-FFF2-40B4-BE49-F238E27FC236}">
+                <a16:creationId xmlns:a16="http://schemas.microsoft.com/office/drawing/2014/main" id="{2A15BC3B-D6DC-41A3-9FE1-0B0DA0132B8D}"/>
+              </a:ext>
+            </a:extLst>
+          </p:cNvPr>
+          <p:cNvSpPr/>
+          <p:nvPr>
+            <p:custDataLst>
+              <p:custData r:id="rId2"/>
+            </p:custDataLst>
+          </p:nvPr>
+        </p:nvSpPr>
+        <p:spPr>
+          <a:xfrm>
+            <a:off x="3653208" y="2082837"/>
+            <a:ext cx="4379599" cy="217900"/>
+          </a:xfrm>
+          <a:prstGeom prst="rect">
+            <a:avLst/>
+          </a:prstGeom>
+          <a:solidFill>
+            <a:srgbClr val="FFFFFF">
+              <a:lumMod val="95000"/>
+            </a:srgbClr>
+          </a:solidFill>
+          <a:ln w="3175" cap="flat" cmpd="sng" algn="ctr">
+            <a:solidFill>
+              <a:srgbClr val="FFFFFF">
+                <a:lumMod val="50000"/>
+              </a:srgbClr>
+            </a:solidFill>
+            <a:prstDash val="solid"/>
+          </a:ln>
+          <a:effectLst/>
+        </p:spPr>
+        <p:txBody>
+          <a:bodyPr rot="0" spcFirstLastPara="0" vertOverflow="overflow" horzOverflow="overflow" vert="horz" wrap="square" lIns="45720" tIns="45720" rIns="91440" bIns="45720" numCol="1" spcCol="0" rtlCol="0" fromWordArt="0" anchor="ctr" anchorCtr="0" forceAA="0" compatLnSpc="1">
+            <a:prstTxWarp prst="textNoShape">
+              <a:avLst/>
+            </a:prstTxWarp>
+            <a:noAutofit/>
+          </a:bodyPr>
+          <a:lstStyle/>
+          <a:p>
+            <a:pPr marL="0" marR="0" indent="0" defTabSz="914400" eaLnBrk="1" fontAlgn="auto" latinLnBrk="0" hangingPunct="1">
+              <a:lnSpc>
+                <a:spcPct val="100000"/>
+              </a:lnSpc>
+              <a:spcBef>
+                <a:spcPts val="0"/>
+              </a:spcBef>
+              <a:spcAft>
+                <a:spcPts val="0"/>
+              </a:spcAft>
+              <a:buClrTx/>
+              <a:buSzTx/>
+              <a:buFontTx/>
+              <a:buNone/>
+              <a:tabLst/>
+            </a:pPr>
+            <a:r>
+              <a:rPr kumimoji="0" lang="en-US" sz="1200" b="0" i="0" u="none" strike="noStrike" kern="0" cap="none" spc="0" normalizeH="0" baseline="0" noProof="0" dirty="0">
+                <a:ln>
+                  <a:noFill/>
+                </a:ln>
+                <a:solidFill>
+                  <a:srgbClr val="000000">
+                    <a:lumMod val="75000"/>
+                    <a:lumOff val="25000"/>
+                  </a:srgbClr>
+                </a:solidFill>
+                <a:effectLst/>
+                <a:uLnTx/>
+                <a:uFillTx/>
+                <a:latin typeface="Segoe UI"/>
+                <a:ea typeface="+mn-ea"/>
+                <a:cs typeface="+mn-cs"/>
+              </a:rPr>
+              <a:t>  File</a:t>
+            </a:r>
+            <a:r>
+              <a:rPr kumimoji="0" lang="en-US" sz="1200" b="0" i="0" u="none" strike="noStrike" kern="0" cap="none" spc="0" normalizeH="0" noProof="0" dirty="0">
+                <a:ln>
+                  <a:noFill/>
+                </a:ln>
+                <a:solidFill>
+                  <a:srgbClr val="000000">
+                    <a:lumMod val="75000"/>
+                    <a:lumOff val="25000"/>
+                  </a:srgbClr>
+                </a:solidFill>
+                <a:effectLst/>
+                <a:uLnTx/>
+                <a:uFillTx/>
+                <a:latin typeface="Segoe UI"/>
+                <a:ea typeface="+mn-ea"/>
+                <a:cs typeface="+mn-cs"/>
+              </a:rPr>
+              <a:t>     Ed   Help</a:t>
+            </a:r>
+            <a:endParaRPr kumimoji="0" lang="en-US" sz="1200" b="0" i="0" u="none" strike="noStrike" kern="0" cap="none" spc="0" normalizeH="0" baseline="0" noProof="0" dirty="0">
+              <a:ln>
+                <a:noFill/>
+              </a:ln>
+              <a:solidFill>
+                <a:srgbClr val="000000">
+                  <a:lumMod val="75000"/>
+                  <a:lumOff val="25000"/>
+                </a:srgbClr>
+              </a:solidFill>
+              <a:effectLst/>
+              <a:uLnTx/>
+              <a:uFillTx/>
+              <a:latin typeface="Segoe UI"/>
+              <a:ea typeface="+mn-ea"/>
+              <a:cs typeface="+mn-cs"/>
+            </a:endParaRPr>
+          </a:p>
+        </p:txBody>
+      </p:sp>
       <p:sp>
         <p:nvSpPr>
           <p:cNvPr id="2" name="Title 1"/>
@@ -5614,167 +6582,1940 @@
           <a:lstStyle/>
           <a:p>
             <a:r>
-              <a:rPr lang="en-US" dirty="0" smtClean="0"/>
-              <a:t>Bibliography #1 </a:t>
-            </a:r>
-            <a:endParaRPr lang="he-IL" dirty="0"/>
-          </a:p>
-        </p:txBody>
-      </p:sp>
-      <p:sp>
-        <p:nvSpPr>
-          <p:cNvPr id="3" name="Content Placeholder 2"/>
-          <p:cNvSpPr>
-            <a:spLocks noGrp="1"/>
-          </p:cNvSpPr>
-          <p:nvPr>
-            <p:ph idx="1"/>
-          </p:nvPr>
-        </p:nvSpPr>
-        <p:spPr/>
-        <p:txBody>
-          <a:bodyPr>
-            <a:normAutofit lnSpcReduction="10000"/>
+              <a:rPr lang="en-US" dirty="0"/>
+              <a:t>UI scheme – </a:t>
+            </a:r>
+            <a:r>
+              <a:rPr lang="en-US" sz="4000" dirty="0">
+                <a:solidFill>
+                  <a:schemeClr val="accent1">
+                    <a:lumMod val="75000"/>
+                  </a:schemeClr>
+                </a:solidFill>
+              </a:rPr>
+              <a:t>MOCK (Before implementing)</a:t>
+            </a:r>
+            <a:endParaRPr lang="he-IL" dirty="0">
+              <a:solidFill>
+                <a:schemeClr val="accent1">
+                  <a:lumMod val="75000"/>
+                </a:schemeClr>
+              </a:solidFill>
+            </a:endParaRPr>
+          </a:p>
+        </p:txBody>
+      </p:sp>
+      <p:pic>
+        <p:nvPicPr>
+          <p:cNvPr id="4" name="Picture 2" descr="×ª××¦××ª ×ª××× × ×¢×××¨ âªmusic pixelâ¬â">
+            <a:extLst>
+              <a:ext uri="{FF2B5EF4-FFF2-40B4-BE49-F238E27FC236}">
+                <a16:creationId xmlns:a16="http://schemas.microsoft.com/office/drawing/2014/main" id="{A4FEC63E-33DC-4978-8B13-CA2C36BCF04B}"/>
+              </a:ext>
+            </a:extLst>
+          </p:cNvPr>
+          <p:cNvPicPr>
+            <a:picLocks noChangeAspect="1" noChangeArrowheads="1"/>
+          </p:cNvPicPr>
+          <p:nvPr/>
+        </p:nvPicPr>
+        <p:blipFill>
+          <a:blip r:embed="rId12" cstate="hqprint">
+            <a:extLst>
+              <a:ext uri="{28A0092B-C50C-407E-A947-70E740481C1C}">
+                <a14:useLocalDpi xmlns:a14="http://schemas.microsoft.com/office/drawing/2010/main" val="0"/>
+              </a:ext>
+            </a:extLst>
+          </a:blip>
+          <a:srcRect/>
+          <a:stretch>
+            <a:fillRect/>
+          </a:stretch>
+        </p:blipFill>
+        <p:spPr bwMode="auto">
+          <a:xfrm>
+            <a:off x="11288324" y="5128341"/>
+            <a:ext cx="663044" cy="1043859"/>
+          </a:xfrm>
+          <a:prstGeom prst="rect">
+            <a:avLst/>
+          </a:prstGeom>
+          <a:noFill/>
+          <a:extLst>
+            <a:ext uri="{909E8E84-426E-40DD-AFC4-6F175D3DCCD1}">
+              <a14:hiddenFill xmlns:a14="http://schemas.microsoft.com/office/drawing/2010/main">
+                <a:solidFill>
+                  <a:srgbClr val="FFFFFF"/>
+                </a:solidFill>
+              </a14:hiddenFill>
+            </a:ext>
+          </a:extLst>
+        </p:spPr>
+      </p:pic>
+      <p:pic>
+        <p:nvPicPr>
+          <p:cNvPr id="17" name="Picture 16" descr="A sunset over a city&#10;&#10;Description generated with very high confidence">
+            <a:extLst>
+              <a:ext uri="{FF2B5EF4-FFF2-40B4-BE49-F238E27FC236}">
+                <a16:creationId xmlns:a16="http://schemas.microsoft.com/office/drawing/2014/main" id="{6ADF78D2-B28A-45AC-9F78-2D1721F052D8}"/>
+              </a:ext>
+            </a:extLst>
+          </p:cNvPr>
+          <p:cNvPicPr>
+            <a:picLocks noChangeAspect="1"/>
+          </p:cNvPicPr>
+          <p:nvPr/>
+        </p:nvPicPr>
+        <p:blipFill>
+          <a:blip r:embed="rId13">
+            <a:extLst>
+              <a:ext uri="{28A0092B-C50C-407E-A947-70E740481C1C}">
+                <a14:useLocalDpi xmlns:a14="http://schemas.microsoft.com/office/drawing/2010/main" val="0"/>
+              </a:ext>
+            </a:extLst>
+          </a:blip>
+          <a:stretch>
+            <a:fillRect/>
+          </a:stretch>
+        </p:blipFill>
+        <p:spPr>
+          <a:xfrm>
+            <a:off x="4479370" y="2482183"/>
+            <a:ext cx="2932357" cy="2196940"/>
+          </a:xfrm>
+          <a:prstGeom prst="rect">
+            <a:avLst/>
+          </a:prstGeom>
+        </p:spPr>
+      </p:pic>
+      <p:pic>
+        <p:nvPicPr>
+          <p:cNvPr id="21" name="Picture 20" descr="A screen shot of a computer&#10;&#10;Description generated with high confidence">
+            <a:extLst>
+              <a:ext uri="{FF2B5EF4-FFF2-40B4-BE49-F238E27FC236}">
+                <a16:creationId xmlns:a16="http://schemas.microsoft.com/office/drawing/2014/main" id="{E45EE274-2CE8-42ED-A2CA-918D36949E9D}"/>
+              </a:ext>
+            </a:extLst>
+          </p:cNvPr>
+          <p:cNvPicPr>
+            <a:picLocks noChangeAspect="1"/>
+          </p:cNvPicPr>
+          <p:nvPr/>
+        </p:nvPicPr>
+        <p:blipFill>
+          <a:blip r:embed="rId14">
+            <a:extLst>
+              <a:ext uri="{28A0092B-C50C-407E-A947-70E740481C1C}">
+                <a14:useLocalDpi xmlns:a14="http://schemas.microsoft.com/office/drawing/2010/main" val="0"/>
+              </a:ext>
+            </a:extLst>
+          </a:blip>
+          <a:stretch>
+            <a:fillRect/>
+          </a:stretch>
+        </p:blipFill>
+        <p:spPr>
+          <a:xfrm>
+            <a:off x="7512489" y="3432049"/>
+            <a:ext cx="388575" cy="388575"/>
+          </a:xfrm>
+          <a:prstGeom prst="rect">
+            <a:avLst/>
+          </a:prstGeom>
+        </p:spPr>
+      </p:pic>
+      <p:pic>
+        <p:nvPicPr>
+          <p:cNvPr id="23" name="Picture 22" descr="A flat screen tv&#10;&#10;Description generated with high confidence">
+            <a:extLst>
+              <a:ext uri="{FF2B5EF4-FFF2-40B4-BE49-F238E27FC236}">
+                <a16:creationId xmlns:a16="http://schemas.microsoft.com/office/drawing/2014/main" id="{47DCD805-91D1-417F-89D0-17934147F239}"/>
+              </a:ext>
+            </a:extLst>
+          </p:cNvPr>
+          <p:cNvPicPr>
+            <a:picLocks noChangeAspect="1"/>
+          </p:cNvPicPr>
+          <p:nvPr/>
+        </p:nvPicPr>
+        <p:blipFill>
+          <a:blip r:embed="rId15" cstate="hqprint">
+            <a:extLst>
+              <a:ext uri="{28A0092B-C50C-407E-A947-70E740481C1C}">
+                <a14:useLocalDpi xmlns:a14="http://schemas.microsoft.com/office/drawing/2010/main" val="0"/>
+              </a:ext>
+            </a:extLst>
+          </a:blip>
+          <a:stretch>
+            <a:fillRect/>
+          </a:stretch>
+        </p:blipFill>
+        <p:spPr>
+          <a:xfrm>
+            <a:off x="3865311" y="3379270"/>
+            <a:ext cx="388575" cy="388575"/>
+          </a:xfrm>
+          <a:prstGeom prst="rect">
+            <a:avLst/>
+          </a:prstGeom>
+        </p:spPr>
+      </p:pic>
+      <p:grpSp>
+        <p:nvGrpSpPr>
+          <p:cNvPr id="27" name="PositionControl">
+            <a:extLst>
+              <a:ext uri="{FF2B5EF4-FFF2-40B4-BE49-F238E27FC236}">
+                <a16:creationId xmlns:a16="http://schemas.microsoft.com/office/drawing/2014/main" id="{B02CA89F-E062-46A3-BD9B-E9DDFC4C2510}"/>
+              </a:ext>
+            </a:extLst>
+          </p:cNvPr>
+          <p:cNvGrpSpPr/>
+          <p:nvPr>
+            <p:custDataLst>
+              <p:custData r:id="rId3"/>
+            </p:custDataLst>
+          </p:nvPr>
+        </p:nvGrpSpPr>
+        <p:grpSpPr>
+          <a:xfrm>
+            <a:off x="5540188" y="4902789"/>
+            <a:ext cx="1837678" cy="81937"/>
+            <a:chOff x="3248025" y="3538537"/>
+            <a:chExt cx="2952750" cy="85725"/>
+          </a:xfrm>
+        </p:grpSpPr>
+        <p:sp>
+          <p:nvSpPr>
+            <p:cNvPr id="28" name="Bar">
+              <a:extLst>
+                <a:ext uri="{FF2B5EF4-FFF2-40B4-BE49-F238E27FC236}">
+                  <a16:creationId xmlns:a16="http://schemas.microsoft.com/office/drawing/2014/main" id="{C48D6C4D-D01F-4044-903D-BA554128C203}"/>
+                </a:ext>
+              </a:extLst>
+            </p:cNvPr>
+            <p:cNvSpPr/>
+            <p:nvPr/>
+          </p:nvSpPr>
+          <p:spPr>
+            <a:xfrm>
+              <a:off x="3248025" y="3564225"/>
+              <a:ext cx="2952750" cy="34350"/>
+            </a:xfrm>
+            <a:prstGeom prst="rect">
+              <a:avLst/>
+            </a:prstGeom>
+            <a:solidFill>
+              <a:srgbClr val="FFFFFF">
+                <a:lumMod val="85000"/>
+              </a:srgbClr>
+            </a:solidFill>
+            <a:ln w="3175" cap="flat" cmpd="sng" algn="ctr">
+              <a:solidFill>
+                <a:srgbClr val="FFFFFF">
+                  <a:lumMod val="50000"/>
+                </a:srgbClr>
+              </a:solidFill>
+              <a:prstDash val="solid"/>
+            </a:ln>
+            <a:effectLst/>
+          </p:spPr>
+          <p:txBody>
+            <a:bodyPr rot="0" spcFirstLastPara="0" vert="horz" wrap="square" lIns="45720" tIns="45720" rIns="91440" bIns="45720" numCol="1" spcCol="0" rtlCol="0" fromWordArt="0" anchor="ctr" anchorCtr="0" forceAA="0" compatLnSpc="1">
+              <a:prstTxWarp prst="textNoShape">
+                <a:avLst/>
+              </a:prstTxWarp>
+              <a:noAutofit/>
+            </a:bodyPr>
+            <a:lstStyle>
+              <a:defPPr>
+                <a:defRPr lang="en-US"/>
+              </a:defPPr>
+              <a:lvl1pPr marL="0" algn="l" defTabSz="914400" rtl="0" eaLnBrk="1" latinLnBrk="0" hangingPunct="1">
+                <a:defRPr sz="1800" kern="1200">
+                  <a:solidFill>
+                    <a:srgbClr val="000000"/>
+                  </a:solidFill>
+                  <a:latin typeface="+mn-lt"/>
+                  <a:ea typeface="+mn-ea"/>
+                  <a:cs typeface="+mn-cs"/>
+                </a:defRPr>
+              </a:lvl1pPr>
+              <a:lvl2pPr marL="457200" algn="l" defTabSz="914400" rtl="0" eaLnBrk="1" latinLnBrk="0" hangingPunct="1">
+                <a:defRPr sz="1800" kern="1200">
+                  <a:solidFill>
+                    <a:srgbClr val="000000"/>
+                  </a:solidFill>
+                  <a:latin typeface="+mn-lt"/>
+                  <a:ea typeface="+mn-ea"/>
+                  <a:cs typeface="+mn-cs"/>
+                </a:defRPr>
+              </a:lvl2pPr>
+              <a:lvl3pPr marL="914400" algn="l" defTabSz="914400" rtl="0" eaLnBrk="1" latinLnBrk="0" hangingPunct="1">
+                <a:defRPr sz="1800" kern="1200">
+                  <a:solidFill>
+                    <a:srgbClr val="000000"/>
+                  </a:solidFill>
+                  <a:latin typeface="+mn-lt"/>
+                  <a:ea typeface="+mn-ea"/>
+                  <a:cs typeface="+mn-cs"/>
+                </a:defRPr>
+              </a:lvl3pPr>
+              <a:lvl4pPr marL="1371600" algn="l" defTabSz="914400" rtl="0" eaLnBrk="1" latinLnBrk="0" hangingPunct="1">
+                <a:defRPr sz="1800" kern="1200">
+                  <a:solidFill>
+                    <a:srgbClr val="000000"/>
+                  </a:solidFill>
+                  <a:latin typeface="+mn-lt"/>
+                  <a:ea typeface="+mn-ea"/>
+                  <a:cs typeface="+mn-cs"/>
+                </a:defRPr>
+              </a:lvl4pPr>
+              <a:lvl5pPr marL="1828800" algn="l" defTabSz="914400" rtl="0" eaLnBrk="1" latinLnBrk="0" hangingPunct="1">
+                <a:defRPr sz="1800" kern="1200">
+                  <a:solidFill>
+                    <a:srgbClr val="000000"/>
+                  </a:solidFill>
+                  <a:latin typeface="+mn-lt"/>
+                  <a:ea typeface="+mn-ea"/>
+                  <a:cs typeface="+mn-cs"/>
+                </a:defRPr>
+              </a:lvl5pPr>
+              <a:lvl6pPr marL="2286000" algn="l" defTabSz="914400" rtl="0" eaLnBrk="1" latinLnBrk="0" hangingPunct="1">
+                <a:defRPr sz="1800" kern="1200">
+                  <a:solidFill>
+                    <a:srgbClr val="000000"/>
+                  </a:solidFill>
+                  <a:latin typeface="+mn-lt"/>
+                  <a:ea typeface="+mn-ea"/>
+                  <a:cs typeface="+mn-cs"/>
+                </a:defRPr>
+              </a:lvl6pPr>
+              <a:lvl7pPr marL="2743200" algn="l" defTabSz="914400" rtl="0" eaLnBrk="1" latinLnBrk="0" hangingPunct="1">
+                <a:defRPr sz="1800" kern="1200">
+                  <a:solidFill>
+                    <a:srgbClr val="000000"/>
+                  </a:solidFill>
+                  <a:latin typeface="+mn-lt"/>
+                  <a:ea typeface="+mn-ea"/>
+                  <a:cs typeface="+mn-cs"/>
+                </a:defRPr>
+              </a:lvl7pPr>
+              <a:lvl8pPr marL="3200400" algn="l" defTabSz="914400" rtl="0" eaLnBrk="1" latinLnBrk="0" hangingPunct="1">
+                <a:defRPr sz="1800" kern="1200">
+                  <a:solidFill>
+                    <a:srgbClr val="000000"/>
+                  </a:solidFill>
+                  <a:latin typeface="+mn-lt"/>
+                  <a:ea typeface="+mn-ea"/>
+                  <a:cs typeface="+mn-cs"/>
+                </a:defRPr>
+              </a:lvl8pPr>
+              <a:lvl9pPr marL="3657600" algn="l" defTabSz="914400" rtl="0" eaLnBrk="1" latinLnBrk="0" hangingPunct="1">
+                <a:defRPr sz="1800" kern="1200">
+                  <a:solidFill>
+                    <a:srgbClr val="000000"/>
+                  </a:solidFill>
+                  <a:latin typeface="+mn-lt"/>
+                  <a:ea typeface="+mn-ea"/>
+                  <a:cs typeface="+mn-cs"/>
+                </a:defRPr>
+              </a:lvl9pPr>
+            </a:lstStyle>
+            <a:p>
+              <a:pPr marL="0" marR="0" indent="0" algn="ctr" defTabSz="914400" eaLnBrk="1" fontAlgn="auto" latinLnBrk="0" hangingPunct="1">
+                <a:lnSpc>
+                  <a:spcPct val="100000"/>
+                </a:lnSpc>
+                <a:spcBef>
+                  <a:spcPts val="0"/>
+                </a:spcBef>
+                <a:spcAft>
+                  <a:spcPts val="0"/>
+                </a:spcAft>
+                <a:buClrTx/>
+                <a:buSzTx/>
+                <a:buFontTx/>
+                <a:buNone/>
+                <a:tabLst/>
+              </a:pPr>
+              <a:endParaRPr kumimoji="0" lang="en-US" sz="800" b="0" i="0" u="none" strike="noStrike" kern="0" cap="none" spc="0" normalizeH="0" baseline="0" noProof="0" dirty="0">
+                <a:ln>
+                  <a:noFill/>
+                </a:ln>
+                <a:solidFill>
+                  <a:srgbClr val="000000">
+                    <a:lumMod val="75000"/>
+                    <a:lumOff val="25000"/>
+                  </a:srgbClr>
+                </a:solidFill>
+                <a:effectLst/>
+                <a:uLnTx/>
+                <a:uFillTx/>
+                <a:latin typeface="Segoe UI"/>
+                <a:ea typeface="+mn-ea"/>
+                <a:cs typeface="+mn-cs"/>
+              </a:endParaRPr>
+            </a:p>
+          </p:txBody>
+        </p:sp>
+        <p:sp>
+          <p:nvSpPr>
+            <p:cNvPr id="29" name="Slider">
+              <a:extLst>
+                <a:ext uri="{FF2B5EF4-FFF2-40B4-BE49-F238E27FC236}">
+                  <a16:creationId xmlns:a16="http://schemas.microsoft.com/office/drawing/2014/main" id="{B1440FBC-2EF6-48AC-BB9C-F10068C08189}"/>
+                </a:ext>
+              </a:extLst>
+            </p:cNvPr>
+            <p:cNvSpPr/>
+            <p:nvPr/>
+          </p:nvSpPr>
+          <p:spPr>
+            <a:xfrm>
+              <a:off x="3937000" y="3538537"/>
+              <a:ext cx="85725" cy="85725"/>
+            </a:xfrm>
+            <a:prstGeom prst="ellipse">
+              <a:avLst/>
+            </a:prstGeom>
+            <a:solidFill>
+              <a:sysClr val="window" lastClr="FFFFFF"/>
+            </a:solidFill>
+            <a:ln w="3175" cap="flat" cmpd="sng" algn="ctr">
+              <a:solidFill>
+                <a:srgbClr val="000000"/>
+              </a:solidFill>
+              <a:prstDash val="solid"/>
+            </a:ln>
+            <a:effectLst/>
+          </p:spPr>
+          <p:txBody>
+            <a:bodyPr rot="0" spcFirstLastPara="0" vert="horz" wrap="square" lIns="45720" tIns="45720" rIns="91440" bIns="45720" numCol="1" spcCol="0" rtlCol="0" fromWordArt="0" anchor="ctr" anchorCtr="0" forceAA="0" compatLnSpc="1">
+              <a:prstTxWarp prst="textNoShape">
+                <a:avLst/>
+              </a:prstTxWarp>
+              <a:noAutofit/>
+            </a:bodyPr>
+            <a:lstStyle>
+              <a:defPPr>
+                <a:defRPr lang="en-US"/>
+              </a:defPPr>
+              <a:lvl1pPr marL="0" algn="l" defTabSz="914400" rtl="0" eaLnBrk="1" latinLnBrk="0" hangingPunct="1">
+                <a:defRPr sz="1800" kern="1200">
+                  <a:solidFill>
+                    <a:srgbClr val="000000"/>
+                  </a:solidFill>
+                  <a:latin typeface="+mn-lt"/>
+                  <a:ea typeface="+mn-ea"/>
+                  <a:cs typeface="+mn-cs"/>
+                </a:defRPr>
+              </a:lvl1pPr>
+              <a:lvl2pPr marL="457200" algn="l" defTabSz="914400" rtl="0" eaLnBrk="1" latinLnBrk="0" hangingPunct="1">
+                <a:defRPr sz="1800" kern="1200">
+                  <a:solidFill>
+                    <a:srgbClr val="000000"/>
+                  </a:solidFill>
+                  <a:latin typeface="+mn-lt"/>
+                  <a:ea typeface="+mn-ea"/>
+                  <a:cs typeface="+mn-cs"/>
+                </a:defRPr>
+              </a:lvl2pPr>
+              <a:lvl3pPr marL="914400" algn="l" defTabSz="914400" rtl="0" eaLnBrk="1" latinLnBrk="0" hangingPunct="1">
+                <a:defRPr sz="1800" kern="1200">
+                  <a:solidFill>
+                    <a:srgbClr val="000000"/>
+                  </a:solidFill>
+                  <a:latin typeface="+mn-lt"/>
+                  <a:ea typeface="+mn-ea"/>
+                  <a:cs typeface="+mn-cs"/>
+                </a:defRPr>
+              </a:lvl3pPr>
+              <a:lvl4pPr marL="1371600" algn="l" defTabSz="914400" rtl="0" eaLnBrk="1" latinLnBrk="0" hangingPunct="1">
+                <a:defRPr sz="1800" kern="1200">
+                  <a:solidFill>
+                    <a:srgbClr val="000000"/>
+                  </a:solidFill>
+                  <a:latin typeface="+mn-lt"/>
+                  <a:ea typeface="+mn-ea"/>
+                  <a:cs typeface="+mn-cs"/>
+                </a:defRPr>
+              </a:lvl4pPr>
+              <a:lvl5pPr marL="1828800" algn="l" defTabSz="914400" rtl="0" eaLnBrk="1" latinLnBrk="0" hangingPunct="1">
+                <a:defRPr sz="1800" kern="1200">
+                  <a:solidFill>
+                    <a:srgbClr val="000000"/>
+                  </a:solidFill>
+                  <a:latin typeface="+mn-lt"/>
+                  <a:ea typeface="+mn-ea"/>
+                  <a:cs typeface="+mn-cs"/>
+                </a:defRPr>
+              </a:lvl5pPr>
+              <a:lvl6pPr marL="2286000" algn="l" defTabSz="914400" rtl="0" eaLnBrk="1" latinLnBrk="0" hangingPunct="1">
+                <a:defRPr sz="1800" kern="1200">
+                  <a:solidFill>
+                    <a:srgbClr val="000000"/>
+                  </a:solidFill>
+                  <a:latin typeface="+mn-lt"/>
+                  <a:ea typeface="+mn-ea"/>
+                  <a:cs typeface="+mn-cs"/>
+                </a:defRPr>
+              </a:lvl6pPr>
+              <a:lvl7pPr marL="2743200" algn="l" defTabSz="914400" rtl="0" eaLnBrk="1" latinLnBrk="0" hangingPunct="1">
+                <a:defRPr sz="1800" kern="1200">
+                  <a:solidFill>
+                    <a:srgbClr val="000000"/>
+                  </a:solidFill>
+                  <a:latin typeface="+mn-lt"/>
+                  <a:ea typeface="+mn-ea"/>
+                  <a:cs typeface="+mn-cs"/>
+                </a:defRPr>
+              </a:lvl7pPr>
+              <a:lvl8pPr marL="3200400" algn="l" defTabSz="914400" rtl="0" eaLnBrk="1" latinLnBrk="0" hangingPunct="1">
+                <a:defRPr sz="1800" kern="1200">
+                  <a:solidFill>
+                    <a:srgbClr val="000000"/>
+                  </a:solidFill>
+                  <a:latin typeface="+mn-lt"/>
+                  <a:ea typeface="+mn-ea"/>
+                  <a:cs typeface="+mn-cs"/>
+                </a:defRPr>
+              </a:lvl8pPr>
+              <a:lvl9pPr marL="3657600" algn="l" defTabSz="914400" rtl="0" eaLnBrk="1" latinLnBrk="0" hangingPunct="1">
+                <a:defRPr sz="1800" kern="1200">
+                  <a:solidFill>
+                    <a:srgbClr val="000000"/>
+                  </a:solidFill>
+                  <a:latin typeface="+mn-lt"/>
+                  <a:ea typeface="+mn-ea"/>
+                  <a:cs typeface="+mn-cs"/>
+                </a:defRPr>
+              </a:lvl9pPr>
+            </a:lstStyle>
+            <a:p>
+              <a:pPr marL="0" marR="0" indent="0" algn="ctr" defTabSz="914400" eaLnBrk="1" fontAlgn="auto" latinLnBrk="0" hangingPunct="1">
+                <a:lnSpc>
+                  <a:spcPct val="100000"/>
+                </a:lnSpc>
+                <a:spcBef>
+                  <a:spcPts val="0"/>
+                </a:spcBef>
+                <a:spcAft>
+                  <a:spcPts val="0"/>
+                </a:spcAft>
+                <a:buClrTx/>
+                <a:buSzTx/>
+                <a:buFontTx/>
+                <a:buNone/>
+                <a:tabLst/>
+              </a:pPr>
+              <a:endParaRPr kumimoji="0" lang="en-US" sz="800" b="0" i="0" u="none" strike="noStrike" kern="0" cap="none" spc="0" normalizeH="0" baseline="0" noProof="0" dirty="0">
+                <a:ln>
+                  <a:noFill/>
+                </a:ln>
+                <a:solidFill>
+                  <a:srgbClr val="000000">
+                    <a:lumMod val="75000"/>
+                    <a:lumOff val="25000"/>
+                  </a:srgbClr>
+                </a:solidFill>
+                <a:effectLst/>
+                <a:uLnTx/>
+                <a:uFillTx/>
+                <a:latin typeface="Segoe UI"/>
+                <a:ea typeface="+mn-ea"/>
+                <a:cs typeface="+mn-cs"/>
+              </a:endParaRPr>
+            </a:p>
+          </p:txBody>
+        </p:sp>
+      </p:grpSp>
+      <p:grpSp>
+        <p:nvGrpSpPr>
+          <p:cNvPr id="47" name="FileMenu">
+            <a:extLst>
+              <a:ext uri="{FF2B5EF4-FFF2-40B4-BE49-F238E27FC236}">
+                <a16:creationId xmlns:a16="http://schemas.microsoft.com/office/drawing/2014/main" id="{F854AF5A-F386-4D54-859D-2FAF5CBBFD17}"/>
+              </a:ext>
+            </a:extLst>
+          </p:cNvPr>
+          <p:cNvGrpSpPr/>
+          <p:nvPr>
+            <p:custDataLst>
+              <p:custData r:id="rId4"/>
+            </p:custDataLst>
+          </p:nvPr>
+        </p:nvGrpSpPr>
+        <p:grpSpPr>
+          <a:xfrm>
+            <a:off x="3673687" y="2072668"/>
+            <a:ext cx="1388835" cy="874927"/>
+            <a:chOff x="3951265" y="2460940"/>
+            <a:chExt cx="1388835" cy="874927"/>
+          </a:xfrm>
+        </p:grpSpPr>
+        <p:grpSp>
+          <p:nvGrpSpPr>
+            <p:cNvPr id="48" name="Group 47">
+              <a:extLst>
+                <a:ext uri="{FF2B5EF4-FFF2-40B4-BE49-F238E27FC236}">
+                  <a16:creationId xmlns:a16="http://schemas.microsoft.com/office/drawing/2014/main" id="{4489B766-9499-4EAA-A05A-03D4C0C6E64D}"/>
+                </a:ext>
+              </a:extLst>
+            </p:cNvPr>
+            <p:cNvGrpSpPr/>
+            <p:nvPr/>
+          </p:nvGrpSpPr>
+          <p:grpSpPr>
+            <a:xfrm>
+              <a:off x="3951265" y="2689011"/>
+              <a:ext cx="1388835" cy="646856"/>
+              <a:chOff x="144465" y="3547390"/>
+              <a:chExt cx="1388835" cy="795616"/>
+            </a:xfrm>
+          </p:grpSpPr>
+          <p:sp>
+            <p:nvSpPr>
+              <p:cNvPr id="51" name="Background">
+                <a:extLst>
+                  <a:ext uri="{FF2B5EF4-FFF2-40B4-BE49-F238E27FC236}">
+                    <a16:creationId xmlns:a16="http://schemas.microsoft.com/office/drawing/2014/main" id="{50F1447A-9AFE-4C38-8FB3-8A110870B05F}"/>
+                  </a:ext>
+                </a:extLst>
+              </p:cNvPr>
+              <p:cNvSpPr/>
+              <p:nvPr/>
+            </p:nvSpPr>
+            <p:spPr>
+              <a:xfrm>
+                <a:off x="144465" y="3547931"/>
+                <a:ext cx="1388835" cy="795075"/>
+              </a:xfrm>
+              <a:prstGeom prst="rect">
+                <a:avLst/>
+              </a:prstGeom>
+              <a:solidFill>
+                <a:srgbClr val="FFFFFF">
+                  <a:lumMod val="95000"/>
+                </a:srgbClr>
+              </a:solidFill>
+              <a:ln w="3175" cap="flat" cmpd="sng" algn="ctr">
+                <a:solidFill>
+                  <a:srgbClr val="FFFFFF">
+                    <a:lumMod val="50000"/>
+                  </a:srgbClr>
+                </a:solidFill>
+                <a:prstDash val="solid"/>
+              </a:ln>
+              <a:effectLst/>
+            </p:spPr>
+            <p:txBody>
+              <a:bodyPr rot="0" spcFirstLastPara="0" vertOverflow="overflow" horzOverflow="overflow" vert="horz" wrap="square" lIns="45720" tIns="45720" rIns="91440" bIns="45720" numCol="1" spcCol="0" rtlCol="0" fromWordArt="0" anchor="ctr" anchorCtr="0" forceAA="0" compatLnSpc="1">
+                <a:prstTxWarp prst="textNoShape">
+                  <a:avLst/>
+                </a:prstTxWarp>
+                <a:noAutofit/>
+              </a:bodyPr>
+              <a:lstStyle/>
+              <a:p>
+                <a:pPr marL="0" marR="0" indent="0" algn="ctr" defTabSz="914400" eaLnBrk="1" fontAlgn="auto" latinLnBrk="0" hangingPunct="1">
+                  <a:lnSpc>
+                    <a:spcPct val="100000"/>
+                  </a:lnSpc>
+                  <a:spcBef>
+                    <a:spcPts val="0"/>
+                  </a:spcBef>
+                  <a:spcAft>
+                    <a:spcPts val="0"/>
+                  </a:spcAft>
+                  <a:buClrTx/>
+                  <a:buSzTx/>
+                  <a:buFontTx/>
+                  <a:buNone/>
+                  <a:tabLst/>
+                </a:pPr>
+                <a:endParaRPr kumimoji="0" lang="en-US" sz="1200" b="0" i="0" u="none" strike="noStrike" kern="0" cap="none" spc="0" normalizeH="0" baseline="0" noProof="0" dirty="0">
+                  <a:ln>
+                    <a:noFill/>
+                  </a:ln>
+                  <a:solidFill>
+                    <a:srgbClr val="000000">
+                      <a:lumMod val="75000"/>
+                      <a:lumOff val="25000"/>
+                    </a:srgbClr>
+                  </a:solidFill>
+                  <a:effectLst/>
+                  <a:uLnTx/>
+                  <a:uFillTx/>
+                  <a:latin typeface="Segoe UI"/>
+                  <a:ea typeface="+mn-ea"/>
+                  <a:cs typeface="+mn-cs"/>
+                </a:endParaRPr>
+              </a:p>
+            </p:txBody>
+          </p:sp>
+          <p:cxnSp>
+            <p:nvCxnSpPr>
+              <p:cNvPr id="52" name="MenuLine">
+                <a:extLst>
+                  <a:ext uri="{FF2B5EF4-FFF2-40B4-BE49-F238E27FC236}">
+                    <a16:creationId xmlns:a16="http://schemas.microsoft.com/office/drawing/2014/main" id="{E62AB4AD-6A2E-45A2-B8D8-D975B31CD0AC}"/>
+                  </a:ext>
+                </a:extLst>
+              </p:cNvPr>
+              <p:cNvCxnSpPr>
+                <a:cxnSpLocks/>
+              </p:cNvCxnSpPr>
+              <p:nvPr/>
+            </p:nvCxnSpPr>
+            <p:spPr>
+              <a:xfrm flipH="1">
+                <a:off x="423547" y="3547390"/>
+                <a:ext cx="318" cy="795615"/>
+              </a:xfrm>
+              <a:prstGeom prst="line">
+                <a:avLst/>
+              </a:prstGeom>
+              <a:ln w="3175">
+                <a:solidFill>
+                  <a:srgbClr val="FFFFFF">
+                    <a:lumMod val="50000"/>
+                  </a:srgbClr>
+                </a:solidFill>
+              </a:ln>
+            </p:spPr>
+            <p:style>
+              <a:lnRef idx="1">
+                <a:srgbClr val="FFFFFF"/>
+              </a:lnRef>
+              <a:fillRef idx="0">
+                <a:srgbClr val="FFFFFF"/>
+              </a:fillRef>
+              <a:effectRef idx="0">
+                <a:srgbClr val="FFFFFF"/>
+              </a:effectRef>
+              <a:fontRef idx="minor">
+                <a:srgbClr val="000000"/>
+              </a:fontRef>
+            </p:style>
+          </p:cxnSp>
+        </p:grpSp>
+        <p:sp>
+          <p:nvSpPr>
+            <p:cNvPr id="49" name="MenuText">
+              <a:extLst>
+                <a:ext uri="{FF2B5EF4-FFF2-40B4-BE49-F238E27FC236}">
+                  <a16:creationId xmlns:a16="http://schemas.microsoft.com/office/drawing/2014/main" id="{1A2105E5-DF53-4023-B326-286A08FE9E49}"/>
+                </a:ext>
+              </a:extLst>
+            </p:cNvPr>
+            <p:cNvSpPr txBox="1"/>
+            <p:nvPr/>
+          </p:nvSpPr>
+          <p:spPr>
+            <a:xfrm>
+              <a:off x="4230347" y="2689010"/>
+              <a:ext cx="1109753" cy="646857"/>
+            </a:xfrm>
+            <a:prstGeom prst="rect">
+              <a:avLst/>
+            </a:prstGeom>
+            <a:noFill/>
+            <a:ln>
+              <a:noFill/>
+            </a:ln>
+          </p:spPr>
+          <p:txBody>
+            <a:bodyPr wrap="square" lIns="54864" rIns="45720" bIns="27432" rtlCol="0">
+              <a:noAutofit/>
+            </a:bodyPr>
+            <a:lstStyle/>
+            <a:p>
+              <a:r>
+                <a:rPr lang="en-US" sz="1200" dirty="0">
+                  <a:latin typeface="Segoe UI" pitchFamily="34" charset="0"/>
+                  <a:ea typeface="Segoe UI" pitchFamily="34" charset="0"/>
+                  <a:cs typeface="Segoe UI" pitchFamily="34" charset="0"/>
+                </a:rPr>
+                <a:t>Load images</a:t>
+              </a:r>
+            </a:p>
+            <a:p>
+              <a:r>
+                <a:rPr lang="en-US" sz="1200" dirty="0">
+                  <a:latin typeface="Segoe UI" pitchFamily="34" charset="0"/>
+                  <a:ea typeface="Segoe UI" pitchFamily="34" charset="0"/>
+                  <a:cs typeface="Segoe UI" pitchFamily="34" charset="0"/>
+                </a:rPr>
+                <a:t>Export to file</a:t>
+              </a:r>
+            </a:p>
+            <a:p>
+              <a:r>
+                <a:rPr lang="en-US" sz="1200" dirty="0">
+                  <a:latin typeface="Segoe UI" pitchFamily="34" charset="0"/>
+                  <a:ea typeface="Segoe UI" pitchFamily="34" charset="0"/>
+                  <a:cs typeface="Segoe UI" pitchFamily="34" charset="0"/>
+                </a:rPr>
+                <a:t>Exit</a:t>
+              </a:r>
+            </a:p>
+          </p:txBody>
+        </p:sp>
+        <p:sp>
+          <p:nvSpPr>
+            <p:cNvPr id="50" name="FileText">
+              <a:extLst>
+                <a:ext uri="{FF2B5EF4-FFF2-40B4-BE49-F238E27FC236}">
+                  <a16:creationId xmlns:a16="http://schemas.microsoft.com/office/drawing/2014/main" id="{34DB1F56-4758-4409-8656-1910F94CD048}"/>
+                </a:ext>
+              </a:extLst>
+            </p:cNvPr>
+            <p:cNvSpPr/>
+            <p:nvPr/>
+          </p:nvSpPr>
+          <p:spPr>
+            <a:xfrm>
+              <a:off x="3951265" y="2460940"/>
+              <a:ext cx="694417" cy="228600"/>
+            </a:xfrm>
+            <a:prstGeom prst="rect">
+              <a:avLst/>
+            </a:prstGeom>
+            <a:solidFill>
+              <a:srgbClr val="FFFFFF">
+                <a:lumMod val="85000"/>
+              </a:srgbClr>
+            </a:solidFill>
+            <a:ln w="3175" cap="flat" cmpd="sng" algn="ctr">
+              <a:solidFill>
+                <a:srgbClr val="000000">
+                  <a:lumMod val="50000"/>
+                  <a:lumOff val="50000"/>
+                </a:srgbClr>
+              </a:solidFill>
+              <a:prstDash val="solid"/>
+            </a:ln>
+            <a:effectLst/>
+          </p:spPr>
+          <p:txBody>
+            <a:bodyPr rot="0" spcFirstLastPara="0" vertOverflow="overflow" horzOverflow="overflow" vert="horz" wrap="square" lIns="45720" tIns="45720" rIns="45720" bIns="45720" numCol="1" spcCol="0" rtlCol="0" fromWordArt="0" anchor="ctr" anchorCtr="0" forceAA="0" compatLnSpc="1">
+              <a:prstTxWarp prst="textNoShape">
+                <a:avLst/>
+              </a:prstTxWarp>
+              <a:noAutofit/>
+            </a:bodyPr>
+            <a:lstStyle/>
+            <a:p>
+              <a:pPr marL="0" marR="0" indent="0" algn="ctr" defTabSz="914400" eaLnBrk="1" fontAlgn="auto" latinLnBrk="0" hangingPunct="1">
+                <a:lnSpc>
+                  <a:spcPct val="100000"/>
+                </a:lnSpc>
+                <a:spcBef>
+                  <a:spcPts val="0"/>
+                </a:spcBef>
+                <a:spcAft>
+                  <a:spcPts val="0"/>
+                </a:spcAft>
+                <a:buClrTx/>
+                <a:buSzTx/>
+                <a:buFontTx/>
+                <a:buNone/>
+                <a:tabLst/>
+              </a:pPr>
+              <a:r>
+                <a:rPr kumimoji="0" lang="en-US" sz="1200" b="0" i="0" u="none" strike="noStrike" kern="0" cap="none" spc="0" normalizeH="0" baseline="0" noProof="0" dirty="0">
+                  <a:ln>
+                    <a:noFill/>
+                  </a:ln>
+                  <a:solidFill>
+                    <a:srgbClr val="000000">
+                      <a:lumMod val="75000"/>
+                      <a:lumOff val="25000"/>
+                    </a:srgbClr>
+                  </a:solidFill>
+                  <a:effectLst/>
+                  <a:uLnTx/>
+                  <a:uFillTx/>
+                  <a:latin typeface="Segoe UI"/>
+                  <a:ea typeface="+mn-ea"/>
+                  <a:cs typeface="+mn-cs"/>
+                </a:rPr>
+                <a:t>File</a:t>
+              </a:r>
+            </a:p>
+          </p:txBody>
+        </p:sp>
+      </p:grpSp>
+      <p:grpSp>
+        <p:nvGrpSpPr>
+          <p:cNvPr id="55" name="Group 54">
+            <a:extLst>
+              <a:ext uri="{FF2B5EF4-FFF2-40B4-BE49-F238E27FC236}">
+                <a16:creationId xmlns:a16="http://schemas.microsoft.com/office/drawing/2014/main" id="{5528A7E9-66D7-449B-94A2-F9D59F929E3C}"/>
+              </a:ext>
+            </a:extLst>
+          </p:cNvPr>
+          <p:cNvGrpSpPr/>
+          <p:nvPr>
+            <p:custDataLst>
+              <p:custData r:id="rId5"/>
+              <p:custData r:id="rId6"/>
+            </p:custDataLst>
+          </p:nvPr>
+        </p:nvGrpSpPr>
+        <p:grpSpPr>
+          <a:xfrm>
+            <a:off x="5540189" y="5428160"/>
+            <a:ext cx="1837678" cy="271329"/>
+            <a:chOff x="507869" y="3729779"/>
+            <a:chExt cx="1471744" cy="320480"/>
+          </a:xfrm>
+        </p:grpSpPr>
+        <p:sp>
+          <p:nvSpPr>
+            <p:cNvPr id="56" name="Content">
+              <a:extLst>
+                <a:ext uri="{FF2B5EF4-FFF2-40B4-BE49-F238E27FC236}">
+                  <a16:creationId xmlns:a16="http://schemas.microsoft.com/office/drawing/2014/main" id="{081F40F2-CDD1-40E4-AC05-1A6559A7840B}"/>
+                </a:ext>
+              </a:extLst>
+            </p:cNvPr>
+            <p:cNvSpPr/>
+            <p:nvPr/>
+          </p:nvSpPr>
+          <p:spPr bwMode="auto">
+            <a:xfrm>
+              <a:off x="507869" y="3729779"/>
+              <a:ext cx="1471744" cy="320480"/>
+            </a:xfrm>
+            <a:prstGeom prst="rect">
+              <a:avLst/>
+            </a:prstGeom>
+            <a:solidFill>
+              <a:srgbClr val="FFFFFF"/>
+            </a:solidFill>
+            <a:ln w="22225" cap="flat" cmpd="sng" algn="ctr">
+              <a:solidFill>
+                <a:srgbClr val="232323">
+                  <a:lumMod val="90000"/>
+                  <a:lumOff val="10000"/>
+                </a:srgbClr>
+              </a:solidFill>
+              <a:prstDash val="solid"/>
+              <a:headEnd type="none" w="med" len="med"/>
+              <a:tailEnd type="none" w="med" len="med"/>
+            </a:ln>
+            <a:effectLst/>
+          </p:spPr>
+          <p:txBody>
+            <a:bodyPr vert="horz" wrap="square" lIns="91436" tIns="45718" rIns="91436" bIns="45718" numCol="1" rtlCol="0" anchor="ctr" anchorCtr="0" compatLnSpc="1">
+              <a:prstTxWarp prst="textNoShape">
+                <a:avLst/>
+              </a:prstTxWarp>
+            </a:bodyPr>
+            <a:lstStyle/>
+            <a:p>
+              <a:pPr marL="0" marR="0" lvl="0" indent="0" defTabSz="914099" eaLnBrk="1" fontAlgn="base" latinLnBrk="0" hangingPunct="1">
+                <a:lnSpc>
+                  <a:spcPct val="100000"/>
+                </a:lnSpc>
+                <a:spcBef>
+                  <a:spcPct val="0"/>
+                </a:spcBef>
+                <a:spcAft>
+                  <a:spcPct val="0"/>
+                </a:spcAft>
+                <a:buClrTx/>
+                <a:buSzTx/>
+                <a:buFontTx/>
+                <a:buNone/>
+                <a:tabLst/>
+                <a:defRPr/>
+              </a:pPr>
+              <a:r>
+                <a:rPr kumimoji="0" lang="en-US" sz="1100" b="0" i="0" u="none" strike="noStrike" kern="0" cap="none" spc="0" normalizeH="0" baseline="0" noProof="0" dirty="0">
+                  <a:ln>
+                    <a:noFill/>
+                  </a:ln>
+                  <a:solidFill>
+                    <a:srgbClr val="232323"/>
+                  </a:solidFill>
+                  <a:effectLst/>
+                  <a:uLnTx/>
+                  <a:uFillTx/>
+                  <a:latin typeface="Segoe"/>
+                  <a:ea typeface="+mn-ea"/>
+                  <a:cs typeface="+mn-cs"/>
+                </a:rPr>
+                <a:t>Piano</a:t>
+              </a:r>
+            </a:p>
+          </p:txBody>
+        </p:sp>
+        <p:sp>
+          <p:nvSpPr>
+            <p:cNvPr id="57" name="DownArrow">
+              <a:extLst>
+                <a:ext uri="{FF2B5EF4-FFF2-40B4-BE49-F238E27FC236}">
+                  <a16:creationId xmlns:a16="http://schemas.microsoft.com/office/drawing/2014/main" id="{D315BEC6-F578-4E6E-A23A-BF6C619F080C}"/>
+                </a:ext>
+              </a:extLst>
+            </p:cNvPr>
+            <p:cNvSpPr/>
+            <p:nvPr/>
+          </p:nvSpPr>
+          <p:spPr bwMode="auto">
+            <a:xfrm rot="5400000">
+              <a:off x="1810275" y="3844761"/>
+              <a:ext cx="60862" cy="76200"/>
+            </a:xfrm>
+            <a:custGeom>
+              <a:avLst/>
+              <a:gdLst>
+                <a:gd name="connsiteX0" fmla="*/ 0 w 88508"/>
+                <a:gd name="connsiteY0" fmla="*/ 0 h 100794"/>
+                <a:gd name="connsiteX1" fmla="*/ 44254 w 88508"/>
+                <a:gd name="connsiteY1" fmla="*/ 0 h 100794"/>
+                <a:gd name="connsiteX2" fmla="*/ 88508 w 88508"/>
+                <a:gd name="connsiteY2" fmla="*/ 50397 h 100794"/>
+                <a:gd name="connsiteX3" fmla="*/ 44254 w 88508"/>
+                <a:gd name="connsiteY3" fmla="*/ 100794 h 100794"/>
+                <a:gd name="connsiteX4" fmla="*/ 0 w 88508"/>
+                <a:gd name="connsiteY4" fmla="*/ 100794 h 100794"/>
+                <a:gd name="connsiteX5" fmla="*/ 44254 w 88508"/>
+                <a:gd name="connsiteY5" fmla="*/ 50397 h 100794"/>
+                <a:gd name="connsiteX6" fmla="*/ 0 w 88508"/>
+                <a:gd name="connsiteY6" fmla="*/ 0 h 100794"/>
+                <a:gd name="connsiteX0" fmla="*/ 14630 w 88508"/>
+                <a:gd name="connsiteY0" fmla="*/ 0 h 100794"/>
+                <a:gd name="connsiteX1" fmla="*/ 44254 w 88508"/>
+                <a:gd name="connsiteY1" fmla="*/ 0 h 100794"/>
+                <a:gd name="connsiteX2" fmla="*/ 88508 w 88508"/>
+                <a:gd name="connsiteY2" fmla="*/ 50397 h 100794"/>
+                <a:gd name="connsiteX3" fmla="*/ 44254 w 88508"/>
+                <a:gd name="connsiteY3" fmla="*/ 100794 h 100794"/>
+                <a:gd name="connsiteX4" fmla="*/ 0 w 88508"/>
+                <a:gd name="connsiteY4" fmla="*/ 100794 h 100794"/>
+                <a:gd name="connsiteX5" fmla="*/ 44254 w 88508"/>
+                <a:gd name="connsiteY5" fmla="*/ 50397 h 100794"/>
+                <a:gd name="connsiteX6" fmla="*/ 14630 w 88508"/>
+                <a:gd name="connsiteY6" fmla="*/ 0 h 100794"/>
+                <a:gd name="connsiteX0" fmla="*/ 14630 w 88508"/>
+                <a:gd name="connsiteY0" fmla="*/ 0 h 100794"/>
+                <a:gd name="connsiteX1" fmla="*/ 44254 w 88508"/>
+                <a:gd name="connsiteY1" fmla="*/ 0 h 100794"/>
+                <a:gd name="connsiteX2" fmla="*/ 88508 w 88508"/>
+                <a:gd name="connsiteY2" fmla="*/ 50397 h 100794"/>
+                <a:gd name="connsiteX3" fmla="*/ 44254 w 88508"/>
+                <a:gd name="connsiteY3" fmla="*/ 100794 h 100794"/>
+                <a:gd name="connsiteX4" fmla="*/ 0 w 88508"/>
+                <a:gd name="connsiteY4" fmla="*/ 100794 h 100794"/>
+                <a:gd name="connsiteX5" fmla="*/ 66200 w 88508"/>
+                <a:gd name="connsiteY5" fmla="*/ 57712 h 100794"/>
+                <a:gd name="connsiteX6" fmla="*/ 14630 w 88508"/>
+                <a:gd name="connsiteY6" fmla="*/ 0 h 100794"/>
+                <a:gd name="connsiteX0" fmla="*/ 0 w 73878"/>
+                <a:gd name="connsiteY0" fmla="*/ 0 h 108109"/>
+                <a:gd name="connsiteX1" fmla="*/ 29624 w 73878"/>
+                <a:gd name="connsiteY1" fmla="*/ 0 h 108109"/>
+                <a:gd name="connsiteX2" fmla="*/ 73878 w 73878"/>
+                <a:gd name="connsiteY2" fmla="*/ 50397 h 108109"/>
+                <a:gd name="connsiteX3" fmla="*/ 29624 w 73878"/>
+                <a:gd name="connsiteY3" fmla="*/ 100794 h 108109"/>
+                <a:gd name="connsiteX4" fmla="*/ 7315 w 73878"/>
+                <a:gd name="connsiteY4" fmla="*/ 108109 h 108109"/>
+                <a:gd name="connsiteX5" fmla="*/ 51570 w 73878"/>
+                <a:gd name="connsiteY5" fmla="*/ 57712 h 108109"/>
+                <a:gd name="connsiteX6" fmla="*/ 0 w 73878"/>
+                <a:gd name="connsiteY6" fmla="*/ 0 h 108109"/>
+                <a:gd name="connsiteX0" fmla="*/ 3655 w 77533"/>
+                <a:gd name="connsiteY0" fmla="*/ 0 h 100794"/>
+                <a:gd name="connsiteX1" fmla="*/ 33279 w 77533"/>
+                <a:gd name="connsiteY1" fmla="*/ 0 h 100794"/>
+                <a:gd name="connsiteX2" fmla="*/ 77533 w 77533"/>
+                <a:gd name="connsiteY2" fmla="*/ 50397 h 100794"/>
+                <a:gd name="connsiteX3" fmla="*/ 33279 w 77533"/>
+                <a:gd name="connsiteY3" fmla="*/ 100794 h 100794"/>
+                <a:gd name="connsiteX4" fmla="*/ 0 w 77533"/>
+                <a:gd name="connsiteY4" fmla="*/ 97136 h 100794"/>
+                <a:gd name="connsiteX5" fmla="*/ 55225 w 77533"/>
+                <a:gd name="connsiteY5" fmla="*/ 57712 h 100794"/>
+                <a:gd name="connsiteX6" fmla="*/ 3655 w 77533"/>
+                <a:gd name="connsiteY6" fmla="*/ 0 h 100794"/>
+                <a:gd name="connsiteX0" fmla="*/ 3655 w 77533"/>
+                <a:gd name="connsiteY0" fmla="*/ 0 h 100794"/>
+                <a:gd name="connsiteX1" fmla="*/ 33279 w 77533"/>
+                <a:gd name="connsiteY1" fmla="*/ 0 h 100794"/>
+                <a:gd name="connsiteX2" fmla="*/ 77533 w 77533"/>
+                <a:gd name="connsiteY2" fmla="*/ 50397 h 100794"/>
+                <a:gd name="connsiteX3" fmla="*/ 33279 w 77533"/>
+                <a:gd name="connsiteY3" fmla="*/ 100794 h 100794"/>
+                <a:gd name="connsiteX4" fmla="*/ 0 w 77533"/>
+                <a:gd name="connsiteY4" fmla="*/ 97136 h 100794"/>
+                <a:gd name="connsiteX5" fmla="*/ 51570 w 77533"/>
+                <a:gd name="connsiteY5" fmla="*/ 46739 h 100794"/>
+                <a:gd name="connsiteX6" fmla="*/ 3655 w 77533"/>
+                <a:gd name="connsiteY6" fmla="*/ 0 h 100794"/>
+                <a:gd name="connsiteX0" fmla="*/ 3655 w 77533"/>
+                <a:gd name="connsiteY0" fmla="*/ 0 h 100794"/>
+                <a:gd name="connsiteX1" fmla="*/ 33279 w 77533"/>
+                <a:gd name="connsiteY1" fmla="*/ 0 h 100794"/>
+                <a:gd name="connsiteX2" fmla="*/ 77533 w 77533"/>
+                <a:gd name="connsiteY2" fmla="*/ 50397 h 100794"/>
+                <a:gd name="connsiteX3" fmla="*/ 33279 w 77533"/>
+                <a:gd name="connsiteY3" fmla="*/ 100794 h 100794"/>
+                <a:gd name="connsiteX4" fmla="*/ 0 w 77533"/>
+                <a:gd name="connsiteY4" fmla="*/ 97136 h 100794"/>
+                <a:gd name="connsiteX5" fmla="*/ 58716 w 77533"/>
+                <a:gd name="connsiteY5" fmla="*/ 49120 h 100794"/>
+                <a:gd name="connsiteX6" fmla="*/ 3655 w 77533"/>
+                <a:gd name="connsiteY6" fmla="*/ 0 h 100794"/>
+                <a:gd name="connsiteX0" fmla="*/ 0 w 73878"/>
+                <a:gd name="connsiteY0" fmla="*/ 0 h 104280"/>
+                <a:gd name="connsiteX1" fmla="*/ 29624 w 73878"/>
+                <a:gd name="connsiteY1" fmla="*/ 0 h 104280"/>
+                <a:gd name="connsiteX2" fmla="*/ 73878 w 73878"/>
+                <a:gd name="connsiteY2" fmla="*/ 50397 h 104280"/>
+                <a:gd name="connsiteX3" fmla="*/ 29624 w 73878"/>
+                <a:gd name="connsiteY3" fmla="*/ 100794 h 104280"/>
+                <a:gd name="connsiteX4" fmla="*/ 13016 w 73878"/>
+                <a:gd name="connsiteY4" fmla="*/ 104280 h 104280"/>
+                <a:gd name="connsiteX5" fmla="*/ 55061 w 73878"/>
+                <a:gd name="connsiteY5" fmla="*/ 49120 h 104280"/>
+                <a:gd name="connsiteX6" fmla="*/ 0 w 73878"/>
+                <a:gd name="connsiteY6" fmla="*/ 0 h 104280"/>
+                <a:gd name="connsiteX0" fmla="*/ 1272 w 60862"/>
+                <a:gd name="connsiteY0" fmla="*/ 2381 h 104280"/>
+                <a:gd name="connsiteX1" fmla="*/ 16608 w 60862"/>
+                <a:gd name="connsiteY1" fmla="*/ 0 h 104280"/>
+                <a:gd name="connsiteX2" fmla="*/ 60862 w 60862"/>
+                <a:gd name="connsiteY2" fmla="*/ 50397 h 104280"/>
+                <a:gd name="connsiteX3" fmla="*/ 16608 w 60862"/>
+                <a:gd name="connsiteY3" fmla="*/ 100794 h 104280"/>
+                <a:gd name="connsiteX4" fmla="*/ 0 w 60862"/>
+                <a:gd name="connsiteY4" fmla="*/ 104280 h 104280"/>
+                <a:gd name="connsiteX5" fmla="*/ 42045 w 60862"/>
+                <a:gd name="connsiteY5" fmla="*/ 49120 h 104280"/>
+                <a:gd name="connsiteX6" fmla="*/ 1272 w 60862"/>
+                <a:gd name="connsiteY6" fmla="*/ 2381 h 104280"/>
+                <a:gd name="connsiteX0" fmla="*/ 1272 w 60862"/>
+                <a:gd name="connsiteY0" fmla="*/ 2381 h 100794"/>
+                <a:gd name="connsiteX1" fmla="*/ 16608 w 60862"/>
+                <a:gd name="connsiteY1" fmla="*/ 0 h 100794"/>
+                <a:gd name="connsiteX2" fmla="*/ 60862 w 60862"/>
+                <a:gd name="connsiteY2" fmla="*/ 50397 h 100794"/>
+                <a:gd name="connsiteX3" fmla="*/ 16608 w 60862"/>
+                <a:gd name="connsiteY3" fmla="*/ 100794 h 100794"/>
+                <a:gd name="connsiteX4" fmla="*/ 0 w 60862"/>
+                <a:gd name="connsiteY4" fmla="*/ 94755 h 100794"/>
+                <a:gd name="connsiteX5" fmla="*/ 42045 w 60862"/>
+                <a:gd name="connsiteY5" fmla="*/ 49120 h 100794"/>
+                <a:gd name="connsiteX6" fmla="*/ 1272 w 60862"/>
+                <a:gd name="connsiteY6" fmla="*/ 2381 h 100794"/>
+              </a:gdLst>
+              <a:ahLst/>
+              <a:cxnLst>
+                <a:cxn ang="0">
+                  <a:pos x="connsiteX0" y="connsiteY0"/>
+                </a:cxn>
+                <a:cxn ang="0">
+                  <a:pos x="connsiteX1" y="connsiteY1"/>
+                </a:cxn>
+                <a:cxn ang="0">
+                  <a:pos x="connsiteX2" y="connsiteY2"/>
+                </a:cxn>
+                <a:cxn ang="0">
+                  <a:pos x="connsiteX3" y="connsiteY3"/>
+                </a:cxn>
+                <a:cxn ang="0">
+                  <a:pos x="connsiteX4" y="connsiteY4"/>
+                </a:cxn>
+                <a:cxn ang="0">
+                  <a:pos x="connsiteX5" y="connsiteY5"/>
+                </a:cxn>
+                <a:cxn ang="0">
+                  <a:pos x="connsiteX6" y="connsiteY6"/>
+                </a:cxn>
+              </a:cxnLst>
+              <a:rect l="l" t="t" r="r" b="b"/>
+              <a:pathLst>
+                <a:path w="60862" h="100794">
+                  <a:moveTo>
+                    <a:pt x="1272" y="2381"/>
+                  </a:moveTo>
+                  <a:lnTo>
+                    <a:pt x="16608" y="0"/>
+                  </a:lnTo>
+                  <a:lnTo>
+                    <a:pt x="60862" y="50397"/>
+                  </a:lnTo>
+                  <a:lnTo>
+                    <a:pt x="16608" y="100794"/>
+                  </a:lnTo>
+                  <a:lnTo>
+                    <a:pt x="0" y="94755"/>
+                  </a:lnTo>
+                  <a:lnTo>
+                    <a:pt x="42045" y="49120"/>
+                  </a:lnTo>
+                  <a:lnTo>
+                    <a:pt x="1272" y="2381"/>
+                  </a:lnTo>
+                  <a:close/>
+                </a:path>
+              </a:pathLst>
+            </a:custGeom>
+            <a:solidFill>
+              <a:srgbClr val="585858">
+                <a:lumMod val="50000"/>
+              </a:srgbClr>
+            </a:solidFill>
+            <a:ln w="9525" cap="flat" cmpd="sng" algn="ctr">
+              <a:noFill/>
+              <a:prstDash val="solid"/>
+              <a:headEnd type="none" w="med" len="med"/>
+              <a:tailEnd type="none" w="med" len="med"/>
+            </a:ln>
+            <a:effectLst/>
+          </p:spPr>
+          <p:txBody>
+            <a:bodyPr vert="horz" wrap="square" lIns="91436" tIns="45718" rIns="91436" bIns="45718" numCol="1" rtlCol="0" anchor="ctr" anchorCtr="0" compatLnSpc="1">
+              <a:prstTxWarp prst="textNoShape">
+                <a:avLst/>
+              </a:prstTxWarp>
+            </a:bodyPr>
+            <a:lstStyle/>
+            <a:p>
+              <a:pPr marL="0" marR="0" lvl="0" indent="0" algn="ctr" defTabSz="914099" eaLnBrk="1" fontAlgn="base" latinLnBrk="0" hangingPunct="1">
+                <a:lnSpc>
+                  <a:spcPct val="100000"/>
+                </a:lnSpc>
+                <a:spcBef>
+                  <a:spcPct val="0"/>
+                </a:spcBef>
+                <a:spcAft>
+                  <a:spcPct val="0"/>
+                </a:spcAft>
+                <a:buClrTx/>
+                <a:buSzTx/>
+                <a:buFontTx/>
+                <a:buNone/>
+                <a:tabLst/>
+                <a:defRPr/>
+              </a:pPr>
+              <a:endParaRPr kumimoji="0" lang="en-US" sz="2200" b="0" i="0" u="none" strike="noStrike" kern="0" cap="none" spc="0" normalizeH="0" baseline="0" noProof="0" dirty="0">
+                <a:ln>
+                  <a:noFill/>
+                </a:ln>
+                <a:gradFill>
+                  <a:gsLst>
+                    <a:gs pos="0">
+                      <a:srgbClr val="FFFFFF"/>
+                    </a:gs>
+                    <a:gs pos="100000">
+                      <a:srgbClr val="FFFFFF"/>
+                    </a:gs>
+                  </a:gsLst>
+                  <a:lin ang="5400000" scaled="0"/>
+                </a:gradFill>
+                <a:effectLst/>
+                <a:uLnTx/>
+                <a:uFillTx/>
+                <a:latin typeface="Segoe"/>
+                <a:ea typeface="+mn-ea"/>
+                <a:cs typeface="+mn-cs"/>
+              </a:endParaRPr>
+            </a:p>
+          </p:txBody>
+        </p:sp>
+      </p:grpSp>
+      <p:sp>
+        <p:nvSpPr>
+          <p:cNvPr id="58" name="TextBox 57">
+            <a:extLst>
+              <a:ext uri="{FF2B5EF4-FFF2-40B4-BE49-F238E27FC236}">
+                <a16:creationId xmlns:a16="http://schemas.microsoft.com/office/drawing/2014/main" id="{C5578171-BE2F-4870-B578-A1E44CC21897}"/>
+              </a:ext>
+            </a:extLst>
+          </p:cNvPr>
+          <p:cNvSpPr txBox="1"/>
+          <p:nvPr/>
+        </p:nvSpPr>
+        <p:spPr>
+          <a:xfrm>
+            <a:off x="4368104" y="4797756"/>
+            <a:ext cx="1081577" cy="307777"/>
+          </a:xfrm>
+          <a:prstGeom prst="rect">
+            <a:avLst/>
+          </a:prstGeom>
+          <a:noFill/>
+        </p:spPr>
+        <p:txBody>
+          <a:bodyPr wrap="square" rtlCol="0">
+            <a:spAutoFit/>
           </a:bodyPr>
           <a:lstStyle/>
           <a:p>
-            <a:endParaRPr lang="en-US" dirty="0" smtClean="0"/>
-          </a:p>
-          <a:p>
-            <a:r>
-              <a:rPr lang="en-US" dirty="0" smtClean="0"/>
-              <a:t>We </a:t>
-            </a:r>
-            <a:r>
-              <a:rPr lang="en-US" dirty="0"/>
-              <a:t>were inspired by the video presented in class of “Geo shred preview”</a:t>
-            </a:r>
-          </a:p>
-          <a:p>
-            <a:pPr marL="0" indent="0">
-              <a:buNone/>
-            </a:pPr>
-            <a:r>
-              <a:rPr lang="en-US" dirty="0">
-                <a:hlinkClick r:id="rId3"/>
+            <a:r>
+              <a:rPr lang="en-US" sz="1400" dirty="0"/>
+              <a:t>Tempo:</a:t>
+            </a:r>
+          </a:p>
+        </p:txBody>
+      </p:sp>
+      <p:sp>
+        <p:nvSpPr>
+          <p:cNvPr id="59" name="TextBox 58">
+            <a:extLst>
+              <a:ext uri="{FF2B5EF4-FFF2-40B4-BE49-F238E27FC236}">
+                <a16:creationId xmlns:a16="http://schemas.microsoft.com/office/drawing/2014/main" id="{6FFF3EDE-815D-4D20-8129-69B2F25A759A}"/>
+              </a:ext>
+            </a:extLst>
+          </p:cNvPr>
+          <p:cNvSpPr txBox="1"/>
+          <p:nvPr/>
+        </p:nvSpPr>
+        <p:spPr>
+          <a:xfrm>
+            <a:off x="4368104" y="5427354"/>
+            <a:ext cx="1172084" cy="307777"/>
+          </a:xfrm>
+          <a:prstGeom prst="rect">
+            <a:avLst/>
+          </a:prstGeom>
+          <a:noFill/>
+        </p:spPr>
+        <p:txBody>
+          <a:bodyPr wrap="square" rtlCol="0">
+            <a:spAutoFit/>
+          </a:bodyPr>
+          <a:lstStyle/>
+          <a:p>
+            <a:r>
+              <a:rPr lang="en-US" sz="1400" dirty="0"/>
+              <a:t>Instrument:</a:t>
+            </a:r>
+          </a:p>
+        </p:txBody>
+      </p:sp>
+      <p:grpSp>
+        <p:nvGrpSpPr>
+          <p:cNvPr id="60" name="PositionControl">
+            <a:extLst>
+              <a:ext uri="{FF2B5EF4-FFF2-40B4-BE49-F238E27FC236}">
+                <a16:creationId xmlns:a16="http://schemas.microsoft.com/office/drawing/2014/main" id="{3C4FB631-191A-41BE-9627-1F713F6E9291}"/>
+              </a:ext>
+            </a:extLst>
+          </p:cNvPr>
+          <p:cNvGrpSpPr/>
+          <p:nvPr>
+            <p:custDataLst>
+              <p:custData r:id="rId7"/>
+            </p:custDataLst>
+          </p:nvPr>
+        </p:nvGrpSpPr>
+        <p:grpSpPr>
+          <a:xfrm>
+            <a:off x="5540188" y="5174925"/>
+            <a:ext cx="1837678" cy="81937"/>
+            <a:chOff x="3248025" y="3538537"/>
+            <a:chExt cx="2952750" cy="85725"/>
+          </a:xfrm>
+        </p:grpSpPr>
+        <p:sp>
+          <p:nvSpPr>
+            <p:cNvPr id="61" name="Bar">
+              <a:extLst>
+                <a:ext uri="{FF2B5EF4-FFF2-40B4-BE49-F238E27FC236}">
+                  <a16:creationId xmlns:a16="http://schemas.microsoft.com/office/drawing/2014/main" id="{6E1FD9F2-C263-4A4C-940A-E879FDEA0D89}"/>
+                </a:ext>
+              </a:extLst>
+            </p:cNvPr>
+            <p:cNvSpPr/>
+            <p:nvPr/>
+          </p:nvSpPr>
+          <p:spPr>
+            <a:xfrm>
+              <a:off x="3248025" y="3564225"/>
+              <a:ext cx="2952750" cy="34350"/>
+            </a:xfrm>
+            <a:prstGeom prst="rect">
+              <a:avLst/>
+            </a:prstGeom>
+            <a:solidFill>
+              <a:srgbClr val="FFFFFF">
+                <a:lumMod val="85000"/>
+              </a:srgbClr>
+            </a:solidFill>
+            <a:ln w="3175" cap="flat" cmpd="sng" algn="ctr">
+              <a:solidFill>
+                <a:srgbClr val="FFFFFF">
+                  <a:lumMod val="50000"/>
+                </a:srgbClr>
+              </a:solidFill>
+              <a:prstDash val="solid"/>
+            </a:ln>
+            <a:effectLst/>
+          </p:spPr>
+          <p:txBody>
+            <a:bodyPr rot="0" spcFirstLastPara="0" vert="horz" wrap="square" lIns="45720" tIns="45720" rIns="91440" bIns="45720" numCol="1" spcCol="0" rtlCol="0" fromWordArt="0" anchor="ctr" anchorCtr="0" forceAA="0" compatLnSpc="1">
+              <a:prstTxWarp prst="textNoShape">
+                <a:avLst/>
+              </a:prstTxWarp>
+              <a:noAutofit/>
+            </a:bodyPr>
+            <a:lstStyle>
+              <a:defPPr>
+                <a:defRPr lang="en-US"/>
+              </a:defPPr>
+              <a:lvl1pPr marL="0" algn="l" defTabSz="914400" rtl="0" eaLnBrk="1" latinLnBrk="0" hangingPunct="1">
+                <a:defRPr sz="1800" kern="1200">
+                  <a:solidFill>
+                    <a:srgbClr val="000000"/>
+                  </a:solidFill>
+                  <a:latin typeface="+mn-lt"/>
+                  <a:ea typeface="+mn-ea"/>
+                  <a:cs typeface="+mn-cs"/>
+                </a:defRPr>
+              </a:lvl1pPr>
+              <a:lvl2pPr marL="457200" algn="l" defTabSz="914400" rtl="0" eaLnBrk="1" latinLnBrk="0" hangingPunct="1">
+                <a:defRPr sz="1800" kern="1200">
+                  <a:solidFill>
+                    <a:srgbClr val="000000"/>
+                  </a:solidFill>
+                  <a:latin typeface="+mn-lt"/>
+                  <a:ea typeface="+mn-ea"/>
+                  <a:cs typeface="+mn-cs"/>
+                </a:defRPr>
+              </a:lvl2pPr>
+              <a:lvl3pPr marL="914400" algn="l" defTabSz="914400" rtl="0" eaLnBrk="1" latinLnBrk="0" hangingPunct="1">
+                <a:defRPr sz="1800" kern="1200">
+                  <a:solidFill>
+                    <a:srgbClr val="000000"/>
+                  </a:solidFill>
+                  <a:latin typeface="+mn-lt"/>
+                  <a:ea typeface="+mn-ea"/>
+                  <a:cs typeface="+mn-cs"/>
+                </a:defRPr>
+              </a:lvl3pPr>
+              <a:lvl4pPr marL="1371600" algn="l" defTabSz="914400" rtl="0" eaLnBrk="1" latinLnBrk="0" hangingPunct="1">
+                <a:defRPr sz="1800" kern="1200">
+                  <a:solidFill>
+                    <a:srgbClr val="000000"/>
+                  </a:solidFill>
+                  <a:latin typeface="+mn-lt"/>
+                  <a:ea typeface="+mn-ea"/>
+                  <a:cs typeface="+mn-cs"/>
+                </a:defRPr>
+              </a:lvl4pPr>
+              <a:lvl5pPr marL="1828800" algn="l" defTabSz="914400" rtl="0" eaLnBrk="1" latinLnBrk="0" hangingPunct="1">
+                <a:defRPr sz="1800" kern="1200">
+                  <a:solidFill>
+                    <a:srgbClr val="000000"/>
+                  </a:solidFill>
+                  <a:latin typeface="+mn-lt"/>
+                  <a:ea typeface="+mn-ea"/>
+                  <a:cs typeface="+mn-cs"/>
+                </a:defRPr>
+              </a:lvl5pPr>
+              <a:lvl6pPr marL="2286000" algn="l" defTabSz="914400" rtl="0" eaLnBrk="1" latinLnBrk="0" hangingPunct="1">
+                <a:defRPr sz="1800" kern="1200">
+                  <a:solidFill>
+                    <a:srgbClr val="000000"/>
+                  </a:solidFill>
+                  <a:latin typeface="+mn-lt"/>
+                  <a:ea typeface="+mn-ea"/>
+                  <a:cs typeface="+mn-cs"/>
+                </a:defRPr>
+              </a:lvl6pPr>
+              <a:lvl7pPr marL="2743200" algn="l" defTabSz="914400" rtl="0" eaLnBrk="1" latinLnBrk="0" hangingPunct="1">
+                <a:defRPr sz="1800" kern="1200">
+                  <a:solidFill>
+                    <a:srgbClr val="000000"/>
+                  </a:solidFill>
+                  <a:latin typeface="+mn-lt"/>
+                  <a:ea typeface="+mn-ea"/>
+                  <a:cs typeface="+mn-cs"/>
+                </a:defRPr>
+              </a:lvl7pPr>
+              <a:lvl8pPr marL="3200400" algn="l" defTabSz="914400" rtl="0" eaLnBrk="1" latinLnBrk="0" hangingPunct="1">
+                <a:defRPr sz="1800" kern="1200">
+                  <a:solidFill>
+                    <a:srgbClr val="000000"/>
+                  </a:solidFill>
+                  <a:latin typeface="+mn-lt"/>
+                  <a:ea typeface="+mn-ea"/>
+                  <a:cs typeface="+mn-cs"/>
+                </a:defRPr>
+              </a:lvl8pPr>
+              <a:lvl9pPr marL="3657600" algn="l" defTabSz="914400" rtl="0" eaLnBrk="1" latinLnBrk="0" hangingPunct="1">
+                <a:defRPr sz="1800" kern="1200">
+                  <a:solidFill>
+                    <a:srgbClr val="000000"/>
+                  </a:solidFill>
+                  <a:latin typeface="+mn-lt"/>
+                  <a:ea typeface="+mn-ea"/>
+                  <a:cs typeface="+mn-cs"/>
+                </a:defRPr>
+              </a:lvl9pPr>
+            </a:lstStyle>
+            <a:p>
+              <a:pPr marL="0" marR="0" indent="0" algn="ctr" defTabSz="914400" eaLnBrk="1" fontAlgn="auto" latinLnBrk="0" hangingPunct="1">
+                <a:lnSpc>
+                  <a:spcPct val="100000"/>
+                </a:lnSpc>
+                <a:spcBef>
+                  <a:spcPts val="0"/>
+                </a:spcBef>
+                <a:spcAft>
+                  <a:spcPts val="0"/>
+                </a:spcAft>
+                <a:buClrTx/>
+                <a:buSzTx/>
+                <a:buFontTx/>
+                <a:buNone/>
+                <a:tabLst/>
+              </a:pPr>
+              <a:endParaRPr kumimoji="0" lang="en-US" sz="800" b="0" i="0" u="none" strike="noStrike" kern="0" cap="none" spc="0" normalizeH="0" baseline="0" noProof="0" dirty="0">
+                <a:ln>
+                  <a:noFill/>
+                </a:ln>
+                <a:solidFill>
+                  <a:srgbClr val="000000">
+                    <a:lumMod val="75000"/>
+                    <a:lumOff val="25000"/>
+                  </a:srgbClr>
+                </a:solidFill>
+                <a:effectLst/>
+                <a:uLnTx/>
+                <a:uFillTx/>
+                <a:latin typeface="Segoe UI"/>
+                <a:ea typeface="+mn-ea"/>
+                <a:cs typeface="+mn-cs"/>
+              </a:endParaRPr>
+            </a:p>
+          </p:txBody>
+        </p:sp>
+        <p:sp>
+          <p:nvSpPr>
+            <p:cNvPr id="62" name="Slider">
+              <a:extLst>
+                <a:ext uri="{FF2B5EF4-FFF2-40B4-BE49-F238E27FC236}">
+                  <a16:creationId xmlns:a16="http://schemas.microsoft.com/office/drawing/2014/main" id="{988BB23C-68FD-488A-B44C-E8C74BBD19E0}"/>
+                </a:ext>
+              </a:extLst>
+            </p:cNvPr>
+            <p:cNvSpPr/>
+            <p:nvPr/>
+          </p:nvSpPr>
+          <p:spPr>
+            <a:xfrm>
+              <a:off x="3937000" y="3538537"/>
+              <a:ext cx="85725" cy="85725"/>
+            </a:xfrm>
+            <a:prstGeom prst="ellipse">
+              <a:avLst/>
+            </a:prstGeom>
+            <a:solidFill>
+              <a:sysClr val="window" lastClr="FFFFFF"/>
+            </a:solidFill>
+            <a:ln w="3175" cap="flat" cmpd="sng" algn="ctr">
+              <a:solidFill>
+                <a:srgbClr val="000000"/>
+              </a:solidFill>
+              <a:prstDash val="solid"/>
+            </a:ln>
+            <a:effectLst/>
+          </p:spPr>
+          <p:txBody>
+            <a:bodyPr rot="0" spcFirstLastPara="0" vert="horz" wrap="square" lIns="45720" tIns="45720" rIns="91440" bIns="45720" numCol="1" spcCol="0" rtlCol="0" fromWordArt="0" anchor="ctr" anchorCtr="0" forceAA="0" compatLnSpc="1">
+              <a:prstTxWarp prst="textNoShape">
+                <a:avLst/>
+              </a:prstTxWarp>
+              <a:noAutofit/>
+            </a:bodyPr>
+            <a:lstStyle>
+              <a:defPPr>
+                <a:defRPr lang="en-US"/>
+              </a:defPPr>
+              <a:lvl1pPr marL="0" algn="l" defTabSz="914400" rtl="0" eaLnBrk="1" latinLnBrk="0" hangingPunct="1">
+                <a:defRPr sz="1800" kern="1200">
+                  <a:solidFill>
+                    <a:srgbClr val="000000"/>
+                  </a:solidFill>
+                  <a:latin typeface="+mn-lt"/>
+                  <a:ea typeface="+mn-ea"/>
+                  <a:cs typeface="+mn-cs"/>
+                </a:defRPr>
+              </a:lvl1pPr>
+              <a:lvl2pPr marL="457200" algn="l" defTabSz="914400" rtl="0" eaLnBrk="1" latinLnBrk="0" hangingPunct="1">
+                <a:defRPr sz="1800" kern="1200">
+                  <a:solidFill>
+                    <a:srgbClr val="000000"/>
+                  </a:solidFill>
+                  <a:latin typeface="+mn-lt"/>
+                  <a:ea typeface="+mn-ea"/>
+                  <a:cs typeface="+mn-cs"/>
+                </a:defRPr>
+              </a:lvl2pPr>
+              <a:lvl3pPr marL="914400" algn="l" defTabSz="914400" rtl="0" eaLnBrk="1" latinLnBrk="0" hangingPunct="1">
+                <a:defRPr sz="1800" kern="1200">
+                  <a:solidFill>
+                    <a:srgbClr val="000000"/>
+                  </a:solidFill>
+                  <a:latin typeface="+mn-lt"/>
+                  <a:ea typeface="+mn-ea"/>
+                  <a:cs typeface="+mn-cs"/>
+                </a:defRPr>
+              </a:lvl3pPr>
+              <a:lvl4pPr marL="1371600" algn="l" defTabSz="914400" rtl="0" eaLnBrk="1" latinLnBrk="0" hangingPunct="1">
+                <a:defRPr sz="1800" kern="1200">
+                  <a:solidFill>
+                    <a:srgbClr val="000000"/>
+                  </a:solidFill>
+                  <a:latin typeface="+mn-lt"/>
+                  <a:ea typeface="+mn-ea"/>
+                  <a:cs typeface="+mn-cs"/>
+                </a:defRPr>
+              </a:lvl4pPr>
+              <a:lvl5pPr marL="1828800" algn="l" defTabSz="914400" rtl="0" eaLnBrk="1" latinLnBrk="0" hangingPunct="1">
+                <a:defRPr sz="1800" kern="1200">
+                  <a:solidFill>
+                    <a:srgbClr val="000000"/>
+                  </a:solidFill>
+                  <a:latin typeface="+mn-lt"/>
+                  <a:ea typeface="+mn-ea"/>
+                  <a:cs typeface="+mn-cs"/>
+                </a:defRPr>
+              </a:lvl5pPr>
+              <a:lvl6pPr marL="2286000" algn="l" defTabSz="914400" rtl="0" eaLnBrk="1" latinLnBrk="0" hangingPunct="1">
+                <a:defRPr sz="1800" kern="1200">
+                  <a:solidFill>
+                    <a:srgbClr val="000000"/>
+                  </a:solidFill>
+                  <a:latin typeface="+mn-lt"/>
+                  <a:ea typeface="+mn-ea"/>
+                  <a:cs typeface="+mn-cs"/>
+                </a:defRPr>
+              </a:lvl6pPr>
+              <a:lvl7pPr marL="2743200" algn="l" defTabSz="914400" rtl="0" eaLnBrk="1" latinLnBrk="0" hangingPunct="1">
+                <a:defRPr sz="1800" kern="1200">
+                  <a:solidFill>
+                    <a:srgbClr val="000000"/>
+                  </a:solidFill>
+                  <a:latin typeface="+mn-lt"/>
+                  <a:ea typeface="+mn-ea"/>
+                  <a:cs typeface="+mn-cs"/>
+                </a:defRPr>
+              </a:lvl7pPr>
+              <a:lvl8pPr marL="3200400" algn="l" defTabSz="914400" rtl="0" eaLnBrk="1" latinLnBrk="0" hangingPunct="1">
+                <a:defRPr sz="1800" kern="1200">
+                  <a:solidFill>
+                    <a:srgbClr val="000000"/>
+                  </a:solidFill>
+                  <a:latin typeface="+mn-lt"/>
+                  <a:ea typeface="+mn-ea"/>
+                  <a:cs typeface="+mn-cs"/>
+                </a:defRPr>
+              </a:lvl8pPr>
+              <a:lvl9pPr marL="3657600" algn="l" defTabSz="914400" rtl="0" eaLnBrk="1" latinLnBrk="0" hangingPunct="1">
+                <a:defRPr sz="1800" kern="1200">
+                  <a:solidFill>
+                    <a:srgbClr val="000000"/>
+                  </a:solidFill>
+                  <a:latin typeface="+mn-lt"/>
+                  <a:ea typeface="+mn-ea"/>
+                  <a:cs typeface="+mn-cs"/>
+                </a:defRPr>
+              </a:lvl9pPr>
+            </a:lstStyle>
+            <a:p>
+              <a:pPr marL="0" marR="0" indent="0" algn="ctr" defTabSz="914400" eaLnBrk="1" fontAlgn="auto" latinLnBrk="0" hangingPunct="1">
+                <a:lnSpc>
+                  <a:spcPct val="100000"/>
+                </a:lnSpc>
+                <a:spcBef>
+                  <a:spcPts val="0"/>
+                </a:spcBef>
+                <a:spcAft>
+                  <a:spcPts val="0"/>
+                </a:spcAft>
+                <a:buClrTx/>
+                <a:buSzTx/>
+                <a:buFontTx/>
+                <a:buNone/>
+                <a:tabLst/>
+              </a:pPr>
+              <a:endParaRPr kumimoji="0" lang="en-US" sz="800" b="0" i="0" u="none" strike="noStrike" kern="0" cap="none" spc="0" normalizeH="0" baseline="0" noProof="0" dirty="0">
+                <a:ln>
+                  <a:noFill/>
+                </a:ln>
+                <a:solidFill>
+                  <a:srgbClr val="000000">
+                    <a:lumMod val="75000"/>
+                    <a:lumOff val="25000"/>
+                  </a:srgbClr>
+                </a:solidFill>
+                <a:effectLst/>
+                <a:uLnTx/>
+                <a:uFillTx/>
+                <a:latin typeface="Segoe UI"/>
+                <a:ea typeface="+mn-ea"/>
+                <a:cs typeface="+mn-cs"/>
+              </a:endParaRPr>
+            </a:p>
+          </p:txBody>
+        </p:sp>
+      </p:grpSp>
+      <p:sp>
+        <p:nvSpPr>
+          <p:cNvPr id="63" name="TextBox 62">
+            <a:extLst>
+              <a:ext uri="{FF2B5EF4-FFF2-40B4-BE49-F238E27FC236}">
+                <a16:creationId xmlns:a16="http://schemas.microsoft.com/office/drawing/2014/main" id="{419039B3-BEB9-479E-AFB3-1A1ECAF3A206}"/>
+              </a:ext>
+            </a:extLst>
+          </p:cNvPr>
+          <p:cNvSpPr txBox="1"/>
+          <p:nvPr/>
+        </p:nvSpPr>
+        <p:spPr>
+          <a:xfrm>
+            <a:off x="4375199" y="5080340"/>
+            <a:ext cx="1081577" cy="307777"/>
+          </a:xfrm>
+          <a:prstGeom prst="rect">
+            <a:avLst/>
+          </a:prstGeom>
+          <a:noFill/>
+        </p:spPr>
+        <p:txBody>
+          <a:bodyPr wrap="square" rtlCol="0">
+            <a:spAutoFit/>
+          </a:bodyPr>
+          <a:lstStyle/>
+          <a:p>
+            <a:r>
+              <a:rPr lang="en-US" sz="1400" dirty="0"/>
+              <a:t>Amp:</a:t>
+            </a:r>
+          </a:p>
+        </p:txBody>
+      </p:sp>
+      <p:sp>
+        <p:nvSpPr>
+          <p:cNvPr id="81" name="Content">
+            <a:extLst>
+              <a:ext uri="{FF2B5EF4-FFF2-40B4-BE49-F238E27FC236}">
+                <a16:creationId xmlns:a16="http://schemas.microsoft.com/office/drawing/2014/main" id="{D587E4DE-63D8-470A-B1FE-CAA080E325AE}"/>
+              </a:ext>
+            </a:extLst>
+          </p:cNvPr>
+          <p:cNvSpPr/>
+          <p:nvPr>
+            <p:custDataLst>
+              <p:custData r:id="rId8"/>
+            </p:custDataLst>
+          </p:nvPr>
+        </p:nvSpPr>
+        <p:spPr>
+          <a:xfrm>
+            <a:off x="4692938" y="5774368"/>
+            <a:ext cx="865386" cy="422142"/>
+          </a:xfrm>
+          <a:prstGeom prst="roundRect">
+            <a:avLst/>
+          </a:prstGeom>
+          <a:solidFill>
+            <a:srgbClr val="FFFFFF">
+              <a:lumMod val="95000"/>
+            </a:srgbClr>
+          </a:solidFill>
+          <a:ln w="3175">
+            <a:solidFill>
+              <a:srgbClr val="000000">
+                <a:lumMod val="50000"/>
+                <a:lumOff val="50000"/>
+              </a:srgbClr>
+            </a:solidFill>
+          </a:ln>
+          <a:effectLst/>
+        </p:spPr>
+        <p:style>
+          <a:lnRef idx="2">
+            <a:srgbClr val="4F81BD">
+              <a:shade val="50000"/>
+            </a:srgbClr>
+          </a:lnRef>
+          <a:fillRef idx="1">
+            <a:srgbClr val="4F81BD"/>
+          </a:fillRef>
+          <a:effectRef idx="0">
+            <a:srgbClr val="4F81BD"/>
+          </a:effectRef>
+          <a:fontRef idx="minor">
+            <a:srgbClr val="000000"/>
+          </a:fontRef>
+        </p:style>
+        <p:txBody>
+          <a:bodyPr wrap="square" lIns="91440" tIns="0" rIns="91440" bIns="9144" rtlCol="0" anchor="ctr">
+            <a:noAutofit/>
+          </a:bodyPr>
+          <a:lstStyle/>
+          <a:p>
+            <a:r>
+              <a:rPr lang="en-US" sz="1200" dirty="0">
+                <a:solidFill>
+                  <a:srgbClr val="000000"/>
+                </a:solidFill>
+                <a:latin typeface="Segoe UI" pitchFamily="34" charset="0"/>
+                <a:cs typeface="Segoe UI" pitchFamily="34" charset="0"/>
               </a:rPr>
-              <a:t>https://www.youtube.com/watch?v=CDLA8B8BkbQ</a:t>
-            </a:r>
-            <a:r>
-              <a:rPr lang="en-US" dirty="0"/>
-              <a:t> </a:t>
-            </a:r>
-          </a:p>
-          <a:p>
-            <a:pPr marL="0" indent="0">
-              <a:buNone/>
-            </a:pPr>
-            <a:r>
-              <a:rPr lang="en-US" dirty="0"/>
-              <a:t>Were you can see a musician play using a touch </a:t>
-            </a:r>
-            <a:r>
-              <a:rPr lang="en-US" dirty="0" smtClean="0"/>
-              <a:t>screen</a:t>
-            </a:r>
-          </a:p>
-          <a:p>
-            <a:r>
-              <a:rPr lang="en-US" dirty="0" err="1" smtClean="0"/>
-              <a:t>Vuzik</a:t>
-            </a:r>
-            <a:r>
-              <a:rPr lang="en-US" dirty="0"/>
-              <a:t> </a:t>
-            </a:r>
-            <a:r>
-              <a:rPr lang="en-US" dirty="0" smtClean="0"/>
-              <a:t>–A </a:t>
-            </a:r>
-            <a:r>
-              <a:rPr lang="en-US" dirty="0"/>
-              <a:t>PAINTING GRAPHIC SCORE INTERFACE FOR</a:t>
-            </a:r>
-          </a:p>
-          <a:p>
-            <a:pPr marL="0" indent="0">
-              <a:buNone/>
-            </a:pPr>
-            <a:r>
-              <a:rPr lang="en-US" dirty="0"/>
-              <a:t>COMPOSING AND CONTROL OF SOUND GENERATION</a:t>
-            </a:r>
-            <a:endParaRPr lang="en-US" dirty="0" smtClean="0"/>
-          </a:p>
-          <a:p>
-            <a:pPr marL="0" indent="0">
-              <a:buNone/>
-            </a:pPr>
-            <a:r>
-              <a:rPr lang="en-US" dirty="0" smtClean="0"/>
-              <a:t>Video: </a:t>
-            </a:r>
-            <a:r>
-              <a:rPr lang="en-US" dirty="0">
-                <a:hlinkClick r:id="rId4"/>
+              <a:t>Play</a:t>
+            </a:r>
+          </a:p>
+        </p:txBody>
+      </p:sp>
+      <p:pic>
+        <p:nvPicPr>
+          <p:cNvPr id="83" name="Picture 82">
+            <a:extLst>
+              <a:ext uri="{FF2B5EF4-FFF2-40B4-BE49-F238E27FC236}">
+                <a16:creationId xmlns:a16="http://schemas.microsoft.com/office/drawing/2014/main" id="{724C6D35-CD7C-4B5B-8D90-D94E54ADA8EC}"/>
+              </a:ext>
+            </a:extLst>
+          </p:cNvPr>
+          <p:cNvPicPr>
+            <a:picLocks noChangeAspect="1"/>
+          </p:cNvPicPr>
+          <p:nvPr/>
+        </p:nvPicPr>
+        <p:blipFill>
+          <a:blip r:embed="rId16" cstate="hqprint">
+            <a:extLst>
+              <a:ext uri="{28A0092B-C50C-407E-A947-70E740481C1C}">
+                <a14:useLocalDpi xmlns:a14="http://schemas.microsoft.com/office/drawing/2010/main" val="0"/>
+              </a:ext>
+            </a:extLst>
+          </a:blip>
+          <a:stretch>
+            <a:fillRect/>
+          </a:stretch>
+        </p:blipFill>
+        <p:spPr>
+          <a:xfrm>
+            <a:off x="5136201" y="5814379"/>
+            <a:ext cx="352066" cy="352066"/>
+          </a:xfrm>
+          <a:prstGeom prst="rect">
+            <a:avLst/>
+          </a:prstGeom>
+        </p:spPr>
+      </p:pic>
+      <p:sp>
+        <p:nvSpPr>
+          <p:cNvPr id="84" name="Content">
+            <a:extLst>
+              <a:ext uri="{FF2B5EF4-FFF2-40B4-BE49-F238E27FC236}">
+                <a16:creationId xmlns:a16="http://schemas.microsoft.com/office/drawing/2014/main" id="{D809DD8D-1A6D-46F7-9931-CBECD3DEC423}"/>
+              </a:ext>
+            </a:extLst>
+          </p:cNvPr>
+          <p:cNvSpPr/>
+          <p:nvPr>
+            <p:custDataLst>
+              <p:custData r:id="rId9"/>
+            </p:custDataLst>
+          </p:nvPr>
+        </p:nvSpPr>
+        <p:spPr>
+          <a:xfrm>
+            <a:off x="5671429" y="5774367"/>
+            <a:ext cx="1546955" cy="422141"/>
+          </a:xfrm>
+          <a:prstGeom prst="roundRect">
+            <a:avLst/>
+          </a:prstGeom>
+          <a:solidFill>
+            <a:srgbClr val="FFFFFF">
+              <a:lumMod val="95000"/>
+            </a:srgbClr>
+          </a:solidFill>
+          <a:ln w="3175">
+            <a:solidFill>
+              <a:srgbClr val="000000">
+                <a:lumMod val="50000"/>
+                <a:lumOff val="50000"/>
+              </a:srgbClr>
+            </a:solidFill>
+          </a:ln>
+          <a:effectLst/>
+        </p:spPr>
+        <p:style>
+          <a:lnRef idx="2">
+            <a:srgbClr val="4F81BD">
+              <a:shade val="50000"/>
+            </a:srgbClr>
+          </a:lnRef>
+          <a:fillRef idx="1">
+            <a:srgbClr val="4F81BD"/>
+          </a:fillRef>
+          <a:effectRef idx="0">
+            <a:srgbClr val="4F81BD"/>
+          </a:effectRef>
+          <a:fontRef idx="minor">
+            <a:srgbClr val="000000"/>
+          </a:fontRef>
+        </p:style>
+        <p:txBody>
+          <a:bodyPr wrap="square" lIns="91440" tIns="0" rIns="91440" bIns="9144" rtlCol="0" anchor="ctr">
+            <a:noAutofit/>
+          </a:bodyPr>
+          <a:lstStyle/>
+          <a:p>
+            <a:pPr algn="ctr"/>
+            <a:r>
+              <a:rPr lang="en-US" sz="1200" dirty="0">
+                <a:solidFill>
+                  <a:srgbClr val="000000"/>
+                </a:solidFill>
+                <a:latin typeface="Segoe UI" pitchFamily="34" charset="0"/>
+                <a:cs typeface="Segoe UI" pitchFamily="34" charset="0"/>
               </a:rPr>
-              <a:t>https://</a:t>
-            </a:r>
-            <a:r>
-              <a:rPr lang="en-US" dirty="0" smtClean="0">
-                <a:hlinkClick r:id="rId4"/>
-              </a:rPr>
-              <a:t>www.youtube.com/watch?v=Oq7c43mZYdY</a:t>
-            </a:r>
-            <a:r>
-              <a:rPr lang="en-US" dirty="0" smtClean="0"/>
-              <a:t> </a:t>
-            </a:r>
-          </a:p>
-          <a:p>
-            <a:pPr marL="0" indent="0">
-              <a:buNone/>
-            </a:pPr>
-            <a:r>
-              <a:rPr lang="en-US" dirty="0" err="1" smtClean="0"/>
-              <a:t>Paper:</a:t>
-            </a:r>
-            <a:r>
-              <a:rPr lang="en-US" dirty="0" err="1" smtClean="0">
-                <a:hlinkClick r:id="rId5"/>
-              </a:rPr>
-              <a:t>https</a:t>
-            </a:r>
-            <a:r>
-              <a:rPr lang="en-US" dirty="0">
-                <a:hlinkClick r:id="rId5"/>
-              </a:rPr>
-              <a:t>://quod.lib.umich.edu/cache//</a:t>
-            </a:r>
-            <a:r>
-              <a:rPr lang="en-US" dirty="0" smtClean="0">
-                <a:hlinkClick r:id="rId5"/>
-              </a:rPr>
-              <a:t>b/b/p/bbp2372.2012.108/bbp2372.2012.108.pdf#page=4;zoom=75</a:t>
-            </a:r>
-            <a:endParaRPr lang="he-IL" dirty="0" smtClean="0"/>
-          </a:p>
-          <a:p>
-            <a:r>
-              <a:rPr lang="en-US" dirty="0" smtClean="0"/>
-              <a:t>Musical Sonification of Super High Frequency Lighting </a:t>
-            </a:r>
-            <a:endParaRPr lang="en-US" dirty="0" smtClean="0"/>
-          </a:p>
-          <a:p>
-            <a:endParaRPr lang="he-IL" dirty="0"/>
-          </a:p>
-        </p:txBody>
-      </p:sp>
+              <a:t>See sounds list</a:t>
+            </a:r>
+          </a:p>
+        </p:txBody>
+      </p:sp>
+      <p:pic>
+        <p:nvPicPr>
+          <p:cNvPr id="3" name="Picture 2"/>
+          <p:cNvPicPr>
+            <a:picLocks noChangeAspect="1"/>
+          </p:cNvPicPr>
+          <p:nvPr/>
+        </p:nvPicPr>
+        <p:blipFill>
+          <a:blip r:embed="rId17"/>
+          <a:stretch>
+            <a:fillRect/>
+          </a:stretch>
+        </p:blipFill>
+        <p:spPr>
+          <a:xfrm>
+            <a:off x="1572294" y="2281229"/>
+            <a:ext cx="8541426" cy="3998772"/>
+          </a:xfrm>
+          <a:prstGeom prst="rect">
+            <a:avLst/>
+          </a:prstGeom>
+        </p:spPr>
+      </p:pic>
     </p:spTree>
     <p:extLst>
       <p:ext uri="{BB962C8B-B14F-4D97-AF65-F5344CB8AC3E}">
-        <p14:creationId xmlns:p14="http://schemas.microsoft.com/office/powerpoint/2010/main" val="1051116822"/>
+        <p14:creationId xmlns:p14="http://schemas.microsoft.com/office/powerpoint/2010/main" val="4156896110"/>
       </p:ext>
     </p:extLst>
   </p:cSld>
@@ -5817,132 +8558,75 @@
           <a:lstStyle/>
           <a:p>
             <a:r>
+              <a:rPr lang="en-US" smtClean="0"/>
+              <a:t>Project timeline</a:t>
+            </a:r>
+            <a:endParaRPr lang="he-IL" dirty="0"/>
+          </a:p>
+        </p:txBody>
+      </p:sp>
+      <p:sp>
+        <p:nvSpPr>
+          <p:cNvPr id="3" name="Content Placeholder 2"/>
+          <p:cNvSpPr>
+            <a:spLocks noGrp="1"/>
+          </p:cNvSpPr>
+          <p:nvPr>
+            <p:ph idx="1"/>
+          </p:nvPr>
+        </p:nvSpPr>
+        <p:spPr/>
+        <p:txBody>
+          <a:bodyPr/>
+          <a:lstStyle/>
+          <a:p>
+            <a:r>
               <a:rPr lang="en-US" dirty="0" smtClean="0"/>
-              <a:t>Bibliography #2 </a:t>
-            </a:r>
-            <a:endParaRPr lang="he-IL" dirty="0"/>
-          </a:p>
-        </p:txBody>
-      </p:sp>
-      <p:sp>
-        <p:nvSpPr>
-          <p:cNvPr id="3" name="Content Placeholder 2"/>
-          <p:cNvSpPr>
-            <a:spLocks noGrp="1"/>
-          </p:cNvSpPr>
-          <p:nvPr>
-            <p:ph idx="1"/>
-          </p:nvPr>
-        </p:nvSpPr>
-        <p:spPr/>
-        <p:txBody>
-          <a:bodyPr>
-            <a:normAutofit/>
-          </a:bodyPr>
-          <a:lstStyle/>
-          <a:p>
-            <a:endParaRPr lang="en-US" dirty="0" smtClean="0"/>
-          </a:p>
-          <a:p>
+              <a:t>Phase 1:</a:t>
+            </a:r>
+          </a:p>
+          <a:p>
+            <a:pPr lvl="1"/>
             <a:r>
               <a:rPr lang="en-US" dirty="0" smtClean="0"/>
-              <a:t>Musical Sonification of Super High Frequency </a:t>
-            </a:r>
-            <a:r>
-              <a:rPr lang="en-US" dirty="0"/>
-              <a:t>Lighting </a:t>
-            </a:r>
+              <a:t>Implement an engine that creates a sound based on the RGB of the current pixel (according to mouse location)</a:t>
+            </a:r>
+          </a:p>
+          <a:p>
             <a:r>
               <a:rPr lang="en-US" dirty="0" smtClean="0"/>
-              <a:t>–  Paper:</a:t>
-            </a:r>
-          </a:p>
-          <a:p>
-            <a:pPr marL="0" indent="0">
-              <a:buNone/>
-            </a:pPr>
-            <a:r>
-              <a:rPr lang="en-US" dirty="0" smtClean="0">
-                <a:hlinkClick r:id="rId3"/>
-              </a:rPr>
-              <a:t>https</a:t>
-            </a:r>
-            <a:r>
-              <a:rPr lang="en-US" dirty="0">
-                <a:hlinkClick r:id="rId3"/>
-              </a:rPr>
-              <a:t>://quod.lib.umich.edu/cache//</a:t>
-            </a:r>
-            <a:r>
-              <a:rPr lang="en-US" dirty="0" smtClean="0">
-                <a:hlinkClick r:id="rId3"/>
-              </a:rPr>
-              <a:t>b/b/p/bbp2372.2017.039/bbp2372.2017.039.pdf#page=1;zoom=75</a:t>
-            </a:r>
-            <a:endParaRPr lang="en-US" dirty="0" smtClean="0"/>
-          </a:p>
-          <a:p>
+              <a:t>Phase 2:</a:t>
+            </a:r>
+          </a:p>
+          <a:p>
+            <a:pPr lvl="1"/>
             <a:r>
               <a:rPr lang="en-US" dirty="0" smtClean="0"/>
-              <a:t>See music: A tool for music visualization – Paper: </a:t>
-            </a:r>
-          </a:p>
-          <a:p>
-            <a:pPr marL="0" lvl="1" indent="0">
-              <a:spcBef>
-                <a:spcPts val="1200"/>
-              </a:spcBef>
-              <a:buNone/>
-            </a:pPr>
-            <a:r>
-              <a:rPr lang="en-US" sz="2000" dirty="0" smtClean="0">
-                <a:hlinkClick r:id="rId4"/>
-              </a:rPr>
-              <a:t>https</a:t>
-            </a:r>
-            <a:r>
-              <a:rPr lang="en-US" sz="2000" dirty="0">
-                <a:hlinkClick r:id="rId4"/>
-              </a:rPr>
-              <a:t>://quod.lib.umich.edu/cache//</a:t>
-            </a:r>
-            <a:r>
-              <a:rPr lang="en-US" sz="2000" dirty="0">
-                <a:hlinkClick r:id="rId4"/>
-              </a:rPr>
-              <a:t>b/b/p/bbp2372.1993.114/bbp2372.1993.114.pdf#page=1;zoom=75</a:t>
-            </a:r>
-            <a:endParaRPr lang="en-US" sz="2000" dirty="0"/>
-          </a:p>
-          <a:p>
-            <a:pPr marL="0" indent="0">
-              <a:buNone/>
-            </a:pPr>
-            <a:r>
-              <a:rPr lang="en-US" dirty="0"/>
-              <a:t>Video: </a:t>
-            </a:r>
-            <a:r>
-              <a:rPr lang="en-US" dirty="0">
-                <a:hlinkClick r:id="rId5"/>
-              </a:rPr>
-              <a:t>https://</a:t>
-            </a:r>
-            <a:r>
-              <a:rPr lang="en-US" dirty="0" smtClean="0">
-                <a:hlinkClick r:id="rId5"/>
-              </a:rPr>
-              <a:t>www.youtube.com/watch?v=qNhwDzInBjo</a:t>
-            </a:r>
-            <a:endParaRPr lang="en-US" dirty="0" smtClean="0"/>
-          </a:p>
-          <a:p>
-            <a:pPr marL="0" indent="0">
-              <a:buNone/>
-            </a:pPr>
-            <a:endParaRPr lang="en-US" dirty="0" smtClean="0"/>
-          </a:p>
-          <a:p>
+              <a:t>Add UI and logic for user input: Sliders, selection of instrument, etc. </a:t>
+            </a:r>
+          </a:p>
+          <a:p>
+            <a:pPr lvl="1"/>
+            <a:r>
+              <a:rPr lang="en-US" dirty="0" smtClean="0"/>
+              <a:t>Record the music created </a:t>
+            </a:r>
+          </a:p>
+          <a:p>
+            <a:r>
+              <a:rPr lang="en-US" dirty="0" smtClean="0"/>
+              <a:t>Phase 3:</a:t>
+            </a:r>
+          </a:p>
+          <a:p>
+            <a:pPr lvl="1"/>
+            <a:r>
+              <a:rPr lang="en-US" dirty="0" smtClean="0"/>
+              <a:t>Add support for creating a music using multiple pictures </a:t>
+            </a:r>
+          </a:p>
+          <a:p>
+            <a:pPr lvl="1"/>
             <a:endParaRPr lang="he-IL" dirty="0"/>
           </a:p>
         </p:txBody>
@@ -5950,7 +8634,7 @@
     </p:spTree>
     <p:extLst>
       <p:ext uri="{BB962C8B-B14F-4D97-AF65-F5344CB8AC3E}">
-        <p14:creationId xmlns:p14="http://schemas.microsoft.com/office/powerpoint/2010/main" val="2686498360"/>
+        <p14:creationId xmlns:p14="http://schemas.microsoft.com/office/powerpoint/2010/main" val="174399316"/>
       </p:ext>
     </p:extLst>
   </p:cSld>
@@ -5993,8 +8677,8 @@
           <a:lstStyle/>
           <a:p>
             <a:r>
-              <a:rPr lang="he-IL" dirty="0" smtClean="0"/>
-              <a:t>חלוקת עבודה</a:t>
+              <a:rPr lang="en-US" dirty="0" smtClean="0"/>
+              <a:t>Bibliography #1 </a:t>
             </a:r>
             <a:endParaRPr lang="he-IL" dirty="0"/>
           </a:p>
@@ -6012,15 +8696,36 @@
         </p:nvSpPr>
         <p:spPr/>
         <p:txBody>
-          <a:bodyPr/>
+          <a:bodyPr>
+            <a:normAutofit/>
+          </a:bodyPr>
           <a:lstStyle/>
+          <a:p>
+            <a:endParaRPr lang="en-US" dirty="0" smtClean="0"/>
+          </a:p>
+          <a:p>
+            <a:r>
+              <a:rPr lang="en-US" dirty="0" smtClean="0"/>
+              <a:t>We </a:t>
+            </a:r>
+            <a:r>
+              <a:rPr lang="en-US" dirty="0"/>
+              <a:t>were inspired by the video presented in class of “Geo shred preview”</a:t>
+            </a:r>
+          </a:p>
           <a:p>
             <a:pPr marL="0" indent="0">
               <a:buNone/>
             </a:pPr>
             <a:r>
-              <a:rPr lang="en-US" dirty="0" smtClean="0"/>
-              <a:t>Related work  - Oran</a:t>
+              <a:rPr lang="en-US" dirty="0">
+                <a:hlinkClick r:id="rId3"/>
+              </a:rPr>
+              <a:t>https://www.youtube.com/watch?v=CDLA8B8BkbQ</a:t>
+            </a:r>
+            <a:r>
+              <a:rPr lang="en-US" dirty="0"/>
+              <a:t> </a:t>
             </a:r>
           </a:p>
           <a:p>
@@ -6028,8 +8733,30 @@
               <a:buNone/>
             </a:pPr>
             <a:r>
+              <a:rPr lang="en-US" dirty="0"/>
+              <a:t>Were you can see a musician play using a touch </a:t>
+            </a:r>
+            <a:r>
               <a:rPr lang="en-US" dirty="0" smtClean="0"/>
-              <a:t>Articles – Zehavit</a:t>
+              <a:t>screen</a:t>
+            </a:r>
+          </a:p>
+          <a:p>
+            <a:r>
+              <a:rPr lang="en-US" dirty="0" err="1" smtClean="0"/>
+              <a:t>Vuzik</a:t>
+            </a:r>
+            <a:r>
+              <a:rPr lang="en-US" dirty="0"/>
+              <a:t> </a:t>
+            </a:r>
+            <a:r>
+              <a:rPr lang="en-US" dirty="0" smtClean="0"/>
+              <a:t>–A </a:t>
+            </a:r>
+            <a:r>
+              <a:rPr lang="en-US" dirty="0"/>
+              <a:t>PAINTING GRAPHIC SCORE INTERFACE FOR</a:t>
             </a:r>
           </a:p>
           <a:p>
@@ -6037,9 +8764,10 @@
               <a:buNone/>
             </a:pPr>
             <a:r>
-              <a:rPr lang="en-US" dirty="0" smtClean="0"/>
-              <a:t>The project – Zehavit</a:t>
-            </a:r>
+              <a:rPr lang="en-US" dirty="0"/>
+              <a:t>COMPOSING AND CONTROL OF SOUND GENERATION</a:t>
+            </a:r>
+            <a:endParaRPr lang="en-US" dirty="0" smtClean="0"/>
           </a:p>
           <a:p>
             <a:pPr marL="0" indent="0">
@@ -6047,7 +8775,23 @@
             </a:pPr>
             <a:r>
               <a:rPr lang="en-US" dirty="0" smtClean="0"/>
-              <a:t>Use case – Zehavit</a:t>
+              <a:t>Video: </a:t>
+            </a:r>
+            <a:r>
+              <a:rPr lang="en-US" dirty="0">
+                <a:hlinkClick r:id="rId4"/>
+              </a:rPr>
+              <a:t>https://</a:t>
+            </a:r>
+            <a:r>
+              <a:rPr lang="en-US" dirty="0" smtClean="0">
+                <a:hlinkClick r:id="rId4"/>
+              </a:rPr>
+              <a:t>www.youtube.com/watch?v=Oq7c43mZYdY</a:t>
+            </a:r>
+            <a:r>
+              <a:rPr lang="en-US" dirty="0" smtClean="0"/>
+              <a:t> </a:t>
             </a:r>
           </a:p>
           <a:p>
@@ -6055,36 +8799,28 @@
               <a:buNone/>
             </a:pPr>
             <a:r>
-              <a:rPr lang="en-US" dirty="0" smtClean="0"/>
-              <a:t>Cons – Oran </a:t>
-            </a:r>
-          </a:p>
-          <a:p>
-            <a:pPr marL="0" indent="0">
-              <a:buNone/>
-            </a:pPr>
-            <a:r>
-              <a:rPr lang="en-US" dirty="0" smtClean="0"/>
-              <a:t>Technical summary - Zehavit</a:t>
-            </a:r>
-          </a:p>
-          <a:p>
-            <a:pPr marL="0" indent="0">
-              <a:buNone/>
-            </a:pPr>
-            <a:r>
-              <a:rPr lang="en-US" dirty="0" smtClean="0"/>
-              <a:t>UI scheme – Oran </a:t>
-            </a:r>
-          </a:p>
-          <a:p>
-            <a:pPr marL="0" indent="0">
-              <a:buNone/>
-            </a:pPr>
-            <a:r>
-              <a:rPr lang="en-US" dirty="0" smtClean="0"/>
-              <a:t>Videos – Zehavit </a:t>
-            </a:r>
+              <a:rPr lang="en-US" dirty="0" err="1" smtClean="0"/>
+              <a:t>Paper:</a:t>
+            </a:r>
+            <a:r>
+              <a:rPr lang="en-US" dirty="0" err="1" smtClean="0">
+                <a:hlinkClick r:id="rId5"/>
+              </a:rPr>
+              <a:t>https</a:t>
+            </a:r>
+            <a:r>
+              <a:rPr lang="en-US" dirty="0">
+                <a:hlinkClick r:id="rId5"/>
+              </a:rPr>
+              <a:t>://quod.lib.umich.edu/cache//</a:t>
+            </a:r>
+            <a:r>
+              <a:rPr lang="en-US" dirty="0" smtClean="0">
+                <a:hlinkClick r:id="rId5"/>
+              </a:rPr>
+              <a:t>b/b/p/bbp2372.2012.108/bbp2372.2012.108.pdf#page=4;zoom=75</a:t>
+            </a:r>
+            <a:endParaRPr lang="he-IL" dirty="0" smtClean="0"/>
           </a:p>
           <a:p>
             <a:pPr marL="0" indent="0">
@@ -6097,7 +8833,174 @@
     </p:spTree>
     <p:extLst>
       <p:ext uri="{BB962C8B-B14F-4D97-AF65-F5344CB8AC3E}">
-        <p14:creationId xmlns:p14="http://schemas.microsoft.com/office/powerpoint/2010/main" val="3375786538"/>
+        <p14:creationId xmlns:p14="http://schemas.microsoft.com/office/powerpoint/2010/main" val="1051116822"/>
+      </p:ext>
+    </p:extLst>
+  </p:cSld>
+  <p:clrMapOvr>
+    <a:masterClrMapping/>
+  </p:clrMapOvr>
+</p:sld>
+</file>
+
+<file path=ppt/slides/slide14.xml><?xml version="1.0" encoding="utf-8"?>
+<p:sld xmlns:a="http://schemas.openxmlformats.org/drawingml/2006/main" xmlns:r="http://schemas.openxmlformats.org/officeDocument/2006/relationships" xmlns:p="http://schemas.openxmlformats.org/presentationml/2006/main">
+  <p:cSld>
+    <p:spTree>
+      <p:nvGrpSpPr>
+        <p:cNvPr id="1" name=""/>
+        <p:cNvGrpSpPr/>
+        <p:nvPr/>
+      </p:nvGrpSpPr>
+      <p:grpSpPr>
+        <a:xfrm>
+          <a:off x="0" y="0"/>
+          <a:ext cx="0" cy="0"/>
+          <a:chOff x="0" y="0"/>
+          <a:chExt cx="0" cy="0"/>
+        </a:xfrm>
+      </p:grpSpPr>
+      <p:sp>
+        <p:nvSpPr>
+          <p:cNvPr id="2" name="Title 1"/>
+          <p:cNvSpPr>
+            <a:spLocks noGrp="1"/>
+          </p:cNvSpPr>
+          <p:nvPr>
+            <p:ph type="title"/>
+          </p:nvPr>
+        </p:nvSpPr>
+        <p:spPr/>
+        <p:txBody>
+          <a:bodyPr/>
+          <a:lstStyle/>
+          <a:p>
+            <a:r>
+              <a:rPr lang="en-US" dirty="0" smtClean="0"/>
+              <a:t>Bibliography #2 </a:t>
+            </a:r>
+            <a:endParaRPr lang="he-IL" dirty="0"/>
+          </a:p>
+        </p:txBody>
+      </p:sp>
+      <p:sp>
+        <p:nvSpPr>
+          <p:cNvPr id="3" name="Content Placeholder 2"/>
+          <p:cNvSpPr>
+            <a:spLocks noGrp="1"/>
+          </p:cNvSpPr>
+          <p:nvPr>
+            <p:ph idx="1"/>
+          </p:nvPr>
+        </p:nvSpPr>
+        <p:spPr/>
+        <p:txBody>
+          <a:bodyPr>
+            <a:normAutofit/>
+          </a:bodyPr>
+          <a:lstStyle/>
+          <a:p>
+            <a:endParaRPr lang="en-US" dirty="0" smtClean="0"/>
+          </a:p>
+          <a:p>
+            <a:r>
+              <a:rPr lang="en-US" dirty="0" smtClean="0"/>
+              <a:t>Musical Sonification of Super High Frequency </a:t>
+            </a:r>
+            <a:r>
+              <a:rPr lang="en-US" dirty="0"/>
+              <a:t>Lighting </a:t>
+            </a:r>
+            <a:r>
+              <a:rPr lang="en-US" dirty="0" smtClean="0"/>
+              <a:t>–  Paper:</a:t>
+            </a:r>
+          </a:p>
+          <a:p>
+            <a:pPr marL="0" indent="0">
+              <a:buNone/>
+            </a:pPr>
+            <a:r>
+              <a:rPr lang="en-US" dirty="0" smtClean="0">
+                <a:hlinkClick r:id="rId3"/>
+              </a:rPr>
+              <a:t>https</a:t>
+            </a:r>
+            <a:r>
+              <a:rPr lang="en-US" dirty="0">
+                <a:hlinkClick r:id="rId3"/>
+              </a:rPr>
+              <a:t>://quod.lib.umich.edu/cache//</a:t>
+            </a:r>
+            <a:r>
+              <a:rPr lang="en-US" dirty="0" smtClean="0">
+                <a:hlinkClick r:id="rId3"/>
+              </a:rPr>
+              <a:t>b/b/p/bbp2372.2017.039/bbp2372.2017.039.pdf#page=1;zoom=75</a:t>
+            </a:r>
+            <a:endParaRPr lang="en-US" dirty="0" smtClean="0"/>
+          </a:p>
+          <a:p>
+            <a:r>
+              <a:rPr lang="en-US" dirty="0" smtClean="0"/>
+              <a:t>See music: A tool for music visualization – Paper: </a:t>
+            </a:r>
+          </a:p>
+          <a:p>
+            <a:pPr marL="0" lvl="1" indent="0">
+              <a:spcBef>
+                <a:spcPts val="1200"/>
+              </a:spcBef>
+              <a:buNone/>
+            </a:pPr>
+            <a:r>
+              <a:rPr lang="en-US" sz="2000" dirty="0" smtClean="0">
+                <a:hlinkClick r:id="rId4"/>
+              </a:rPr>
+              <a:t>https</a:t>
+            </a:r>
+            <a:r>
+              <a:rPr lang="en-US" sz="2000" dirty="0">
+                <a:hlinkClick r:id="rId4"/>
+              </a:rPr>
+              <a:t>://quod.lib.umich.edu/cache//b/b/p/bbp2372.1993.114/bbp2372.1993.114.pdf#page=1;zoom=75</a:t>
+            </a:r>
+            <a:endParaRPr lang="en-US" sz="2000" dirty="0"/>
+          </a:p>
+          <a:p>
+            <a:pPr marL="0" indent="0">
+              <a:buNone/>
+            </a:pPr>
+            <a:r>
+              <a:rPr lang="en-US" dirty="0"/>
+              <a:t>Video: </a:t>
+            </a:r>
+            <a:r>
+              <a:rPr lang="en-US" dirty="0">
+                <a:hlinkClick r:id="rId5"/>
+              </a:rPr>
+              <a:t>https://</a:t>
+            </a:r>
+            <a:r>
+              <a:rPr lang="en-US" dirty="0" smtClean="0">
+                <a:hlinkClick r:id="rId5"/>
+              </a:rPr>
+              <a:t>www.youtube.com/watch?v=qNhwDzInBjo</a:t>
+            </a:r>
+            <a:endParaRPr lang="en-US" dirty="0" smtClean="0"/>
+          </a:p>
+          <a:p>
+            <a:pPr marL="0" indent="0">
+              <a:buNone/>
+            </a:pPr>
+            <a:endParaRPr lang="en-US" dirty="0" smtClean="0"/>
+          </a:p>
+        </p:txBody>
+      </p:sp>
+    </p:spTree>
+    <p:extLst>
+      <p:ext uri="{BB962C8B-B14F-4D97-AF65-F5344CB8AC3E}">
+        <p14:creationId xmlns:p14="http://schemas.microsoft.com/office/powerpoint/2010/main" val="2686498360"/>
       </p:ext>
     </p:extLst>
   </p:cSld>
@@ -6324,13 +9227,8 @@
           <a:p>
             <a:r>
               <a:rPr lang="en-US" dirty="0"/>
-              <a:t>Related </a:t>
-            </a:r>
-            <a:r>
-              <a:rPr lang="en-US" dirty="0" smtClean="0"/>
-              <a:t>Work</a:t>
-            </a:r>
-            <a:endParaRPr lang="en-US" dirty="0"/>
+              <a:t>Related Work - RGB Music Lab</a:t>
+            </a:r>
           </a:p>
         </p:txBody>
       </p:sp>
@@ -6355,14 +9253,129 @@
           <a:bodyPr/>
           <a:lstStyle/>
           <a:p>
+            <a:r>
+              <a:rPr lang="en-US" dirty="0"/>
+              <a:t>Created by Kenji Kojima, a Japanese visual artist.</a:t>
+            </a:r>
+          </a:p>
+          <a:p>
+            <a:r>
+              <a:rPr lang="en-US" dirty="0">
+                <a:hlinkClick r:id="rId3"/>
+              </a:rPr>
+              <a:t>http://www.kenjikojima.com/rgbmusic</a:t>
+            </a:r>
             <a:endParaRPr lang="en-US" dirty="0"/>
           </a:p>
-        </p:txBody>
-      </p:sp>
+          <a:p>
+            <a:r>
+              <a:rPr lang="en-US" dirty="0"/>
+              <a:t>Create a music from an image</a:t>
+            </a:r>
+          </a:p>
+          <a:p>
+            <a:pPr lvl="1"/>
+            <a:r>
+              <a:rPr lang="en-US" dirty="0"/>
+              <a:t>Reads RGB value of pixels from the top left to the bottom right of an image, then composes an music</a:t>
+            </a:r>
+          </a:p>
+          <a:p>
+            <a:r>
+              <a:rPr lang="en-US" dirty="0"/>
+              <a:t>Pros:</a:t>
+            </a:r>
+          </a:p>
+          <a:p>
+            <a:pPr lvl="1"/>
+            <a:r>
+              <a:rPr lang="en-US" dirty="0"/>
+              <a:t>Contains a lot of options for user input</a:t>
+            </a:r>
+          </a:p>
+          <a:p>
+            <a:pPr lvl="1"/>
+            <a:r>
+              <a:rPr lang="en-US" dirty="0"/>
+              <a:t>Very advanced</a:t>
+            </a:r>
+          </a:p>
+          <a:p>
+            <a:r>
+              <a:rPr lang="en-US" dirty="0"/>
+              <a:t>Cons:</a:t>
+            </a:r>
+          </a:p>
+          <a:p>
+            <a:pPr lvl="1"/>
+            <a:r>
+              <a:rPr lang="en-US" dirty="0"/>
+              <a:t>Not free</a:t>
+            </a:r>
+          </a:p>
+          <a:p>
+            <a:pPr lvl="1"/>
+            <a:r>
+              <a:rPr lang="en-US" dirty="0"/>
+              <a:t>Out dated - no support</a:t>
+            </a:r>
+          </a:p>
+          <a:p>
+            <a:endParaRPr lang="en-US" dirty="0"/>
+          </a:p>
+        </p:txBody>
+      </p:sp>
+      <p:pic>
+        <p:nvPicPr>
+          <p:cNvPr id="4" name="Picture 2" descr="×ª××¦××ª ×ª××× × ×¢×××¨ âªmusic pixelâ¬â">
+            <a:extLst>
+              <a:ext uri="{FF2B5EF4-FFF2-40B4-BE49-F238E27FC236}">
+                <a16:creationId xmlns:a16="http://schemas.microsoft.com/office/drawing/2014/main" id="{3580F6C7-1C19-4A57-8C0F-3A17CB1173FE}"/>
+              </a:ext>
+            </a:extLst>
+          </p:cNvPr>
+          <p:cNvPicPr>
+            <a:picLocks noChangeAspect="1" noChangeArrowheads="1"/>
+          </p:cNvPicPr>
+          <p:nvPr/>
+        </p:nvPicPr>
+        <p:blipFill>
+          <a:blip r:embed="rId4" cstate="hqprint">
+            <a:extLst>
+              <a:ext uri="{28A0092B-C50C-407E-A947-70E740481C1C}">
+                <a14:useLocalDpi xmlns:a14="http://schemas.microsoft.com/office/drawing/2010/main" val="0"/>
+              </a:ext>
+            </a:extLst>
+          </a:blip>
+          <a:srcRect/>
+          <a:stretch>
+            <a:fillRect/>
+          </a:stretch>
+        </p:blipFill>
+        <p:spPr bwMode="auto">
+          <a:xfrm>
+            <a:off x="11288324" y="5128341"/>
+            <a:ext cx="663044" cy="1043859"/>
+          </a:xfrm>
+          <a:prstGeom prst="rect">
+            <a:avLst/>
+          </a:prstGeom>
+          <a:noFill/>
+          <a:extLst>
+            <a:ext uri="{909E8E84-426E-40DD-AFC4-6F175D3DCCD1}">
+              <a14:hiddenFill xmlns:a14="http://schemas.microsoft.com/office/drawing/2010/main">
+                <a:solidFill>
+                  <a:srgbClr val="FFFFFF"/>
+                </a:solidFill>
+              </a14:hiddenFill>
+            </a:ext>
+          </a:extLst>
+        </p:spPr>
+      </p:pic>
     </p:spTree>
     <p:extLst>
       <p:ext uri="{BB962C8B-B14F-4D97-AF65-F5344CB8AC3E}">
-        <p14:creationId xmlns:p14="http://schemas.microsoft.com/office/powerpoint/2010/main" val="2901248084"/>
+        <p14:creationId xmlns:p14="http://schemas.microsoft.com/office/powerpoint/2010/main" val="139653830"/>
       </p:ext>
     </p:extLst>
   </p:cSld>
@@ -6391,7 +9404,13 @@
       </p:grpSpPr>
       <p:sp>
         <p:nvSpPr>
-          <p:cNvPr id="2" name="Title 1"/>
+          <p:cNvPr id="5" name="Title 1">
+            <a:extLst>
+              <a:ext uri="{FF2B5EF4-FFF2-40B4-BE49-F238E27FC236}">
+                <a16:creationId xmlns:a16="http://schemas.microsoft.com/office/drawing/2014/main" id="{21CFD2F0-6B15-4A12-8AA1-B11FF81A7B46}"/>
+              </a:ext>
+            </a:extLst>
+          </p:cNvPr>
           <p:cNvSpPr>
             <a:spLocks noGrp="1"/>
           </p:cNvSpPr>
@@ -6399,105 +9418,121 @@
             <p:ph type="title"/>
           </p:nvPr>
         </p:nvSpPr>
-        <p:spPr/>
+        <p:spPr>
+          <a:xfrm>
+            <a:off x="1069848" y="484632"/>
+            <a:ext cx="10058400" cy="1609344"/>
+          </a:xfrm>
+        </p:spPr>
         <p:txBody>
           <a:bodyPr/>
           <a:lstStyle/>
           <a:p>
             <a:r>
-              <a:rPr lang="en-US" dirty="0" smtClean="0"/>
-              <a:t>The project </a:t>
-            </a:r>
-            <a:endParaRPr lang="he-IL" dirty="0"/>
-          </a:p>
-        </p:txBody>
-      </p:sp>
-      <p:sp>
-        <p:nvSpPr>
-          <p:cNvPr id="3" name="Content Placeholder 2"/>
-          <p:cNvSpPr>
-            <a:spLocks noGrp="1"/>
-          </p:cNvSpPr>
-          <p:nvPr>
-            <p:ph idx="1"/>
-          </p:nvPr>
-        </p:nvSpPr>
-        <p:spPr/>
-        <p:txBody>
-          <a:bodyPr/>
-          <a:lstStyle/>
-          <a:p>
-            <a:pPr marL="0" indent="0">
-              <a:buNone/>
-            </a:pPr>
-            <a:r>
-              <a:rPr lang="en-US" dirty="0" smtClean="0"/>
-              <a:t>RGB Music is a software interface for creating musi</a:t>
-            </a:r>
-            <a:r>
-              <a:rPr lang="en-US" dirty="0" smtClean="0"/>
-              <a:t>c from an image through moving the mouse along the image. </a:t>
-            </a:r>
-          </a:p>
-          <a:p>
-            <a:pPr marL="0" indent="0">
-              <a:buNone/>
-            </a:pPr>
-            <a:r>
-              <a:rPr lang="en-US" dirty="0" smtClean="0"/>
-              <a:t>In this project we aim to map between visual elements to sound elements. For exa</a:t>
-            </a:r>
-            <a:r>
-              <a:rPr lang="en-US" dirty="0" smtClean="0"/>
-              <a:t>mple:</a:t>
-            </a:r>
-          </a:p>
-          <a:p>
-            <a:r>
-              <a:rPr lang="en-US" dirty="0" smtClean="0"/>
-              <a:t>Map from the RGB value of a chosen pixel to </a:t>
-            </a:r>
-            <a:r>
               <a:rPr lang="en-US" dirty="0"/>
-              <a:t>unique instrument </a:t>
-            </a:r>
-            <a:r>
-              <a:rPr lang="en-US" dirty="0" smtClean="0"/>
-              <a:t>timbre</a:t>
-            </a:r>
-          </a:p>
-          <a:p>
-            <a:r>
-              <a:rPr lang="en-US" dirty="0" smtClean="0"/>
-              <a:t>Map from a set of pixels (</a:t>
-            </a:r>
-            <a:r>
-              <a:rPr lang="en-US" dirty="0" err="1" smtClean="0"/>
-              <a:t>i.e</a:t>
-            </a:r>
-            <a:r>
-              <a:rPr lang="en-US" dirty="0" smtClean="0"/>
-              <a:t> the surrounding pixels of the chosen pixel) to pitch or time duration</a:t>
-            </a:r>
-          </a:p>
-          <a:p>
-            <a:pPr marL="0" indent="0">
-              <a:buNone/>
-            </a:pPr>
-            <a:endParaRPr lang="en-US" dirty="0" smtClean="0"/>
-          </a:p>
-          <a:p>
-            <a:pPr marL="0" indent="0">
-              <a:buNone/>
-            </a:pPr>
-            <a:endParaRPr lang="en-US" dirty="0" smtClean="0"/>
-          </a:p>
-        </p:txBody>
-      </p:sp>
+              <a:t>Related Work - RGB Music Lab</a:t>
+            </a:r>
+          </a:p>
+        </p:txBody>
+      </p:sp>
+      <p:pic>
+        <p:nvPicPr>
+          <p:cNvPr id="1028" name="Picture 4" descr="http://www.kenjikojima.com/rgbmusic/img/RGBMusicLab.jpg">
+            <a:extLst>
+              <a:ext uri="{FF2B5EF4-FFF2-40B4-BE49-F238E27FC236}">
+                <a16:creationId xmlns:a16="http://schemas.microsoft.com/office/drawing/2014/main" id="{D889E65C-0EAE-4D84-A76C-9525DA8388B9}"/>
+              </a:ext>
+            </a:extLst>
+          </p:cNvPr>
+          <p:cNvPicPr>
+            <a:picLocks noChangeAspect="1" noChangeArrowheads="1"/>
+          </p:cNvPicPr>
+          <p:nvPr/>
+        </p:nvPicPr>
+        <p:blipFill>
+          <a:blip r:embed="rId2">
+            <a:extLst>
+              <a:ext uri="{28A0092B-C50C-407E-A947-70E740481C1C}">
+                <a14:useLocalDpi xmlns:a14="http://schemas.microsoft.com/office/drawing/2010/main" val="0"/>
+              </a:ext>
+            </a:extLst>
+          </a:blip>
+          <a:srcRect/>
+          <a:stretch>
+            <a:fillRect/>
+          </a:stretch>
+        </p:blipFill>
+        <p:spPr bwMode="auto">
+          <a:xfrm>
+            <a:off x="2075949" y="1849855"/>
+            <a:ext cx="6859504" cy="4694949"/>
+          </a:xfrm>
+          <a:prstGeom prst="rect">
+            <a:avLst/>
+          </a:prstGeom>
+          <a:noFill/>
+          <a:extLst>
+            <a:ext uri="{909E8E84-426E-40DD-AFC4-6F175D3DCCD1}">
+              <a14:hiddenFill xmlns:a14="http://schemas.microsoft.com/office/drawing/2010/main">
+                <a:solidFill>
+                  <a:srgbClr val="FFFFFF"/>
+                </a:solidFill>
+              </a14:hiddenFill>
+            </a:ext>
+          </a:extLst>
+        </p:spPr>
+      </p:pic>
+      <p:pic>
+        <p:nvPicPr>
+          <p:cNvPr id="6" name="Picture 2" descr="×ª××¦××ª ×ª××× × ×¢×××¨ âªmusic pixelâ¬â">
+            <a:extLst>
+              <a:ext uri="{FF2B5EF4-FFF2-40B4-BE49-F238E27FC236}">
+                <a16:creationId xmlns:a16="http://schemas.microsoft.com/office/drawing/2014/main" id="{EC7F31A7-E3C3-4E42-9B79-D554A8E64CBD}"/>
+              </a:ext>
+            </a:extLst>
+          </p:cNvPr>
+          <p:cNvPicPr>
+            <a:picLocks noChangeAspect="1" noChangeArrowheads="1"/>
+          </p:cNvPicPr>
+          <p:nvPr/>
+        </p:nvPicPr>
+        <p:blipFill>
+          <a:blip r:embed="rId3" cstate="hqprint">
+            <a:extLst>
+              <a:ext uri="{28A0092B-C50C-407E-A947-70E740481C1C}">
+                <a14:useLocalDpi xmlns:a14="http://schemas.microsoft.com/office/drawing/2010/main" val="0"/>
+              </a:ext>
+            </a:extLst>
+          </a:blip>
+          <a:srcRect/>
+          <a:stretch>
+            <a:fillRect/>
+          </a:stretch>
+        </p:blipFill>
+        <p:spPr bwMode="auto">
+          <a:xfrm>
+            <a:off x="11288324" y="5128341"/>
+            <a:ext cx="663044" cy="1043859"/>
+          </a:xfrm>
+          <a:prstGeom prst="rect">
+            <a:avLst/>
+          </a:prstGeom>
+          <a:noFill/>
+          <a:extLst>
+            <a:ext uri="{909E8E84-426E-40DD-AFC4-6F175D3DCCD1}">
+              <a14:hiddenFill xmlns:a14="http://schemas.microsoft.com/office/drawing/2010/main">
+                <a:solidFill>
+                  <a:srgbClr val="FFFFFF"/>
+                </a:solidFill>
+              </a14:hiddenFill>
+            </a:ext>
+          </a:extLst>
+        </p:spPr>
+      </p:pic>
     </p:spTree>
     <p:extLst>
       <p:ext uri="{BB962C8B-B14F-4D97-AF65-F5344CB8AC3E}">
-        <p14:creationId xmlns:p14="http://schemas.microsoft.com/office/powerpoint/2010/main" val="3145902105"/>
+        <p14:creationId xmlns:p14="http://schemas.microsoft.com/office/powerpoint/2010/main" val="1963932940"/>
       </p:ext>
     </p:extLst>
   </p:cSld>
@@ -6539,9 +9574,230 @@
           <a:bodyPr/>
           <a:lstStyle/>
           <a:p>
+            <a:endParaRPr lang="he-IL"/>
+          </a:p>
+        </p:txBody>
+      </p:sp>
+      <p:sp>
+        <p:nvSpPr>
+          <p:cNvPr id="3" name="Content Placeholder 2"/>
+          <p:cNvSpPr>
+            <a:spLocks noGrp="1"/>
+          </p:cNvSpPr>
+          <p:nvPr>
+            <p:ph idx="1"/>
+          </p:nvPr>
+        </p:nvSpPr>
+        <p:spPr/>
+        <p:txBody>
+          <a:bodyPr/>
+          <a:lstStyle/>
+          <a:p>
+            <a:r>
+              <a:rPr lang="he-IL" dirty="0" smtClean="0"/>
+              <a:t>זהבית – להוסיף את ה</a:t>
+            </a:r>
+            <a:endParaRPr lang="he-IL" dirty="0"/>
+          </a:p>
+          <a:p>
+            <a:r>
+              <a:rPr lang="en-US" dirty="0" err="1" smtClean="0"/>
+              <a:t>vuzik</a:t>
+            </a:r>
+            <a:endParaRPr lang="he-IL" dirty="0"/>
+          </a:p>
+        </p:txBody>
+      </p:sp>
+    </p:spTree>
+    <p:extLst>
+      <p:ext uri="{BB962C8B-B14F-4D97-AF65-F5344CB8AC3E}">
+        <p14:creationId xmlns:p14="http://schemas.microsoft.com/office/powerpoint/2010/main" val="3263142642"/>
+      </p:ext>
+    </p:extLst>
+  </p:cSld>
+  <p:clrMapOvr>
+    <a:masterClrMapping/>
+  </p:clrMapOvr>
+</p:sld>
+</file>
+
+<file path=ppt/slides/slide6.xml><?xml version="1.0" encoding="utf-8"?>
+<p:sld xmlns:a="http://schemas.openxmlformats.org/drawingml/2006/main" xmlns:r="http://schemas.openxmlformats.org/officeDocument/2006/relationships" xmlns:p="http://schemas.openxmlformats.org/presentationml/2006/main">
+  <p:cSld>
+    <p:spTree>
+      <p:nvGrpSpPr>
+        <p:cNvPr id="1" name=""/>
+        <p:cNvGrpSpPr/>
+        <p:nvPr/>
+      </p:nvGrpSpPr>
+      <p:grpSpPr>
+        <a:xfrm>
+          <a:off x="0" y="0"/>
+          <a:ext cx="0" cy="0"/>
+          <a:chOff x="0" y="0"/>
+          <a:chExt cx="0" cy="0"/>
+        </a:xfrm>
+      </p:grpSpPr>
+      <p:sp>
+        <p:nvSpPr>
+          <p:cNvPr id="2" name="Title 1"/>
+          <p:cNvSpPr>
+            <a:spLocks noGrp="1"/>
+          </p:cNvSpPr>
+          <p:nvPr>
+            <p:ph type="title"/>
+          </p:nvPr>
+        </p:nvSpPr>
+        <p:spPr/>
+        <p:txBody>
+          <a:bodyPr/>
+          <a:lstStyle/>
+          <a:p>
+            <a:r>
+              <a:rPr lang="en-US" dirty="0"/>
+              <a:t>PROS over other products </a:t>
+            </a:r>
+            <a:endParaRPr lang="he-IL" dirty="0"/>
+          </a:p>
+        </p:txBody>
+      </p:sp>
+      <p:sp>
+        <p:nvSpPr>
+          <p:cNvPr id="3" name="Content Placeholder 2"/>
+          <p:cNvSpPr>
+            <a:spLocks noGrp="1"/>
+          </p:cNvSpPr>
+          <p:nvPr>
+            <p:ph idx="1"/>
+          </p:nvPr>
+        </p:nvSpPr>
+        <p:spPr>
+          <a:xfrm>
+            <a:off x="1069848" y="2121408"/>
+            <a:ext cx="8940426" cy="4050792"/>
+          </a:xfrm>
+        </p:spPr>
+        <p:txBody>
+          <a:bodyPr>
+            <a:normAutofit/>
+          </a:bodyPr>
+          <a:lstStyle/>
+          <a:p>
+            <a:r>
+              <a:rPr lang="en-US" sz="2800" dirty="0"/>
+              <a:t>Our program let the user control which parts from the image will affect the final work.</a:t>
+            </a:r>
+          </a:p>
+          <a:p>
+            <a:r>
+              <a:rPr lang="en-US" sz="2800" dirty="0"/>
+              <a:t> The user can use multiple images for creating one work.</a:t>
+            </a:r>
+          </a:p>
+          <a:p>
+            <a:r>
+              <a:rPr lang="en-US" sz="2800" dirty="0"/>
+              <a:t> Different purpose</a:t>
+            </a:r>
+            <a:endParaRPr lang="he-IL" sz="2800" dirty="0"/>
+          </a:p>
+        </p:txBody>
+      </p:sp>
+      <p:pic>
+        <p:nvPicPr>
+          <p:cNvPr id="4" name="Picture 2" descr="×ª××¦××ª ×ª××× × ×¢×××¨ âªmusic pixelâ¬â">
+            <a:extLst>
+              <a:ext uri="{FF2B5EF4-FFF2-40B4-BE49-F238E27FC236}">
+                <a16:creationId xmlns:a16="http://schemas.microsoft.com/office/drawing/2014/main" id="{036D1730-067B-4734-98A9-BB1287F13B9C}"/>
+              </a:ext>
+            </a:extLst>
+          </p:cNvPr>
+          <p:cNvPicPr>
+            <a:picLocks noChangeAspect="1" noChangeArrowheads="1"/>
+          </p:cNvPicPr>
+          <p:nvPr/>
+        </p:nvPicPr>
+        <p:blipFill>
+          <a:blip r:embed="rId3" cstate="hqprint">
+            <a:extLst>
+              <a:ext uri="{28A0092B-C50C-407E-A947-70E740481C1C}">
+                <a14:useLocalDpi xmlns:a14="http://schemas.microsoft.com/office/drawing/2010/main" val="0"/>
+              </a:ext>
+            </a:extLst>
+          </a:blip>
+          <a:srcRect/>
+          <a:stretch>
+            <a:fillRect/>
+          </a:stretch>
+        </p:blipFill>
+        <p:spPr bwMode="auto">
+          <a:xfrm>
+            <a:off x="11288324" y="5128341"/>
+            <a:ext cx="663044" cy="1043859"/>
+          </a:xfrm>
+          <a:prstGeom prst="rect">
+            <a:avLst/>
+          </a:prstGeom>
+          <a:noFill/>
+          <a:extLst>
+            <a:ext uri="{909E8E84-426E-40DD-AFC4-6F175D3DCCD1}">
+              <a14:hiddenFill xmlns:a14="http://schemas.microsoft.com/office/drawing/2010/main">
+                <a:solidFill>
+                  <a:srgbClr val="FFFFFF"/>
+                </a:solidFill>
+              </a14:hiddenFill>
+            </a:ext>
+          </a:extLst>
+        </p:spPr>
+      </p:pic>
+    </p:spTree>
+    <p:extLst>
+      <p:ext uri="{BB962C8B-B14F-4D97-AF65-F5344CB8AC3E}">
+        <p14:creationId xmlns:p14="http://schemas.microsoft.com/office/powerpoint/2010/main" val="2650767775"/>
+      </p:ext>
+    </p:extLst>
+  </p:cSld>
+  <p:clrMapOvr>
+    <a:masterClrMapping/>
+  </p:clrMapOvr>
+</p:sld>
+</file>
+
+<file path=ppt/slides/slide7.xml><?xml version="1.0" encoding="utf-8"?>
+<p:sld xmlns:a="http://schemas.openxmlformats.org/drawingml/2006/main" xmlns:r="http://schemas.openxmlformats.org/officeDocument/2006/relationships" xmlns:p="http://schemas.openxmlformats.org/presentationml/2006/main">
+  <p:cSld>
+    <p:spTree>
+      <p:nvGrpSpPr>
+        <p:cNvPr id="1" name=""/>
+        <p:cNvGrpSpPr/>
+        <p:nvPr/>
+      </p:nvGrpSpPr>
+      <p:grpSpPr>
+        <a:xfrm>
+          <a:off x="0" y="0"/>
+          <a:ext cx="0" cy="0"/>
+          <a:chOff x="0" y="0"/>
+          <a:chExt cx="0" cy="0"/>
+        </a:xfrm>
+      </p:grpSpPr>
+      <p:sp>
+        <p:nvSpPr>
+          <p:cNvPr id="2" name="Title 1"/>
+          <p:cNvSpPr>
+            <a:spLocks noGrp="1"/>
+          </p:cNvSpPr>
+          <p:nvPr>
+            <p:ph type="title"/>
+          </p:nvPr>
+        </p:nvSpPr>
+        <p:spPr/>
+        <p:txBody>
+          <a:bodyPr/>
+          <a:lstStyle/>
+          <a:p>
             <a:r>
               <a:rPr lang="en-US" dirty="0" smtClean="0"/>
-              <a:t>Implementation notes &amp; use case</a:t>
+              <a:t>The project </a:t>
             </a:r>
             <a:endParaRPr lang="he-IL" dirty="0"/>
           </a:p>
@@ -6567,6 +9823,133 @@
             </a:pPr>
             <a:r>
               <a:rPr lang="en-US" dirty="0" smtClean="0"/>
+              <a:t>RGB Music is a software interface for creating music from an image through moving the mouse along the image. </a:t>
+            </a:r>
+          </a:p>
+          <a:p>
+            <a:pPr marL="0" indent="0">
+              <a:buNone/>
+            </a:pPr>
+            <a:r>
+              <a:rPr lang="en-US" dirty="0" smtClean="0"/>
+              <a:t>In this project we aim to map between visual elements to sound elements. For example:</a:t>
+            </a:r>
+          </a:p>
+          <a:p>
+            <a:r>
+              <a:rPr lang="en-US" dirty="0" smtClean="0"/>
+              <a:t>Map from the RGB value of a chosen pixel to </a:t>
+            </a:r>
+            <a:r>
+              <a:rPr lang="en-US" dirty="0"/>
+              <a:t>unique instrument </a:t>
+            </a:r>
+            <a:r>
+              <a:rPr lang="en-US" dirty="0" smtClean="0"/>
+              <a:t>timbre</a:t>
+            </a:r>
+          </a:p>
+          <a:p>
+            <a:r>
+              <a:rPr lang="en-US" dirty="0" smtClean="0"/>
+              <a:t>Map from a set of pixels (</a:t>
+            </a:r>
+            <a:r>
+              <a:rPr lang="en-US" dirty="0" err="1" smtClean="0"/>
+              <a:t>i.e</a:t>
+            </a:r>
+            <a:r>
+              <a:rPr lang="en-US" dirty="0" smtClean="0"/>
+              <a:t> the surrounding pixels of the chosen pixel) to pitch or time duration</a:t>
+            </a:r>
+          </a:p>
+          <a:p>
+            <a:pPr marL="0" indent="0">
+              <a:buNone/>
+            </a:pPr>
+            <a:endParaRPr lang="en-US" dirty="0" smtClean="0"/>
+          </a:p>
+          <a:p>
+            <a:pPr marL="0" indent="0">
+              <a:buNone/>
+            </a:pPr>
+            <a:endParaRPr lang="en-US" dirty="0" smtClean="0"/>
+          </a:p>
+        </p:txBody>
+      </p:sp>
+    </p:spTree>
+    <p:extLst>
+      <p:ext uri="{BB962C8B-B14F-4D97-AF65-F5344CB8AC3E}">
+        <p14:creationId xmlns:p14="http://schemas.microsoft.com/office/powerpoint/2010/main" val="3145902105"/>
+      </p:ext>
+    </p:extLst>
+  </p:cSld>
+  <p:clrMapOvr>
+    <a:masterClrMapping/>
+  </p:clrMapOvr>
+</p:sld>
+</file>
+
+<file path=ppt/slides/slide8.xml><?xml version="1.0" encoding="utf-8"?>
+<p:sld xmlns:a="http://schemas.openxmlformats.org/drawingml/2006/main" xmlns:r="http://schemas.openxmlformats.org/officeDocument/2006/relationships" xmlns:p="http://schemas.openxmlformats.org/presentationml/2006/main">
+  <p:cSld>
+    <p:spTree>
+      <p:nvGrpSpPr>
+        <p:cNvPr id="1" name=""/>
+        <p:cNvGrpSpPr/>
+        <p:nvPr/>
+      </p:nvGrpSpPr>
+      <p:grpSpPr>
+        <a:xfrm>
+          <a:off x="0" y="0"/>
+          <a:ext cx="0" cy="0"/>
+          <a:chOff x="0" y="0"/>
+          <a:chExt cx="0" cy="0"/>
+        </a:xfrm>
+      </p:grpSpPr>
+      <p:sp>
+        <p:nvSpPr>
+          <p:cNvPr id="2" name="Title 1"/>
+          <p:cNvSpPr>
+            <a:spLocks noGrp="1"/>
+          </p:cNvSpPr>
+          <p:nvPr>
+            <p:ph type="title"/>
+          </p:nvPr>
+        </p:nvSpPr>
+        <p:spPr/>
+        <p:txBody>
+          <a:bodyPr/>
+          <a:lstStyle/>
+          <a:p>
+            <a:r>
+              <a:rPr lang="en-US" dirty="0" smtClean="0"/>
+              <a:t>Implementation notes &amp; use case</a:t>
+            </a:r>
+            <a:endParaRPr lang="he-IL" dirty="0"/>
+          </a:p>
+        </p:txBody>
+      </p:sp>
+      <p:sp>
+        <p:nvSpPr>
+          <p:cNvPr id="3" name="Content Placeholder 2"/>
+          <p:cNvSpPr>
+            <a:spLocks noGrp="1"/>
+          </p:cNvSpPr>
+          <p:nvPr>
+            <p:ph idx="1"/>
+          </p:nvPr>
+        </p:nvSpPr>
+        <p:spPr/>
+        <p:txBody>
+          <a:bodyPr/>
+          <a:lstStyle/>
+          <a:p>
+            <a:pPr marL="0" indent="0">
+              <a:buNone/>
+            </a:pPr>
+            <a:r>
+              <a:rPr lang="en-US" dirty="0" smtClean="0"/>
               <a:t>The project will be implemented in Python using the following libraries:</a:t>
             </a:r>
           </a:p>
@@ -6613,11 +9996,7 @@
             </a:r>
             <a:r>
               <a:rPr lang="en-US" dirty="0" smtClean="0"/>
-              <a:t> - I</a:t>
-            </a:r>
-            <a:r>
-              <a:rPr lang="en-US" dirty="0" smtClean="0"/>
-              <a:t>mage processing</a:t>
+              <a:t> - Image processing</a:t>
             </a:r>
           </a:p>
           <a:p>
@@ -6675,7 +10054,7 @@
 </p:sld>
 </file>
 
-<file path=ppt/slides/slide6.xml><?xml version="1.0" encoding="utf-8"?>
+<file path=ppt/slides/slide9.xml><?xml version="1.0" encoding="utf-8"?>
 <p:sld xmlns:a="http://schemas.openxmlformats.org/drawingml/2006/main" xmlns:r="http://schemas.openxmlformats.org/officeDocument/2006/relationships" xmlns:p="http://schemas.openxmlformats.org/presentationml/2006/main">
   <p:cSld>
     <p:spTree>
@@ -6709,83 +10088,7 @@
           <a:p>
             <a:r>
               <a:rPr lang="en-US" dirty="0" smtClean="0"/>
-              <a:t>Cons over other products </a:t>
-            </a:r>
-            <a:endParaRPr lang="he-IL" dirty="0"/>
-          </a:p>
-        </p:txBody>
-      </p:sp>
-      <p:sp>
-        <p:nvSpPr>
-          <p:cNvPr id="3" name="Content Placeholder 2"/>
-          <p:cNvSpPr>
-            <a:spLocks noGrp="1"/>
-          </p:cNvSpPr>
-          <p:nvPr>
-            <p:ph idx="1"/>
-          </p:nvPr>
-        </p:nvSpPr>
-        <p:spPr/>
-        <p:txBody>
-          <a:bodyPr/>
-          <a:lstStyle/>
-          <a:p>
-            <a:endParaRPr lang="he-IL" dirty="0"/>
-          </a:p>
-        </p:txBody>
-      </p:sp>
-    </p:spTree>
-    <p:extLst>
-      <p:ext uri="{BB962C8B-B14F-4D97-AF65-F5344CB8AC3E}">
-        <p14:creationId xmlns:p14="http://schemas.microsoft.com/office/powerpoint/2010/main" val="3544669634"/>
-      </p:ext>
-    </p:extLst>
-  </p:cSld>
-  <p:clrMapOvr>
-    <a:masterClrMapping/>
-  </p:clrMapOvr>
-</p:sld>
-</file>
-
-<file path=ppt/slides/slide7.xml><?xml version="1.0" encoding="utf-8"?>
-<p:sld xmlns:a="http://schemas.openxmlformats.org/drawingml/2006/main" xmlns:r="http://schemas.openxmlformats.org/officeDocument/2006/relationships" xmlns:p="http://schemas.openxmlformats.org/presentationml/2006/main">
-  <p:cSld>
-    <p:spTree>
-      <p:nvGrpSpPr>
-        <p:cNvPr id="1" name=""/>
-        <p:cNvGrpSpPr/>
-        <p:nvPr/>
-      </p:nvGrpSpPr>
-      <p:grpSpPr>
-        <a:xfrm>
-          <a:off x="0" y="0"/>
-          <a:ext cx="0" cy="0"/>
-          <a:chOff x="0" y="0"/>
-          <a:chExt cx="0" cy="0"/>
-        </a:xfrm>
-      </p:grpSpPr>
-      <p:sp>
-        <p:nvSpPr>
-          <p:cNvPr id="2" name="Title 1"/>
-          <p:cNvSpPr>
-            <a:spLocks noGrp="1"/>
-          </p:cNvSpPr>
-          <p:nvPr>
-            <p:ph type="title"/>
-          </p:nvPr>
-        </p:nvSpPr>
-        <p:spPr/>
-        <p:txBody>
-          <a:bodyPr/>
-          <a:lstStyle/>
-          <a:p>
-            <a:r>
-              <a:rPr lang="en-US" dirty="0" smtClean="0"/>
-              <a:t>Technical and musical </a:t>
-            </a:r>
-            <a:r>
-              <a:rPr lang="en-US" dirty="0" smtClean="0"/>
-              <a:t>summary #1 </a:t>
+              <a:t>Technical and musical summary #1 </a:t>
             </a:r>
             <a:endParaRPr lang="he-IL" dirty="0"/>
           </a:p>
@@ -6847,198 +10150,6 @@
     <p:extLst>
       <p:ext uri="{BB962C8B-B14F-4D97-AF65-F5344CB8AC3E}">
         <p14:creationId xmlns:p14="http://schemas.microsoft.com/office/powerpoint/2010/main" val="1173866477"/>
-      </p:ext>
-    </p:extLst>
-  </p:cSld>
-  <p:clrMapOvr>
-    <a:masterClrMapping/>
-  </p:clrMapOvr>
-</p:sld>
-</file>
-
-<file path=ppt/slides/slide8.xml><?xml version="1.0" encoding="utf-8"?>
-<p:sld xmlns:a="http://schemas.openxmlformats.org/drawingml/2006/main" xmlns:r="http://schemas.openxmlformats.org/officeDocument/2006/relationships" xmlns:p="http://schemas.openxmlformats.org/presentationml/2006/main">
-  <p:cSld>
-    <p:spTree>
-      <p:nvGrpSpPr>
-        <p:cNvPr id="1" name=""/>
-        <p:cNvGrpSpPr/>
-        <p:nvPr/>
-      </p:nvGrpSpPr>
-      <p:grpSpPr>
-        <a:xfrm>
-          <a:off x="0" y="0"/>
-          <a:ext cx="0" cy="0"/>
-          <a:chOff x="0" y="0"/>
-          <a:chExt cx="0" cy="0"/>
-        </a:xfrm>
-      </p:grpSpPr>
-      <p:sp>
-        <p:nvSpPr>
-          <p:cNvPr id="2" name="Title 1"/>
-          <p:cNvSpPr>
-            <a:spLocks noGrp="1"/>
-          </p:cNvSpPr>
-          <p:nvPr>
-            <p:ph type="title"/>
-          </p:nvPr>
-        </p:nvSpPr>
-        <p:spPr/>
-        <p:txBody>
-          <a:bodyPr/>
-          <a:lstStyle/>
-          <a:p>
-            <a:r>
-              <a:rPr lang="en-US" dirty="0" smtClean="0"/>
-              <a:t>Technical and musical </a:t>
-            </a:r>
-            <a:r>
-              <a:rPr lang="en-US" dirty="0" smtClean="0"/>
-              <a:t>summary #2 </a:t>
-            </a:r>
-            <a:endParaRPr lang="he-IL" dirty="0"/>
-          </a:p>
-        </p:txBody>
-      </p:sp>
-      <p:sp>
-        <p:nvSpPr>
-          <p:cNvPr id="3" name="Content Placeholder 2"/>
-          <p:cNvSpPr>
-            <a:spLocks noGrp="1"/>
-          </p:cNvSpPr>
-          <p:nvPr>
-            <p:ph idx="1"/>
-          </p:nvPr>
-        </p:nvSpPr>
-        <p:spPr/>
-        <p:txBody>
-          <a:bodyPr/>
-          <a:lstStyle/>
-          <a:p>
-            <a:r>
-              <a:rPr lang="en-US" dirty="0" smtClean="0"/>
-              <a:t>The technical and musical details of the engine are to be defined : basically we want to </a:t>
-            </a:r>
-            <a:r>
-              <a:rPr lang="en-US" dirty="0"/>
-              <a:t>have a unique instrument </a:t>
-            </a:r>
-            <a:r>
-              <a:rPr lang="en-US" dirty="0" smtClean="0"/>
-              <a:t>timbre for each RGB value and a mapping from </a:t>
-            </a:r>
-            <a:r>
-              <a:rPr lang="en-US" dirty="0"/>
-              <a:t>a set of pixels </a:t>
-            </a:r>
-            <a:r>
-              <a:rPr lang="en-US" dirty="0" smtClean="0"/>
-              <a:t>(i.e. </a:t>
-            </a:r>
-            <a:r>
-              <a:rPr lang="en-US" dirty="0"/>
-              <a:t>the surrounding pixels of the chosen pixel) to pitch or time </a:t>
-            </a:r>
-            <a:r>
-              <a:rPr lang="en-US" dirty="0" smtClean="0"/>
-              <a:t>duration</a:t>
-            </a:r>
-            <a:r>
-              <a:rPr lang="en-US" dirty="0" smtClean="0"/>
-              <a:t> </a:t>
-            </a:r>
-          </a:p>
-          <a:p>
-            <a:r>
-              <a:rPr lang="en-US" dirty="0" smtClean="0"/>
-              <a:t>In the advanced phases of the project we would like to give the user the ability to change the engine settings (mapping from visual elements to sound elements) ad to give the user the ability to record its created music</a:t>
-            </a:r>
-            <a:endParaRPr lang="en-US" dirty="0" smtClean="0"/>
-          </a:p>
-          <a:p>
-            <a:pPr marL="0" indent="0">
-              <a:buNone/>
-            </a:pPr>
-            <a:endParaRPr lang="he-IL" dirty="0"/>
-          </a:p>
-        </p:txBody>
-      </p:sp>
-    </p:spTree>
-    <p:extLst>
-      <p:ext uri="{BB962C8B-B14F-4D97-AF65-F5344CB8AC3E}">
-        <p14:creationId xmlns:p14="http://schemas.microsoft.com/office/powerpoint/2010/main" val="2785115466"/>
-      </p:ext>
-    </p:extLst>
-  </p:cSld>
-  <p:clrMapOvr>
-    <a:masterClrMapping/>
-  </p:clrMapOvr>
-</p:sld>
-</file>
-
-<file path=ppt/slides/slide9.xml><?xml version="1.0" encoding="utf-8"?>
-<p:sld xmlns:a="http://schemas.openxmlformats.org/drawingml/2006/main" xmlns:r="http://schemas.openxmlformats.org/officeDocument/2006/relationships" xmlns:p="http://schemas.openxmlformats.org/presentationml/2006/main">
-  <p:cSld>
-    <p:spTree>
-      <p:nvGrpSpPr>
-        <p:cNvPr id="1" name=""/>
-        <p:cNvGrpSpPr/>
-        <p:nvPr/>
-      </p:nvGrpSpPr>
-      <p:grpSpPr>
-        <a:xfrm>
-          <a:off x="0" y="0"/>
-          <a:ext cx="0" cy="0"/>
-          <a:chOff x="0" y="0"/>
-          <a:chExt cx="0" cy="0"/>
-        </a:xfrm>
-      </p:grpSpPr>
-      <p:sp>
-        <p:nvSpPr>
-          <p:cNvPr id="2" name="Title 1"/>
-          <p:cNvSpPr>
-            <a:spLocks noGrp="1"/>
-          </p:cNvSpPr>
-          <p:nvPr>
-            <p:ph type="title"/>
-          </p:nvPr>
-        </p:nvSpPr>
-        <p:spPr/>
-        <p:txBody>
-          <a:bodyPr/>
-          <a:lstStyle/>
-          <a:p>
-            <a:r>
-              <a:rPr lang="en-US" dirty="0" smtClean="0"/>
-              <a:t>UI scheme</a:t>
-            </a:r>
-            <a:endParaRPr lang="he-IL" dirty="0"/>
-          </a:p>
-        </p:txBody>
-      </p:sp>
-      <p:sp>
-        <p:nvSpPr>
-          <p:cNvPr id="3" name="Content Placeholder 2"/>
-          <p:cNvSpPr>
-            <a:spLocks noGrp="1"/>
-          </p:cNvSpPr>
-          <p:nvPr>
-            <p:ph idx="1"/>
-          </p:nvPr>
-        </p:nvSpPr>
-        <p:spPr/>
-        <p:txBody>
-          <a:bodyPr/>
-          <a:lstStyle/>
-          <a:p>
-            <a:endParaRPr lang="he-IL"/>
-          </a:p>
-        </p:txBody>
-      </p:sp>
-    </p:spTree>
-    <p:extLst>
-      <p:ext uri="{BB962C8B-B14F-4D97-AF65-F5344CB8AC3E}">
-        <p14:creationId xmlns:p14="http://schemas.microsoft.com/office/powerpoint/2010/main" val="4019736552"/>
       </p:ext>
     </p:extLst>
   </p:cSld>
@@ -7570,4 +10681,130 @@
     </a:ext>
   </a:extLst>
 </a:theme>
+</file>
+
+<file path=customXml/item1.xml><?xml version="1.0" encoding="utf-8"?>
+<Control xmlns="http://schemas.microsoft.com/VisualStudio/2011/storyboarding/control">
+  <Id Name="System.Storyboarding.Backgrounds.Window" Revision="1" Stencil="System.Storyboarding.Backgrounds" StencilVersion="0.1"/>
+</Control>
+</file>
+
+<file path=customXml/item2.xml><?xml version="1.0" encoding="utf-8"?>
+<Control xmlns="http://schemas.microsoft.com/VisualStudio/2011/storyboarding/control">
+  <Id Name="System.Storyboarding.WindowsDesktop.MenuBar" Revision="1" Stencil="System.Storyboarding.WindowsDesktop" StencilVersion="0.1"/>
+</Control>
+</file>
+
+<file path=customXml/item3.xml><?xml version="1.0" encoding="utf-8"?>
+<Control xmlns="http://schemas.microsoft.com/VisualStudio/2011/storyboarding/control">
+  <Id Name="System.Storyboarding.Media.PositionControl" Revision="1" Stencil="System.Storyboarding.Media" StencilVersion="0.1"/>
+</Control>
+</file>
+
+<file path=customXml/item4.xml><?xml version="1.0" encoding="utf-8"?>
+<Control xmlns="http://schemas.microsoft.com/VisualStudio/2011/storyboarding/control">
+  <Id Name="System.Storyboarding.WindowsDesktop.FileMenu" Revision="1" Stencil="System.Storyboarding.WindowsDesktop" StencilVersion="0.1"/>
+</Control>
+</file>
+
+<file path=customXml/item5.xml><?xml version="1.0" encoding="utf-8"?>
+<Control xmlns="http://schemas.microsoft.com/VisualStudio/2011/storyboarding/control">
+  <Id Name="System.Storyboarding.WindowsApps.WindowsAppsComboBox" Revision="1" Stencil="System.Storyboarding.WindowsApps" StencilVersion="0.1"/>
+</Control>
+</file>
+
+<file path=customXml/item6.xml><?xml version="1.0" encoding="utf-8"?>
+<Control xmlns="http://schemas.microsoft.com/VisualStudio/2011/storyboarding/control">
+  <Id Name="2af01176-85ee-4929-8d41-a331980c979e" RevisionId="be170569-95d9-41cc-85ac-d2bbd0fbf029" Stencil="172d6d98-e5c9-42e9-a209-79f7a94bbd38" StencilRevisionId="00000000-0000-0000-0000-000000000000" StencilVersion="0.0"/>
+</Control>
+</file>
+
+<file path=customXml/item7.xml><?xml version="1.0" encoding="utf-8"?>
+<Control xmlns="http://schemas.microsoft.com/VisualStudio/2011/storyboarding/control">
+  <Id Name="System.Storyboarding.Media.PositionControl" Revision="1" Stencil="System.Storyboarding.Media" StencilVersion="0.1"/>
+</Control>
+</file>
+
+<file path=customXml/item8.xml><?xml version="1.0" encoding="utf-8"?>
+<Control xmlns="http://schemas.microsoft.com/VisualStudio/2011/storyboarding/control">
+  <Id Name="System.Storyboarding.Common.Button" Revision="1" Stencil="System.Storyboarding.Common" StencilVersion="0.1"/>
+</Control>
+</file>
+
+<file path=customXml/item9.xml><?xml version="1.0" encoding="utf-8"?>
+<Control xmlns="http://schemas.microsoft.com/VisualStudio/2011/storyboarding/control">
+  <Id Name="System.Storyboarding.Common.Button" Revision="1" Stencil="System.Storyboarding.Common" StencilVersion="0.1"/>
+</Control>
+</file>
+
+<file path=customXml/itemProps1.xml><?xml version="1.0" encoding="utf-8"?>
+<ds:datastoreItem xmlns:ds="http://schemas.openxmlformats.org/officeDocument/2006/customXml" ds:itemID="{1CFF9BDE-17DF-400C-B375-B4A0FA77CED1}">
+  <ds:schemaRefs>
+    <ds:schemaRef ds:uri="http://schemas.microsoft.com/VisualStudio/2011/storyboarding/control"/>
+  </ds:schemaRefs>
+</ds:datastoreItem>
+</file>
+
+<file path=customXml/itemProps2.xml><?xml version="1.0" encoding="utf-8"?>
+<ds:datastoreItem xmlns:ds="http://schemas.openxmlformats.org/officeDocument/2006/customXml" ds:itemID="{745B0F45-DD12-4898-907B-B42806A386D4}">
+  <ds:schemaRefs>
+    <ds:schemaRef ds:uri="http://schemas.microsoft.com/VisualStudio/2011/storyboarding/control"/>
+  </ds:schemaRefs>
+</ds:datastoreItem>
+</file>
+
+<file path=customXml/itemProps3.xml><?xml version="1.0" encoding="utf-8"?>
+<ds:datastoreItem xmlns:ds="http://schemas.openxmlformats.org/officeDocument/2006/customXml" ds:itemID="{CCE8FDCA-BCE1-4F92-85E3-F157F9680E4B}">
+  <ds:schemaRefs>
+    <ds:schemaRef ds:uri="http://schemas.microsoft.com/VisualStudio/2011/storyboarding/control"/>
+  </ds:schemaRefs>
+</ds:datastoreItem>
+</file>
+
+<file path=customXml/itemProps4.xml><?xml version="1.0" encoding="utf-8"?>
+<ds:datastoreItem xmlns:ds="http://schemas.openxmlformats.org/officeDocument/2006/customXml" ds:itemID="{92FDC7DD-9509-4D67-A928-89B67BCA0762}">
+  <ds:schemaRefs>
+    <ds:schemaRef ds:uri="http://schemas.microsoft.com/VisualStudio/2011/storyboarding/control"/>
+  </ds:schemaRefs>
+</ds:datastoreItem>
+</file>
+
+<file path=customXml/itemProps5.xml><?xml version="1.0" encoding="utf-8"?>
+<ds:datastoreItem xmlns:ds="http://schemas.openxmlformats.org/officeDocument/2006/customXml" ds:itemID="{4023B281-42FC-48B4-9CD9-B146A36C7031}">
+  <ds:schemaRefs>
+    <ds:schemaRef ds:uri="http://schemas.microsoft.com/VisualStudio/2011/storyboarding/control"/>
+  </ds:schemaRefs>
+</ds:datastoreItem>
+</file>
+
+<file path=customXml/itemProps6.xml><?xml version="1.0" encoding="utf-8"?>
+<ds:datastoreItem xmlns:ds="http://schemas.openxmlformats.org/officeDocument/2006/customXml" ds:itemID="{AF0A1625-DDA8-4A57-9128-70B7F3EF17BA}">
+  <ds:schemaRefs>
+    <ds:schemaRef ds:uri="http://schemas.microsoft.com/VisualStudio/2011/storyboarding/control"/>
+  </ds:schemaRefs>
+</ds:datastoreItem>
+</file>
+
+<file path=customXml/itemProps7.xml><?xml version="1.0" encoding="utf-8"?>
+<ds:datastoreItem xmlns:ds="http://schemas.openxmlformats.org/officeDocument/2006/customXml" ds:itemID="{66C3DE21-D17B-4F5D-9A9A-2F4A395270C7}">
+  <ds:schemaRefs>
+    <ds:schemaRef ds:uri="http://schemas.microsoft.com/VisualStudio/2011/storyboarding/control"/>
+  </ds:schemaRefs>
+</ds:datastoreItem>
+</file>
+
+<file path=customXml/itemProps8.xml><?xml version="1.0" encoding="utf-8"?>
+<ds:datastoreItem xmlns:ds="http://schemas.openxmlformats.org/officeDocument/2006/customXml" ds:itemID="{838C5889-261F-4384-9AFA-0B02A900D564}">
+  <ds:schemaRefs>
+    <ds:schemaRef ds:uri="http://schemas.microsoft.com/VisualStudio/2011/storyboarding/control"/>
+  </ds:schemaRefs>
+</ds:datastoreItem>
+</file>
+
+<file path=customXml/itemProps9.xml><?xml version="1.0" encoding="utf-8"?>
+<ds:datastoreItem xmlns:ds="http://schemas.openxmlformats.org/officeDocument/2006/customXml" ds:itemID="{7DAE3BE4-E70D-4EC8-B1B0-025C686D4E8B}">
+  <ds:schemaRefs>
+    <ds:schemaRef ds:uri="http://schemas.microsoft.com/VisualStudio/2011/storyboarding/control"/>
+  </ds:schemaRefs>
+</ds:datastoreItem>
 </file>